--- a/Andronik_WorkWave-Presentation.pptx
+++ b/Andronik_WorkWave-Presentation.pptx
@@ -5,37 +5,33 @@
     <p:sldMasterId id="2147483648" r:id="rId1"/>
   </p:sldMasterIdLst>
   <p:notesMasterIdLst>
-    <p:notesMasterId r:id="rId30"/>
+    <p:notesMasterId r:id="rId26"/>
   </p:notesMasterIdLst>
   <p:sldIdLst>
     <p:sldId id="256" r:id="rId2"/>
     <p:sldId id="259" r:id="rId3"/>
     <p:sldId id="260" r:id="rId4"/>
-    <p:sldId id="270" r:id="rId5"/>
-    <p:sldId id="280" r:id="rId6"/>
-    <p:sldId id="261" r:id="rId7"/>
-    <p:sldId id="266" r:id="rId8"/>
-    <p:sldId id="262" r:id="rId9"/>
-    <p:sldId id="267" r:id="rId10"/>
-    <p:sldId id="263" r:id="rId11"/>
-    <p:sldId id="264" r:id="rId12"/>
+    <p:sldId id="280" r:id="rId5"/>
+    <p:sldId id="261" r:id="rId6"/>
+    <p:sldId id="266" r:id="rId7"/>
+    <p:sldId id="262" r:id="rId8"/>
+    <p:sldId id="267" r:id="rId9"/>
+    <p:sldId id="263" r:id="rId10"/>
+    <p:sldId id="264" r:id="rId11"/>
+    <p:sldId id="265" r:id="rId12"/>
     <p:sldId id="284" r:id="rId13"/>
     <p:sldId id="281" r:id="rId14"/>
     <p:sldId id="282" r:id="rId15"/>
     <p:sldId id="283" r:id="rId16"/>
     <p:sldId id="277" r:id="rId17"/>
-    <p:sldId id="276" r:id="rId18"/>
-    <p:sldId id="268" r:id="rId19"/>
-    <p:sldId id="271" r:id="rId20"/>
-    <p:sldId id="279" r:id="rId21"/>
-    <p:sldId id="278" r:id="rId22"/>
-    <p:sldId id="272" r:id="rId23"/>
-    <p:sldId id="273" r:id="rId24"/>
-    <p:sldId id="274" r:id="rId25"/>
-    <p:sldId id="275" r:id="rId26"/>
-    <p:sldId id="265" r:id="rId27"/>
-    <p:sldId id="269" r:id="rId28"/>
-    <p:sldId id="258" r:id="rId29"/>
+    <p:sldId id="268" r:id="rId18"/>
+    <p:sldId id="271" r:id="rId19"/>
+    <p:sldId id="279" r:id="rId20"/>
+    <p:sldId id="278" r:id="rId21"/>
+    <p:sldId id="285" r:id="rId22"/>
+    <p:sldId id="286" r:id="rId23"/>
+    <p:sldId id="276" r:id="rId24"/>
+    <p:sldId id="258" r:id="rId25"/>
   </p:sldIdLst>
   <p:sldSz cx="12192000" cy="6858000"/>
   <p:notesSz cx="6858000" cy="9144000"/>
@@ -557,7 +553,7 @@
           <a:p>
             <a:fld id="{8C186715-87A4-483C-893F-44FE8AF0C5CF}" type="slidenum">
               <a:rPr lang="ru-UA" smtClean="0"/>
-              <a:t>5</a:t>
+              <a:t>4</a:t>
             </a:fld>
             <a:endParaRPr lang="ru-UA"/>
           </a:p>
@@ -4971,8 +4967,16 @@
               <a:t>Керівник: </a:t>
             </a:r>
             <a:r>
+              <a:rPr lang="ru-RU" sz="2000" b="1" i="1" dirty="0"/>
+              <a:t>ассистент </a:t>
+            </a:r>
+            <a:r>
+              <a:rPr lang="uk-UA" sz="2000" b="1" dirty="0" err="1"/>
+              <a:t>Ватаманіца</a:t>
+            </a:r>
+            <a:r>
               <a:rPr lang="uk-UA" sz="2000" b="1" dirty="0"/>
-              <a:t>Ватаманіца Едгар Вадимович</a:t>
+              <a:t> Едгар Вадимович</a:t>
             </a:r>
             <a:endParaRPr dirty="0"/>
           </a:p>
@@ -5348,150 +5352,59 @@
           </a:prstGeom>
         </p:spPr>
       </p:pic>
-      <p:sp>
-        <p:nvSpPr>
-          <p:cNvPr id="3" name="TextBox 2">
-            <a:extLst>
-              <a:ext uri="{FF2B5EF4-FFF2-40B4-BE49-F238E27FC236}">
-                <a16:creationId xmlns:a16="http://schemas.microsoft.com/office/drawing/2014/main" id="{2B49E728-5774-487A-9121-3836E5613B81}"/>
-              </a:ext>
-            </a:extLst>
-          </p:cNvPr>
-          <p:cNvSpPr txBox="1"/>
+      <p:pic>
+        <p:nvPicPr>
+          <p:cNvPr id="3074" name="Picture 2" descr="Пример проекта в Jira">
+            <a:extLst>
+              <a:ext uri="{FF2B5EF4-FFF2-40B4-BE49-F238E27FC236}">
+                <a16:creationId xmlns:a16="http://schemas.microsoft.com/office/drawing/2014/main" id="{47732C16-EB35-461C-BE56-750DF9A9A336}"/>
+              </a:ext>
+            </a:extLst>
+          </p:cNvPr>
+          <p:cNvPicPr>
+            <a:picLocks noChangeAspect="1" noChangeArrowheads="1"/>
+          </p:cNvPicPr>
           <p:nvPr/>
-        </p:nvSpPr>
-        <p:spPr>
-          <a:xfrm>
-            <a:off x="819150" y="1399584"/>
-            <a:ext cx="10553700" cy="1151597"/>
-          </a:xfrm>
-          <a:prstGeom prst="rect">
-            <a:avLst/>
+        </p:nvPicPr>
+        <p:blipFill>
+          <a:blip r:embed="rId3">
+            <a:extLst>
+              <a:ext uri="{28A0092B-C50C-407E-A947-70E740481C1C}">
+                <a14:useLocalDpi xmlns:a14="http://schemas.microsoft.com/office/drawing/2010/main" val="0"/>
+              </a:ext>
+            </a:extLst>
+          </a:blip>
+          <a:srcRect/>
+          <a:stretch>
+            <a:fillRect/>
+          </a:stretch>
+        </p:blipFill>
+        <p:spPr bwMode="auto">
+          <a:xfrm>
+            <a:off x="1466850" y="1093980"/>
+            <a:ext cx="9258300" cy="4670042"/>
+          </a:xfrm>
+          <a:prstGeom prst="roundRect">
+            <a:avLst>
+              <a:gd name="adj" fmla="val 3206"/>
+            </a:avLst>
           </a:prstGeom>
           <a:noFill/>
-        </p:spPr>
-        <p:txBody>
-          <a:bodyPr wrap="square" rtlCol="0">
-            <a:spAutoFit/>
-          </a:bodyPr>
-          <a:lstStyle/>
-          <a:p>
-            <a:pPr>
-              <a:spcAft>
-                <a:spcPts val="125"/>
-              </a:spcAft>
-            </a:pPr>
-            <a:r>
-              <a:rPr lang="uk-UA" sz="3600" b="1" dirty="0">
-                <a:solidFill>
-                  <a:schemeClr val="bg1"/>
-                </a:solidFill>
-              </a:rPr>
-              <a:t>ОГЛЯД АНАЛОГІВ </a:t>
-            </a:r>
-          </a:p>
-          <a:p>
-            <a:pPr>
-              <a:spcAft>
-                <a:spcPts val="125"/>
-              </a:spcAft>
-            </a:pPr>
-            <a:r>
-              <a:rPr lang="en-US" sz="3200" i="1" dirty="0">
-                <a:solidFill>
-                  <a:schemeClr val="bg1"/>
-                </a:solidFill>
-              </a:rPr>
-              <a:t>JIRA</a:t>
-            </a:r>
-          </a:p>
-        </p:txBody>
-      </p:sp>
-      <p:sp>
-        <p:nvSpPr>
-          <p:cNvPr id="4" name="TextBox 3">
-            <a:extLst>
-              <a:ext uri="{FF2B5EF4-FFF2-40B4-BE49-F238E27FC236}">
-                <a16:creationId xmlns:a16="http://schemas.microsoft.com/office/drawing/2014/main" id="{1C987E9D-D858-4504-A843-8769990B2598}"/>
-              </a:ext>
-            </a:extLst>
-          </p:cNvPr>
-          <p:cNvSpPr txBox="1"/>
-          <p:nvPr/>
-        </p:nvSpPr>
-        <p:spPr>
-          <a:xfrm>
-            <a:off x="1200150" y="3126998"/>
-            <a:ext cx="9763125" cy="1323439"/>
-          </a:xfrm>
-          <a:prstGeom prst="rect">
-            <a:avLst/>
-          </a:prstGeom>
-          <a:noFill/>
-        </p:spPr>
-        <p:txBody>
-          <a:bodyPr wrap="square">
-            <a:spAutoFit/>
-          </a:bodyPr>
-          <a:lstStyle/>
-          <a:p>
-            <a:pPr marL="176400" indent="-285750">
-              <a:spcBef>
-                <a:spcPts val="1200"/>
-              </a:spcBef>
-              <a:buFont typeface="Arial" panose="020B0604020202020204" pitchFamily="34" charset="0"/>
-              <a:buChar char="•"/>
-            </a:pPr>
-            <a:r>
-              <a:rPr lang="uk-UA" sz="2000" b="1" dirty="0">
-                <a:solidFill>
-                  <a:schemeClr val="bg1"/>
-                </a:solidFill>
-              </a:rPr>
-              <a:t>ІНСТРУМЕНІ УПРАВЛІННЯ ВЕЛИКИМИ ПРОЄКТАМИ</a:t>
-            </a:r>
-          </a:p>
-          <a:p>
-            <a:pPr marL="176400" indent="-285750">
-              <a:spcBef>
-                <a:spcPts val="1200"/>
-              </a:spcBef>
-              <a:buFont typeface="Arial" panose="020B0604020202020204" pitchFamily="34" charset="0"/>
-              <a:buChar char="•"/>
-            </a:pPr>
-            <a:r>
-              <a:rPr lang="uk-UA" sz="2000" b="1" dirty="0">
-                <a:solidFill>
-                  <a:schemeClr val="bg1"/>
-                </a:solidFill>
-              </a:rPr>
-              <a:t>ПЛЮСИ: ПІДХОДИТЬ ДЛЯ ВЕЛИКИХ ПРОЄКТІВ, ГНУЧКІСТЬ НАЛАШТУВАНЬ</a:t>
-            </a:r>
-          </a:p>
-          <a:p>
-            <a:pPr marL="176400" indent="-285750">
-              <a:spcBef>
-                <a:spcPts val="1200"/>
-              </a:spcBef>
-              <a:buFont typeface="Arial" panose="020B0604020202020204" pitchFamily="34" charset="0"/>
-              <a:buChar char="•"/>
-            </a:pPr>
-            <a:r>
-              <a:rPr lang="uk-UA" sz="2000" b="1" dirty="0">
-                <a:solidFill>
-                  <a:schemeClr val="bg1"/>
-                </a:solidFill>
-              </a:rPr>
-              <a:t>МІНУСИ: ВИСОКА ВАРТІСТЬ ТА СКЛАДНІСТЬ ОСВОЄННЯ</a:t>
-            </a:r>
-            <a:endParaRPr lang="ru-UA" sz="2000" dirty="0"/>
-          </a:p>
-        </p:txBody>
-      </p:sp>
+          <a:extLst>
+            <a:ext uri="{909E8E84-426E-40DD-AFC4-6F175D3DCCD1}">
+              <a14:hiddenFill xmlns:a14="http://schemas.microsoft.com/office/drawing/2010/main">
+                <a:solidFill>
+                  <a:srgbClr val="FFFFFF"/>
+                </a:solidFill>
+              </a14:hiddenFill>
+            </a:ext>
+          </a:extLst>
+        </p:spPr>
+      </p:pic>
     </p:spTree>
     <p:extLst>
       <p:ext uri="{BB962C8B-B14F-4D97-AF65-F5344CB8AC3E}">
-        <p14:creationId xmlns:p14="http://schemas.microsoft.com/office/powerpoint/2010/main" val="1819738380"/>
+        <p14:creationId xmlns:p14="http://schemas.microsoft.com/office/powerpoint/2010/main" val="2362883364"/>
       </p:ext>
     </p:extLst>
   </p:cSld>
@@ -5554,59 +5467,416 @@
           </a:prstGeom>
         </p:spPr>
       </p:pic>
-      <p:pic>
-        <p:nvPicPr>
-          <p:cNvPr id="3074" name="Picture 2" descr="Пример проекта в Jira">
-            <a:extLst>
-              <a:ext uri="{FF2B5EF4-FFF2-40B4-BE49-F238E27FC236}">
-                <a16:creationId xmlns:a16="http://schemas.microsoft.com/office/drawing/2014/main" id="{47732C16-EB35-461C-BE56-750DF9A9A336}"/>
-              </a:ext>
-            </a:extLst>
-          </p:cNvPr>
-          <p:cNvPicPr>
-            <a:picLocks noChangeAspect="1" noChangeArrowheads="1"/>
-          </p:cNvPicPr>
+      <p:sp>
+        <p:nvSpPr>
+          <p:cNvPr id="3" name="Google Shape;246;p34">
+            <a:extLst>
+              <a:ext uri="{FF2B5EF4-FFF2-40B4-BE49-F238E27FC236}">
+                <a16:creationId xmlns:a16="http://schemas.microsoft.com/office/drawing/2014/main" id="{CDDAFE37-ACB5-4A92-8677-4D4C7F565A84}"/>
+              </a:ext>
+            </a:extLst>
+          </p:cNvPr>
+          <p:cNvSpPr txBox="1">
+            <a:spLocks noGrp="1"/>
+          </p:cNvSpPr>
           <p:nvPr/>
-        </p:nvPicPr>
-        <p:blipFill>
-          <a:blip r:embed="rId3">
-            <a:extLst>
-              <a:ext uri="{28A0092B-C50C-407E-A947-70E740481C1C}">
-                <a14:useLocalDpi xmlns:a14="http://schemas.microsoft.com/office/drawing/2010/main" val="0"/>
-              </a:ext>
-            </a:extLst>
-          </a:blip>
-          <a:srcRect/>
-          <a:stretch>
-            <a:fillRect/>
-          </a:stretch>
-        </p:blipFill>
-        <p:spPr bwMode="auto">
-          <a:xfrm>
-            <a:off x="1466850" y="1093980"/>
-            <a:ext cx="9258300" cy="4670042"/>
-          </a:xfrm>
-          <a:prstGeom prst="roundRect">
-            <a:avLst>
-              <a:gd name="adj" fmla="val 3206"/>
-            </a:avLst>
+        </p:nvSpPr>
+        <p:spPr>
+          <a:xfrm>
+            <a:off x="420585" y="1381125"/>
+            <a:ext cx="9390165" cy="904875"/>
+          </a:xfrm>
+          <a:prstGeom prst="rect">
+            <a:avLst/>
           </a:prstGeom>
           <a:noFill/>
-          <a:extLst>
-            <a:ext uri="{909E8E84-426E-40DD-AFC4-6F175D3DCCD1}">
-              <a14:hiddenFill xmlns:a14="http://schemas.microsoft.com/office/drawing/2010/main">
-                <a:solidFill>
-                  <a:srgbClr val="FFFFFF"/>
-                </a:solidFill>
-              </a14:hiddenFill>
-            </a:ext>
-          </a:extLst>
-        </p:spPr>
-      </p:pic>
+          <a:ln>
+            <a:noFill/>
+          </a:ln>
+        </p:spPr>
+        <p:txBody>
+          <a:bodyPr spcFirstLastPara="1" wrap="square" lIns="91425" tIns="45700" rIns="91425" bIns="45700" anchor="ctr" anchorCtr="0">
+            <a:normAutofit/>
+          </a:bodyPr>
+          <a:lstStyle>
+            <a:defPPr marR="0" lvl="0" algn="l" rtl="0">
+              <a:lnSpc>
+                <a:spcPct val="100000"/>
+              </a:lnSpc>
+              <a:spcBef>
+                <a:spcPts val="0"/>
+              </a:spcBef>
+              <a:spcAft>
+                <a:spcPts val="0"/>
+              </a:spcAft>
+            </a:defPPr>
+            <a:lvl1pPr marR="0" lvl="0" algn="l" rtl="0">
+              <a:lnSpc>
+                <a:spcPct val="100000"/>
+              </a:lnSpc>
+              <a:spcBef>
+                <a:spcPts val="0"/>
+              </a:spcBef>
+              <a:spcAft>
+                <a:spcPts val="0"/>
+              </a:spcAft>
+              <a:buClr>
+                <a:schemeClr val="lt1"/>
+              </a:buClr>
+              <a:buSzPts val="4000"/>
+              <a:buFont typeface="Calibri"/>
+              <a:buNone/>
+              <a:defRPr sz="4000" b="0" i="0" u="none" strike="noStrike" cap="none">
+                <a:solidFill>
+                  <a:schemeClr val="lt1"/>
+                </a:solidFill>
+                <a:latin typeface="Calibri"/>
+                <a:ea typeface="Calibri"/>
+                <a:cs typeface="Calibri"/>
+                <a:sym typeface="Calibri"/>
+              </a:defRPr>
+            </a:lvl1pPr>
+            <a:lvl2pPr marR="0" lvl="1" algn="l" rtl="0">
+              <a:lnSpc>
+                <a:spcPct val="100000"/>
+              </a:lnSpc>
+              <a:spcBef>
+                <a:spcPts val="0"/>
+              </a:spcBef>
+              <a:spcAft>
+                <a:spcPts val="0"/>
+              </a:spcAft>
+              <a:buClr>
+                <a:srgbClr val="000000"/>
+              </a:buClr>
+              <a:buSzPts val="1400"/>
+              <a:buFont typeface="Arial"/>
+              <a:buNone/>
+              <a:defRPr sz="1800" b="0" i="0" u="none" strike="noStrike" cap="none">
+                <a:solidFill>
+                  <a:schemeClr val="lt2"/>
+                </a:solidFill>
+                <a:latin typeface="Arial"/>
+                <a:ea typeface="Arial"/>
+                <a:cs typeface="Arial"/>
+                <a:sym typeface="Arial"/>
+              </a:defRPr>
+            </a:lvl2pPr>
+            <a:lvl3pPr marR="0" lvl="2" algn="l" rtl="0">
+              <a:lnSpc>
+                <a:spcPct val="100000"/>
+              </a:lnSpc>
+              <a:spcBef>
+                <a:spcPts val="0"/>
+              </a:spcBef>
+              <a:spcAft>
+                <a:spcPts val="0"/>
+              </a:spcAft>
+              <a:buClr>
+                <a:srgbClr val="000000"/>
+              </a:buClr>
+              <a:buSzPts val="1400"/>
+              <a:buFont typeface="Arial"/>
+              <a:buNone/>
+              <a:defRPr sz="1800" b="0" i="0" u="none" strike="noStrike" cap="none">
+                <a:solidFill>
+                  <a:schemeClr val="lt2"/>
+                </a:solidFill>
+                <a:latin typeface="Arial"/>
+                <a:ea typeface="Arial"/>
+                <a:cs typeface="Arial"/>
+                <a:sym typeface="Arial"/>
+              </a:defRPr>
+            </a:lvl3pPr>
+            <a:lvl4pPr marR="0" lvl="3" algn="l" rtl="0">
+              <a:lnSpc>
+                <a:spcPct val="100000"/>
+              </a:lnSpc>
+              <a:spcBef>
+                <a:spcPts val="0"/>
+              </a:spcBef>
+              <a:spcAft>
+                <a:spcPts val="0"/>
+              </a:spcAft>
+              <a:buClr>
+                <a:srgbClr val="000000"/>
+              </a:buClr>
+              <a:buSzPts val="1400"/>
+              <a:buFont typeface="Arial"/>
+              <a:buNone/>
+              <a:defRPr sz="1800" b="0" i="0" u="none" strike="noStrike" cap="none">
+                <a:solidFill>
+                  <a:schemeClr val="lt2"/>
+                </a:solidFill>
+                <a:latin typeface="Arial"/>
+                <a:ea typeface="Arial"/>
+                <a:cs typeface="Arial"/>
+                <a:sym typeface="Arial"/>
+              </a:defRPr>
+            </a:lvl4pPr>
+            <a:lvl5pPr marR="0" lvl="4" algn="l" rtl="0">
+              <a:lnSpc>
+                <a:spcPct val="100000"/>
+              </a:lnSpc>
+              <a:spcBef>
+                <a:spcPts val="0"/>
+              </a:spcBef>
+              <a:spcAft>
+                <a:spcPts val="0"/>
+              </a:spcAft>
+              <a:buClr>
+                <a:srgbClr val="000000"/>
+              </a:buClr>
+              <a:buSzPts val="1400"/>
+              <a:buFont typeface="Arial"/>
+              <a:buNone/>
+              <a:defRPr sz="1800" b="0" i="0" u="none" strike="noStrike" cap="none">
+                <a:solidFill>
+                  <a:schemeClr val="lt2"/>
+                </a:solidFill>
+                <a:latin typeface="Arial"/>
+                <a:ea typeface="Arial"/>
+                <a:cs typeface="Arial"/>
+                <a:sym typeface="Arial"/>
+              </a:defRPr>
+            </a:lvl5pPr>
+            <a:lvl6pPr marR="0" lvl="5" algn="l" rtl="0">
+              <a:lnSpc>
+                <a:spcPct val="100000"/>
+              </a:lnSpc>
+              <a:spcBef>
+                <a:spcPts val="0"/>
+              </a:spcBef>
+              <a:spcAft>
+                <a:spcPts val="0"/>
+              </a:spcAft>
+              <a:buClr>
+                <a:srgbClr val="000000"/>
+              </a:buClr>
+              <a:buSzPts val="1400"/>
+              <a:buFont typeface="Arial"/>
+              <a:buNone/>
+              <a:defRPr sz="1800" b="0" i="0" u="none" strike="noStrike" cap="none">
+                <a:solidFill>
+                  <a:schemeClr val="lt2"/>
+                </a:solidFill>
+                <a:latin typeface="Arial"/>
+                <a:ea typeface="Arial"/>
+                <a:cs typeface="Arial"/>
+                <a:sym typeface="Arial"/>
+              </a:defRPr>
+            </a:lvl6pPr>
+            <a:lvl7pPr marR="0" lvl="6" algn="l" rtl="0">
+              <a:lnSpc>
+                <a:spcPct val="100000"/>
+              </a:lnSpc>
+              <a:spcBef>
+                <a:spcPts val="0"/>
+              </a:spcBef>
+              <a:spcAft>
+                <a:spcPts val="0"/>
+              </a:spcAft>
+              <a:buClr>
+                <a:srgbClr val="000000"/>
+              </a:buClr>
+              <a:buSzPts val="1400"/>
+              <a:buFont typeface="Arial"/>
+              <a:buNone/>
+              <a:defRPr sz="1800" b="0" i="0" u="none" strike="noStrike" cap="none">
+                <a:solidFill>
+                  <a:schemeClr val="lt2"/>
+                </a:solidFill>
+                <a:latin typeface="Arial"/>
+                <a:ea typeface="Arial"/>
+                <a:cs typeface="Arial"/>
+                <a:sym typeface="Arial"/>
+              </a:defRPr>
+            </a:lvl7pPr>
+            <a:lvl8pPr marR="0" lvl="7" algn="l" rtl="0">
+              <a:lnSpc>
+                <a:spcPct val="100000"/>
+              </a:lnSpc>
+              <a:spcBef>
+                <a:spcPts val="0"/>
+              </a:spcBef>
+              <a:spcAft>
+                <a:spcPts val="0"/>
+              </a:spcAft>
+              <a:buClr>
+                <a:srgbClr val="000000"/>
+              </a:buClr>
+              <a:buSzPts val="1400"/>
+              <a:buFont typeface="Arial"/>
+              <a:buNone/>
+              <a:defRPr sz="1800" b="0" i="0" u="none" strike="noStrike" cap="none">
+                <a:solidFill>
+                  <a:schemeClr val="lt2"/>
+                </a:solidFill>
+                <a:latin typeface="Arial"/>
+                <a:ea typeface="Arial"/>
+                <a:cs typeface="Arial"/>
+                <a:sym typeface="Arial"/>
+              </a:defRPr>
+            </a:lvl8pPr>
+            <a:lvl9pPr marR="0" lvl="8" algn="l" rtl="0">
+              <a:lnSpc>
+                <a:spcPct val="100000"/>
+              </a:lnSpc>
+              <a:spcBef>
+                <a:spcPts val="0"/>
+              </a:spcBef>
+              <a:spcAft>
+                <a:spcPts val="0"/>
+              </a:spcAft>
+              <a:buClr>
+                <a:srgbClr val="000000"/>
+              </a:buClr>
+              <a:buSzPts val="1400"/>
+              <a:buFont typeface="Arial"/>
+              <a:buNone/>
+              <a:defRPr sz="1800" b="0" i="0" u="none" strike="noStrike" cap="none">
+                <a:solidFill>
+                  <a:schemeClr val="lt2"/>
+                </a:solidFill>
+                <a:latin typeface="Arial"/>
+                <a:ea typeface="Arial"/>
+                <a:cs typeface="Arial"/>
+                <a:sym typeface="Arial"/>
+              </a:defRPr>
+            </a:lvl9pPr>
+          </a:lstStyle>
+          <a:p>
+            <a:pPr marL="0" lvl="0" indent="0" rtl="0">
+              <a:spcBef>
+                <a:spcPts val="0"/>
+              </a:spcBef>
+              <a:spcAft>
+                <a:spcPts val="0"/>
+              </a:spcAft>
+              <a:buClr>
+                <a:schemeClr val="lt1"/>
+              </a:buClr>
+              <a:buSzPts val="4800"/>
+              <a:buFont typeface="Calibri"/>
+              <a:buNone/>
+            </a:pPr>
+            <a:r>
+              <a:rPr lang="uk-UA" sz="4800" b="1" i="0" dirty="0"/>
+              <a:t>СТЕК ВИКОРИСТАНИХ ТЕХНОЛОГІЙ</a:t>
+            </a:r>
+            <a:endParaRPr sz="4800" dirty="0"/>
+          </a:p>
+        </p:txBody>
+      </p:sp>
+      <p:sp>
+        <p:nvSpPr>
+          <p:cNvPr id="2" name="TextBox 1">
+            <a:extLst>
+              <a:ext uri="{FF2B5EF4-FFF2-40B4-BE49-F238E27FC236}">
+                <a16:creationId xmlns:a16="http://schemas.microsoft.com/office/drawing/2014/main" id="{A13BEDFA-36BC-4D58-A930-190A15C3CD8B}"/>
+              </a:ext>
+            </a:extLst>
+          </p:cNvPr>
+          <p:cNvSpPr txBox="1"/>
+          <p:nvPr/>
+        </p:nvSpPr>
+        <p:spPr>
+          <a:xfrm>
+            <a:off x="862873" y="2844105"/>
+            <a:ext cx="9117881" cy="1318181"/>
+          </a:xfrm>
+          <a:prstGeom prst="rect">
+            <a:avLst/>
+          </a:prstGeom>
+          <a:noFill/>
+        </p:spPr>
+        <p:txBody>
+          <a:bodyPr wrap="none" rtlCol="0">
+            <a:spAutoFit/>
+          </a:bodyPr>
+          <a:lstStyle/>
+          <a:p>
+            <a:pPr marL="285750" indent="-285750">
+              <a:lnSpc>
+                <a:spcPct val="150000"/>
+              </a:lnSpc>
+              <a:buFont typeface="Arial" panose="020B0604020202020204" pitchFamily="34" charset="0"/>
+              <a:buChar char="•"/>
+            </a:pPr>
+            <a:r>
+              <a:rPr lang="en-US" sz="2800" b="1" dirty="0">
+                <a:solidFill>
+                  <a:schemeClr val="bg1"/>
+                </a:solidFill>
+              </a:rPr>
+              <a:t>NODE.JS</a:t>
+            </a:r>
+            <a:r>
+              <a:rPr lang="uk-UA" sz="2800" b="1" dirty="0">
+                <a:solidFill>
+                  <a:schemeClr val="bg1"/>
+                </a:solidFill>
+              </a:rPr>
+              <a:t> – МОВА ПРОГРАМУВАННЯ </a:t>
+            </a:r>
+            <a:r>
+              <a:rPr lang="en-US" sz="2800" b="1" dirty="0">
+                <a:solidFill>
+                  <a:schemeClr val="bg1"/>
+                </a:solidFill>
+              </a:rPr>
+              <a:t>BACK-END</a:t>
+            </a:r>
+            <a:r>
+              <a:rPr lang="uk-UA" sz="2800" b="1" dirty="0">
+                <a:solidFill>
+                  <a:schemeClr val="bg1"/>
+                </a:solidFill>
+              </a:rPr>
+              <a:t> ЧАСТИНИ</a:t>
+            </a:r>
+            <a:endParaRPr lang="en-US" sz="2800" b="1" dirty="0">
+              <a:solidFill>
+                <a:schemeClr val="bg1"/>
+              </a:solidFill>
+            </a:endParaRPr>
+          </a:p>
+          <a:p>
+            <a:pPr marL="285750" indent="-285750">
+              <a:lnSpc>
+                <a:spcPct val="150000"/>
+              </a:lnSpc>
+              <a:buFont typeface="Arial" panose="020B0604020202020204" pitchFamily="34" charset="0"/>
+              <a:buChar char="•"/>
+            </a:pPr>
+            <a:r>
+              <a:rPr lang="en-US" sz="2800" b="1" dirty="0">
+                <a:solidFill>
+                  <a:schemeClr val="bg1"/>
+                </a:solidFill>
+              </a:rPr>
+              <a:t>MYSQL – </a:t>
+            </a:r>
+            <a:r>
+              <a:rPr lang="uk-UA" sz="2800" b="1" dirty="0">
+                <a:solidFill>
+                  <a:schemeClr val="bg1"/>
+                </a:solidFill>
+              </a:rPr>
+              <a:t>ДЛЯ ЗБЕРІГАННЯ І ОБРОБКИ ДАНИХ</a:t>
+            </a:r>
+            <a:endParaRPr lang="ru-UA" sz="2800" b="1" dirty="0">
+              <a:solidFill>
+                <a:schemeClr val="bg1"/>
+              </a:solidFill>
+            </a:endParaRPr>
+          </a:p>
+        </p:txBody>
+      </p:sp>
     </p:spTree>
     <p:extLst>
       <p:ext uri="{BB962C8B-B14F-4D97-AF65-F5344CB8AC3E}">
-        <p14:creationId xmlns:p14="http://schemas.microsoft.com/office/powerpoint/2010/main" val="2362883364"/>
+        <p14:creationId xmlns:p14="http://schemas.microsoft.com/office/powerpoint/2010/main" val="4019663714"/>
       </p:ext>
     </p:extLst>
   </p:cSld>
@@ -5916,7 +6186,7 @@
         <p:spPr>
           <a:xfrm>
             <a:off x="316054" y="1928634"/>
-            <a:ext cx="2432525" cy="369332"/>
+            <a:ext cx="2502673" cy="369332"/>
           </a:xfrm>
           <a:prstGeom prst="rect">
             <a:avLst/>
@@ -5930,14 +6200,14 @@
           <a:lstStyle/>
           <a:p>
             <a:r>
-              <a:rPr lang="uk-UA" dirty="0">
+              <a:rPr lang="uk-UA" b="1" dirty="0">
                 <a:solidFill>
                   <a:schemeClr val="bg1"/>
                 </a:solidFill>
               </a:rPr>
               <a:t>1. Шифрування пароля</a:t>
             </a:r>
-            <a:endParaRPr lang="ru-UA" dirty="0">
+            <a:endParaRPr lang="ru-UA" b="1" dirty="0">
               <a:solidFill>
                 <a:schemeClr val="bg1"/>
               </a:solidFill>
@@ -5989,7 +6259,7 @@
         <p:spPr>
           <a:xfrm>
             <a:off x="3813856" y="2757902"/>
-            <a:ext cx="3238131" cy="369332"/>
+            <a:ext cx="3321871" cy="369332"/>
           </a:xfrm>
           <a:prstGeom prst="rect">
             <a:avLst/>
@@ -6003,14 +6273,14 @@
           <a:lstStyle/>
           <a:p>
             <a:r>
-              <a:rPr lang="uk-UA" dirty="0">
+              <a:rPr lang="uk-UA" b="1" dirty="0">
                 <a:solidFill>
                   <a:schemeClr val="bg1"/>
                 </a:solidFill>
               </a:rPr>
               <a:t>2. Додавання користувача в БД</a:t>
             </a:r>
-            <a:endParaRPr lang="ru-UA" dirty="0">
+            <a:endParaRPr lang="ru-UA" b="1" dirty="0">
               <a:solidFill>
                 <a:schemeClr val="bg1"/>
               </a:solidFill>
@@ -6094,7 +6364,7 @@
         <p:spPr>
           <a:xfrm>
             <a:off x="316054" y="3808927"/>
-            <a:ext cx="2611164" cy="369332"/>
+            <a:ext cx="2655792" cy="369332"/>
           </a:xfrm>
           <a:prstGeom prst="rect">
             <a:avLst/>
@@ -6108,7 +6378,7 @@
           <a:lstStyle/>
           <a:p>
             <a:r>
-              <a:rPr lang="uk-UA" dirty="0">
+              <a:rPr lang="uk-UA" b="1" dirty="0">
                 <a:solidFill>
                   <a:schemeClr val="bg1"/>
                 </a:solidFill>
@@ -6116,7 +6386,7 @@
               <a:t>3. Створення</a:t>
             </a:r>
             <a:r>
-              <a:rPr lang="en-US" dirty="0">
+              <a:rPr lang="en-US" b="1" dirty="0">
                 <a:solidFill>
                   <a:schemeClr val="bg1"/>
                 </a:solidFill>
@@ -6124,14 +6394,14 @@
               <a:t> JWT</a:t>
             </a:r>
             <a:r>
-              <a:rPr lang="uk-UA" dirty="0">
+              <a:rPr lang="uk-UA" b="1" dirty="0">
                 <a:solidFill>
                   <a:schemeClr val="bg1"/>
                 </a:solidFill>
               </a:rPr>
               <a:t> токена</a:t>
             </a:r>
-            <a:endParaRPr lang="ru-UA" dirty="0">
+            <a:endParaRPr lang="ru-UA" b="1" dirty="0">
               <a:solidFill>
                 <a:schemeClr val="bg1"/>
               </a:solidFill>
@@ -6198,7 +6468,7 @@
           <a:lstStyle/>
           <a:p>
             <a:r>
-              <a:rPr lang="uk-UA" dirty="0">
+              <a:rPr lang="uk-UA" b="1" dirty="0">
                 <a:solidFill>
                   <a:schemeClr val="bg1"/>
                 </a:solidFill>
@@ -6206,7 +6476,7 @@
               <a:t>4. Повернення відповіді на </a:t>
             </a:r>
             <a:r>
-              <a:rPr lang="en-US" dirty="0">
+              <a:rPr lang="en-US" b="1" dirty="0">
                 <a:solidFill>
                   <a:schemeClr val="bg1"/>
                 </a:solidFill>
@@ -6214,14 +6484,14 @@
               <a:t>Front</a:t>
             </a:r>
             <a:r>
-              <a:rPr lang="uk-UA" dirty="0">
+              <a:rPr lang="uk-UA" b="1" dirty="0">
                 <a:solidFill>
                   <a:schemeClr val="bg1"/>
                 </a:solidFill>
               </a:rPr>
               <a:t>, без пароля (для безпеки)</a:t>
             </a:r>
-            <a:endParaRPr lang="ru-UA" dirty="0">
+            <a:endParaRPr lang="ru-UA" b="1" dirty="0">
               <a:solidFill>
                 <a:schemeClr val="bg1"/>
               </a:solidFill>
@@ -6488,14 +6758,14 @@
           <a:lstStyle/>
           <a:p>
             <a:r>
-              <a:rPr lang="uk-UA" dirty="0">
+              <a:rPr lang="uk-UA" b="1" dirty="0">
                 <a:solidFill>
                   <a:schemeClr val="bg1"/>
                 </a:solidFill>
               </a:rPr>
               <a:t>1. Знаходження та перевірка наявності користувача</a:t>
             </a:r>
-            <a:endParaRPr lang="ru-UA" dirty="0">
+            <a:endParaRPr lang="ru-UA" b="1" dirty="0">
               <a:solidFill>
                 <a:schemeClr val="bg1"/>
               </a:solidFill>
@@ -6562,14 +6832,14 @@
           <a:lstStyle/>
           <a:p>
             <a:r>
-              <a:rPr lang="uk-UA" dirty="0">
+              <a:rPr lang="uk-UA" b="1" dirty="0">
                 <a:solidFill>
                   <a:schemeClr val="bg1"/>
                 </a:solidFill>
               </a:rPr>
               <a:t>2. Перевірка валідності введеного пароля</a:t>
             </a:r>
-            <a:endParaRPr lang="ru-UA" dirty="0">
+            <a:endParaRPr lang="ru-UA" b="1" dirty="0">
               <a:solidFill>
                 <a:schemeClr val="bg1"/>
               </a:solidFill>
@@ -6622,7 +6892,7 @@
         <p:spPr>
           <a:xfrm>
             <a:off x="158027" y="3875509"/>
-            <a:ext cx="2611164" cy="369332"/>
+            <a:ext cx="2655792" cy="369332"/>
           </a:xfrm>
           <a:prstGeom prst="rect">
             <a:avLst/>
@@ -6636,7 +6906,7 @@
           <a:lstStyle/>
           <a:p>
             <a:r>
-              <a:rPr lang="uk-UA" dirty="0">
+              <a:rPr lang="uk-UA" b="1" dirty="0">
                 <a:solidFill>
                   <a:schemeClr val="bg1"/>
                 </a:solidFill>
@@ -6644,7 +6914,7 @@
               <a:t>3. Створення</a:t>
             </a:r>
             <a:r>
-              <a:rPr lang="en-US" dirty="0">
+              <a:rPr lang="en-US" b="1" dirty="0">
                 <a:solidFill>
                   <a:schemeClr val="bg1"/>
                 </a:solidFill>
@@ -6652,14 +6922,14 @@
               <a:t> JWT</a:t>
             </a:r>
             <a:r>
-              <a:rPr lang="uk-UA" dirty="0">
+              <a:rPr lang="uk-UA" b="1" dirty="0">
                 <a:solidFill>
                   <a:schemeClr val="bg1"/>
                 </a:solidFill>
               </a:rPr>
               <a:t> токена</a:t>
             </a:r>
-            <a:endParaRPr lang="ru-UA" dirty="0">
+            <a:endParaRPr lang="ru-UA" b="1" dirty="0">
               <a:solidFill>
                 <a:schemeClr val="bg1"/>
               </a:solidFill>
@@ -6726,7 +6996,7 @@
           <a:lstStyle/>
           <a:p>
             <a:r>
-              <a:rPr lang="uk-UA" dirty="0">
+              <a:rPr lang="uk-UA" b="1" dirty="0">
                 <a:solidFill>
                   <a:schemeClr val="bg1"/>
                 </a:solidFill>
@@ -6734,7 +7004,7 @@
               <a:t>4. Повернення відповіді на </a:t>
             </a:r>
             <a:r>
-              <a:rPr lang="en-US" dirty="0">
+              <a:rPr lang="en-US" b="1" dirty="0">
                 <a:solidFill>
                   <a:schemeClr val="bg1"/>
                 </a:solidFill>
@@ -6742,14 +7012,14 @@
               <a:t>Front</a:t>
             </a:r>
             <a:r>
-              <a:rPr lang="uk-UA" dirty="0">
+              <a:rPr lang="uk-UA" b="1" dirty="0">
                 <a:solidFill>
                   <a:schemeClr val="bg1"/>
                 </a:solidFill>
               </a:rPr>
               <a:t>, без пароля (для безпеки)</a:t>
             </a:r>
-            <a:endParaRPr lang="ru-UA" dirty="0">
+            <a:endParaRPr lang="ru-UA" b="1" dirty="0">
               <a:solidFill>
                 <a:schemeClr val="bg1"/>
               </a:solidFill>
@@ -6988,7 +7258,7 @@
           <a:lstStyle/>
           <a:p>
             <a:r>
-              <a:rPr lang="uk-UA" dirty="0">
+              <a:rPr lang="uk-UA" b="1" dirty="0">
                 <a:solidFill>
                   <a:schemeClr val="bg1"/>
                 </a:solidFill>
@@ -6996,14 +7266,14 @@
               <a:t>Реалізації</a:t>
             </a:r>
             <a:r>
-              <a:rPr lang="en-US" dirty="0">
+              <a:rPr lang="en-US" b="1" dirty="0">
                 <a:solidFill>
                   <a:schemeClr val="bg1"/>
                 </a:solidFill>
               </a:rPr>
               <a:t> end-points</a:t>
             </a:r>
-            <a:endParaRPr lang="ru-UA" dirty="0">
+            <a:endParaRPr lang="ru-UA" b="1" dirty="0">
               <a:solidFill>
                 <a:schemeClr val="bg1"/>
               </a:solidFill>
@@ -7040,7 +7310,7 @@
           <a:lstStyle/>
           <a:p>
             <a:r>
-              <a:rPr lang="uk-UA" dirty="0">
+              <a:rPr lang="uk-UA" b="1" dirty="0">
                 <a:solidFill>
                   <a:schemeClr val="bg1"/>
                 </a:solidFill>
@@ -7050,7 +7320,7 @@
           </a:p>
           <a:p>
             <a:r>
-              <a:rPr lang="uk-UA" dirty="0">
+              <a:rPr lang="uk-UA" b="1" dirty="0">
                 <a:solidFill>
                   <a:schemeClr val="bg1"/>
                 </a:solidFill>
@@ -7058,7 +7328,7 @@
               <a:t>(</a:t>
             </a:r>
             <a:r>
-              <a:rPr lang="en-US" dirty="0">
+              <a:rPr lang="en-US" b="1" dirty="0">
                 <a:solidFill>
                   <a:schemeClr val="bg1"/>
                 </a:solidFill>
@@ -7066,14 +7336,14 @@
               <a:t>custom middleware</a:t>
             </a:r>
             <a:r>
-              <a:rPr lang="uk-UA" dirty="0">
+              <a:rPr lang="uk-UA" b="1" dirty="0">
                 <a:solidFill>
                   <a:schemeClr val="bg1"/>
                 </a:solidFill>
               </a:rPr>
               <a:t>)</a:t>
             </a:r>
-            <a:endParaRPr lang="ru-UA" dirty="0">
+            <a:endParaRPr lang="ru-UA" b="1" dirty="0">
               <a:solidFill>
                 <a:schemeClr val="bg1"/>
               </a:solidFill>
@@ -7262,13 +7532,8 @@
                   <a:schemeClr val="bg1"/>
                 </a:solidFill>
               </a:rPr>
-              <a:t>Розробка нових функцій</a:t>
-            </a:r>
-            <a:endParaRPr lang="en-US" sz="2400" b="1" dirty="0">
-              <a:solidFill>
-                <a:schemeClr val="bg1"/>
-              </a:solidFill>
-            </a:endParaRPr>
+              <a:t>Розробка користувацького інтерфейса</a:t>
+            </a:r>
           </a:p>
           <a:p>
             <a:pPr marL="285750" indent="-285750">
@@ -7413,10 +7678,10 @@
       </p:pic>
       <p:sp>
         <p:nvSpPr>
-          <p:cNvPr id="3" name="Google Shape;266;p37">
-            <a:extLst>
-              <a:ext uri="{FF2B5EF4-FFF2-40B4-BE49-F238E27FC236}">
-                <a16:creationId xmlns:a16="http://schemas.microsoft.com/office/drawing/2014/main" id="{187A582F-0803-467C-A122-9C98A7D0EB6E}"/>
+          <p:cNvPr id="3" name="Google Shape;272;p38">
+            <a:extLst>
+              <a:ext uri="{FF2B5EF4-FFF2-40B4-BE49-F238E27FC236}">
+                <a16:creationId xmlns:a16="http://schemas.microsoft.com/office/drawing/2014/main" id="{80077758-0E7D-47CA-969E-DAD9F3ED75AE}"/>
               </a:ext>
             </a:extLst>
           </p:cNvPr>
@@ -7427,8 +7692,8 @@
         </p:nvSpPr>
         <p:spPr>
           <a:xfrm>
-            <a:off x="622851" y="695325"/>
-            <a:ext cx="10241448" cy="1102208"/>
+            <a:off x="709712" y="365760"/>
+            <a:ext cx="10258226" cy="3063240"/>
           </a:xfrm>
           <a:prstGeom prst="rect">
             <a:avLst/>
@@ -7700,74 +7965,29 @@
               <a:buClr>
                 <a:schemeClr val="lt1"/>
               </a:buClr>
-              <a:buSzPts val="4400"/>
+              <a:buSzPts val="7200"/>
               <a:buFont typeface="Calibri"/>
               <a:buNone/>
             </a:pPr>
             <a:r>
-              <a:rPr lang="uk-UA" sz="4400" b="1" i="0" dirty="0"/>
-              <a:t>ВИСНОВКИ</a:t>
-            </a:r>
-            <a:endParaRPr sz="4400" dirty="0"/>
-          </a:p>
-        </p:txBody>
-      </p:sp>
-      <p:sp>
-        <p:nvSpPr>
-          <p:cNvPr id="2" name="TextBox 1">
-            <a:extLst>
-              <a:ext uri="{FF2B5EF4-FFF2-40B4-BE49-F238E27FC236}">
-                <a16:creationId xmlns:a16="http://schemas.microsoft.com/office/drawing/2014/main" id="{39F731F9-76C3-4B98-B860-536415119E70}"/>
-              </a:ext>
-            </a:extLst>
-          </p:cNvPr>
-          <p:cNvSpPr txBox="1"/>
-          <p:nvPr/>
-        </p:nvSpPr>
-        <p:spPr>
-          <a:xfrm>
-            <a:off x="1059138" y="2521059"/>
-            <a:ext cx="10073724" cy="1815882"/>
-          </a:xfrm>
-          <a:prstGeom prst="rect">
-            <a:avLst/>
-          </a:prstGeom>
-          <a:noFill/>
-        </p:spPr>
-        <p:txBody>
-          <a:bodyPr wrap="square" rtlCol="0">
-            <a:spAutoFit/>
-          </a:bodyPr>
-          <a:lstStyle/>
-          <a:p>
-            <a:r>
-              <a:rPr lang="en-US" sz="2800" b="1" dirty="0">
-                <a:solidFill>
-                  <a:schemeClr val="bg1"/>
-                </a:solidFill>
-              </a:rPr>
-              <a:t>WorkWave</a:t>
-            </a:r>
-            <a:r>
-              <a:rPr lang="uk-UA" sz="2800" b="1" dirty="0">
-                <a:solidFill>
-                  <a:schemeClr val="bg1"/>
-                </a:solidFill>
-              </a:rPr>
-              <a:t>- це потужний інструмент для управління проєктами, який поєднує в собі простоту використання та багатофункціональність, що дозволяє ефективно керувати проєктами будь-якої складності</a:t>
-            </a:r>
-            <a:endParaRPr lang="ru-UA" sz="2800" b="1" dirty="0">
-              <a:solidFill>
-                <a:schemeClr val="bg1"/>
-              </a:solidFill>
-            </a:endParaRPr>
+              <a:rPr lang="uk-UA" sz="7200" b="1" dirty="0"/>
+              <a:t>ПРИКЛАДИ РОБОТИ</a:t>
+            </a:r>
+            <a:br>
+              <a:rPr lang="uk-UA" sz="7200" b="1" dirty="0"/>
+            </a:br>
+            <a:r>
+              <a:rPr lang="uk-UA" sz="7200" b="1" dirty="0"/>
+              <a:t>СИСТЕМИ</a:t>
+            </a:r>
+            <a:endParaRPr b="1" dirty="0"/>
           </a:p>
         </p:txBody>
       </p:sp>
     </p:spTree>
     <p:extLst>
       <p:ext uri="{BB962C8B-B14F-4D97-AF65-F5344CB8AC3E}">
-        <p14:creationId xmlns:p14="http://schemas.microsoft.com/office/powerpoint/2010/main" val="1359337886"/>
+        <p14:creationId xmlns:p14="http://schemas.microsoft.com/office/powerpoint/2010/main" val="2196693634"/>
       </p:ext>
     </p:extLst>
   </p:cSld>
@@ -7832,316 +8052,84 @@
       </p:pic>
       <p:sp>
         <p:nvSpPr>
-          <p:cNvPr id="3" name="Google Shape;272;p38">
-            <a:extLst>
-              <a:ext uri="{FF2B5EF4-FFF2-40B4-BE49-F238E27FC236}">
-                <a16:creationId xmlns:a16="http://schemas.microsoft.com/office/drawing/2014/main" id="{80077758-0E7D-47CA-969E-DAD9F3ED75AE}"/>
-              </a:ext>
-            </a:extLst>
-          </p:cNvPr>
-          <p:cNvSpPr txBox="1">
-            <a:spLocks noGrp="1"/>
-          </p:cNvSpPr>
+          <p:cNvPr id="2" name="TextBox 1">
+            <a:extLst>
+              <a:ext uri="{FF2B5EF4-FFF2-40B4-BE49-F238E27FC236}">
+                <a16:creationId xmlns:a16="http://schemas.microsoft.com/office/drawing/2014/main" id="{9120F81A-E010-4EEC-8976-0F2783A1A2CD}"/>
+              </a:ext>
+            </a:extLst>
+          </p:cNvPr>
+          <p:cNvSpPr txBox="1"/>
           <p:nvPr/>
         </p:nvSpPr>
         <p:spPr>
           <a:xfrm>
-            <a:off x="709712" y="365760"/>
-            <a:ext cx="10258226" cy="3063240"/>
+            <a:off x="241865" y="838200"/>
+            <a:ext cx="3302827" cy="707886"/>
           </a:xfrm>
           <a:prstGeom prst="rect">
             <a:avLst/>
           </a:prstGeom>
           <a:noFill/>
-          <a:ln>
-            <a:noFill/>
-          </a:ln>
-        </p:spPr>
-        <p:txBody>
-          <a:bodyPr spcFirstLastPara="1" wrap="square" lIns="91425" tIns="45700" rIns="91425" bIns="45700" anchor="ctr" anchorCtr="0">
-            <a:normAutofit/>
+        </p:spPr>
+        <p:txBody>
+          <a:bodyPr wrap="none" rtlCol="0">
+            <a:spAutoFit/>
           </a:bodyPr>
-          <a:lstStyle>
-            <a:defPPr marR="0" lvl="0" algn="l" rtl="0">
-              <a:lnSpc>
-                <a:spcPct val="100000"/>
-              </a:lnSpc>
-              <a:spcBef>
-                <a:spcPts val="0"/>
-              </a:spcBef>
-              <a:spcAft>
-                <a:spcPts val="0"/>
-              </a:spcAft>
-            </a:defPPr>
-            <a:lvl1pPr marR="0" lvl="0" algn="l" rtl="0">
-              <a:lnSpc>
-                <a:spcPct val="100000"/>
-              </a:lnSpc>
-              <a:spcBef>
-                <a:spcPts val="0"/>
-              </a:spcBef>
-              <a:spcAft>
-                <a:spcPts val="0"/>
-              </a:spcAft>
-              <a:buClr>
-                <a:schemeClr val="lt1"/>
-              </a:buClr>
-              <a:buSzPts val="1800"/>
-              <a:buFont typeface="Calibri"/>
-              <a:buNone/>
-              <a:defRPr sz="3600" b="0" i="0" u="none" strike="noStrike" cap="none">
-                <a:solidFill>
-                  <a:schemeClr val="lt1"/>
-                </a:solidFill>
-                <a:latin typeface="Calibri"/>
-                <a:ea typeface="Calibri"/>
-                <a:cs typeface="Calibri"/>
-                <a:sym typeface="Calibri"/>
-              </a:defRPr>
-            </a:lvl1pPr>
-            <a:lvl2pPr marR="0" lvl="1" algn="l" rtl="0">
-              <a:lnSpc>
-                <a:spcPct val="100000"/>
-              </a:lnSpc>
-              <a:spcBef>
-                <a:spcPts val="0"/>
-              </a:spcBef>
-              <a:spcAft>
-                <a:spcPts val="0"/>
-              </a:spcAft>
-              <a:buClr>
-                <a:srgbClr val="000000"/>
-              </a:buClr>
-              <a:buSzPts val="1400"/>
-              <a:buFont typeface="Arial"/>
-              <a:buNone/>
-              <a:defRPr sz="1800" b="0" i="0" u="none" strike="noStrike" cap="none">
-                <a:solidFill>
-                  <a:schemeClr val="lt2"/>
-                </a:solidFill>
-                <a:latin typeface="Arial"/>
-                <a:ea typeface="Arial"/>
-                <a:cs typeface="Arial"/>
-                <a:sym typeface="Arial"/>
-              </a:defRPr>
-            </a:lvl2pPr>
-            <a:lvl3pPr marR="0" lvl="2" algn="l" rtl="0">
-              <a:lnSpc>
-                <a:spcPct val="100000"/>
-              </a:lnSpc>
-              <a:spcBef>
-                <a:spcPts val="0"/>
-              </a:spcBef>
-              <a:spcAft>
-                <a:spcPts val="0"/>
-              </a:spcAft>
-              <a:buClr>
-                <a:srgbClr val="000000"/>
-              </a:buClr>
-              <a:buSzPts val="1400"/>
-              <a:buFont typeface="Arial"/>
-              <a:buNone/>
-              <a:defRPr sz="1800" b="0" i="0" u="none" strike="noStrike" cap="none">
-                <a:solidFill>
-                  <a:schemeClr val="lt2"/>
-                </a:solidFill>
-                <a:latin typeface="Arial"/>
-                <a:ea typeface="Arial"/>
-                <a:cs typeface="Arial"/>
-                <a:sym typeface="Arial"/>
-              </a:defRPr>
-            </a:lvl3pPr>
-            <a:lvl4pPr marR="0" lvl="3" algn="l" rtl="0">
-              <a:lnSpc>
-                <a:spcPct val="100000"/>
-              </a:lnSpc>
-              <a:spcBef>
-                <a:spcPts val="0"/>
-              </a:spcBef>
-              <a:spcAft>
-                <a:spcPts val="0"/>
-              </a:spcAft>
-              <a:buClr>
-                <a:srgbClr val="000000"/>
-              </a:buClr>
-              <a:buSzPts val="1400"/>
-              <a:buFont typeface="Arial"/>
-              <a:buNone/>
-              <a:defRPr sz="1800" b="0" i="0" u="none" strike="noStrike" cap="none">
-                <a:solidFill>
-                  <a:schemeClr val="lt2"/>
-                </a:solidFill>
-                <a:latin typeface="Arial"/>
-                <a:ea typeface="Arial"/>
-                <a:cs typeface="Arial"/>
-                <a:sym typeface="Arial"/>
-              </a:defRPr>
-            </a:lvl4pPr>
-            <a:lvl5pPr marR="0" lvl="4" algn="l" rtl="0">
-              <a:lnSpc>
-                <a:spcPct val="100000"/>
-              </a:lnSpc>
-              <a:spcBef>
-                <a:spcPts val="0"/>
-              </a:spcBef>
-              <a:spcAft>
-                <a:spcPts val="0"/>
-              </a:spcAft>
-              <a:buClr>
-                <a:srgbClr val="000000"/>
-              </a:buClr>
-              <a:buSzPts val="1400"/>
-              <a:buFont typeface="Arial"/>
-              <a:buNone/>
-              <a:defRPr sz="1800" b="0" i="0" u="none" strike="noStrike" cap="none">
-                <a:solidFill>
-                  <a:schemeClr val="lt2"/>
-                </a:solidFill>
-                <a:latin typeface="Arial"/>
-                <a:ea typeface="Arial"/>
-                <a:cs typeface="Arial"/>
-                <a:sym typeface="Arial"/>
-              </a:defRPr>
-            </a:lvl5pPr>
-            <a:lvl6pPr marR="0" lvl="5" algn="l" rtl="0">
-              <a:lnSpc>
-                <a:spcPct val="100000"/>
-              </a:lnSpc>
-              <a:spcBef>
-                <a:spcPts val="0"/>
-              </a:spcBef>
-              <a:spcAft>
-                <a:spcPts val="0"/>
-              </a:spcAft>
-              <a:buClr>
-                <a:srgbClr val="000000"/>
-              </a:buClr>
-              <a:buSzPts val="1400"/>
-              <a:buFont typeface="Arial"/>
-              <a:buNone/>
-              <a:defRPr sz="1800" b="0" i="0" u="none" strike="noStrike" cap="none">
-                <a:solidFill>
-                  <a:schemeClr val="lt2"/>
-                </a:solidFill>
-                <a:latin typeface="Arial"/>
-                <a:ea typeface="Arial"/>
-                <a:cs typeface="Arial"/>
-                <a:sym typeface="Arial"/>
-              </a:defRPr>
-            </a:lvl6pPr>
-            <a:lvl7pPr marR="0" lvl="6" algn="l" rtl="0">
-              <a:lnSpc>
-                <a:spcPct val="100000"/>
-              </a:lnSpc>
-              <a:spcBef>
-                <a:spcPts val="0"/>
-              </a:spcBef>
-              <a:spcAft>
-                <a:spcPts val="0"/>
-              </a:spcAft>
-              <a:buClr>
-                <a:srgbClr val="000000"/>
-              </a:buClr>
-              <a:buSzPts val="1400"/>
-              <a:buFont typeface="Arial"/>
-              <a:buNone/>
-              <a:defRPr sz="1800" b="0" i="0" u="none" strike="noStrike" cap="none">
-                <a:solidFill>
-                  <a:schemeClr val="lt2"/>
-                </a:solidFill>
-                <a:latin typeface="Arial"/>
-                <a:ea typeface="Arial"/>
-                <a:cs typeface="Arial"/>
-                <a:sym typeface="Arial"/>
-              </a:defRPr>
-            </a:lvl7pPr>
-            <a:lvl8pPr marR="0" lvl="7" algn="l" rtl="0">
-              <a:lnSpc>
-                <a:spcPct val="100000"/>
-              </a:lnSpc>
-              <a:spcBef>
-                <a:spcPts val="0"/>
-              </a:spcBef>
-              <a:spcAft>
-                <a:spcPts val="0"/>
-              </a:spcAft>
-              <a:buClr>
-                <a:srgbClr val="000000"/>
-              </a:buClr>
-              <a:buSzPts val="1400"/>
-              <a:buFont typeface="Arial"/>
-              <a:buNone/>
-              <a:defRPr sz="1800" b="0" i="0" u="none" strike="noStrike" cap="none">
-                <a:solidFill>
-                  <a:schemeClr val="lt2"/>
-                </a:solidFill>
-                <a:latin typeface="Arial"/>
-                <a:ea typeface="Arial"/>
-                <a:cs typeface="Arial"/>
-                <a:sym typeface="Arial"/>
-              </a:defRPr>
-            </a:lvl8pPr>
-            <a:lvl9pPr marR="0" lvl="8" algn="l" rtl="0">
-              <a:lnSpc>
-                <a:spcPct val="100000"/>
-              </a:lnSpc>
-              <a:spcBef>
-                <a:spcPts val="0"/>
-              </a:spcBef>
-              <a:spcAft>
-                <a:spcPts val="0"/>
-              </a:spcAft>
-              <a:buClr>
-                <a:srgbClr val="000000"/>
-              </a:buClr>
-              <a:buSzPts val="1400"/>
-              <a:buFont typeface="Arial"/>
-              <a:buNone/>
-              <a:defRPr sz="1800" b="0" i="0" u="none" strike="noStrike" cap="none">
-                <a:solidFill>
-                  <a:schemeClr val="lt2"/>
-                </a:solidFill>
-                <a:latin typeface="Arial"/>
-                <a:ea typeface="Arial"/>
-                <a:cs typeface="Arial"/>
-                <a:sym typeface="Arial"/>
-              </a:defRPr>
-            </a:lvl9pPr>
-          </a:lstStyle>
-          <a:p>
-            <a:pPr marL="0" lvl="0" indent="0" algn="l" rtl="0">
-              <a:spcBef>
-                <a:spcPts val="0"/>
-              </a:spcBef>
-              <a:spcAft>
-                <a:spcPts val="0"/>
-              </a:spcAft>
-              <a:buClr>
-                <a:schemeClr val="lt1"/>
-              </a:buClr>
-              <a:buSzPts val="7200"/>
-              <a:buFont typeface="Calibri"/>
-              <a:buNone/>
-            </a:pPr>
-            <a:r>
-              <a:rPr lang="uk-UA" sz="7200"/>
-              <a:t>ПРИКЛАДИ РОБОТИ</a:t>
-            </a:r>
-            <a:br>
-              <a:rPr lang="uk-UA" sz="7200"/>
-            </a:br>
-            <a:r>
-              <a:rPr lang="uk-UA" sz="7200"/>
-              <a:t>СИСТЕМИ</a:t>
-            </a:r>
-            <a:endParaRPr/>
-          </a:p>
-        </p:txBody>
-      </p:sp>
+          <a:lstStyle/>
+          <a:p>
+            <a:r>
+              <a:rPr lang="en-US" sz="4000" b="1" dirty="0">
+                <a:solidFill>
+                  <a:schemeClr val="bg1"/>
+                </a:solidFill>
+              </a:rPr>
+              <a:t>REGISTRATION</a:t>
+            </a:r>
+            <a:endParaRPr lang="ru-UA" sz="4000" b="1" dirty="0">
+              <a:solidFill>
+                <a:schemeClr val="bg1"/>
+              </a:solidFill>
+            </a:endParaRPr>
+          </a:p>
+        </p:txBody>
+      </p:sp>
+      <p:pic>
+        <p:nvPicPr>
+          <p:cNvPr id="4" name="Рисунок 3">
+            <a:extLst>
+              <a:ext uri="{FF2B5EF4-FFF2-40B4-BE49-F238E27FC236}">
+                <a16:creationId xmlns:a16="http://schemas.microsoft.com/office/drawing/2014/main" id="{9A6EDC81-A49A-49B5-A588-A31FA48F4C14}"/>
+              </a:ext>
+            </a:extLst>
+          </p:cNvPr>
+          <p:cNvPicPr>
+            <a:picLocks noChangeAspect="1"/>
+          </p:cNvPicPr>
+          <p:nvPr/>
+        </p:nvPicPr>
+        <p:blipFill>
+          <a:blip r:embed="rId3"/>
+          <a:stretch>
+            <a:fillRect/>
+          </a:stretch>
+        </p:blipFill>
+        <p:spPr>
+          <a:xfrm>
+            <a:off x="3800638" y="372885"/>
+            <a:ext cx="7775372" cy="5887872"/>
+          </a:xfrm>
+          <a:prstGeom prst="roundRect">
+            <a:avLst>
+              <a:gd name="adj" fmla="val 3893"/>
+            </a:avLst>
+          </a:prstGeom>
+        </p:spPr>
+      </p:pic>
     </p:spTree>
     <p:extLst>
       <p:ext uri="{BB962C8B-B14F-4D97-AF65-F5344CB8AC3E}">
-        <p14:creationId xmlns:p14="http://schemas.microsoft.com/office/powerpoint/2010/main" val="2196693634"/>
+        <p14:creationId xmlns:p14="http://schemas.microsoft.com/office/powerpoint/2010/main" val="379550183"/>
       </p:ext>
     </p:extLst>
   </p:cSld>
@@ -8219,7 +8207,7 @@
         <p:spPr>
           <a:xfrm>
             <a:off x="241865" y="838200"/>
-            <a:ext cx="3302827" cy="707886"/>
+            <a:ext cx="1539780" cy="707886"/>
           </a:xfrm>
           <a:prstGeom prst="rect">
             <a:avLst/>
@@ -8238,7 +8226,7 @@
                   <a:schemeClr val="bg1"/>
                 </a:solidFill>
               </a:rPr>
-              <a:t>REGISTRATION</a:t>
+              <a:t>LOGIN</a:t>
             </a:r>
             <a:endParaRPr lang="ru-UA" sz="4000" b="1" dirty="0">
               <a:solidFill>
@@ -8250,10 +8238,10 @@
       </p:sp>
       <p:pic>
         <p:nvPicPr>
-          <p:cNvPr id="11" name="Рисунок 10">
-            <a:extLst>
-              <a:ext uri="{FF2B5EF4-FFF2-40B4-BE49-F238E27FC236}">
-                <a16:creationId xmlns:a16="http://schemas.microsoft.com/office/drawing/2014/main" id="{5799FB7D-F61F-4361-B6B6-E3886637ABEE}"/>
+          <p:cNvPr id="5" name="Рисунок 4">
+            <a:extLst>
+              <a:ext uri="{FF2B5EF4-FFF2-40B4-BE49-F238E27FC236}">
+                <a16:creationId xmlns:a16="http://schemas.microsoft.com/office/drawing/2014/main" id="{0638FEC7-57BD-4CB3-9EBB-EBA091C74DF6}"/>
               </a:ext>
             </a:extLst>
           </p:cNvPr>
@@ -8262,62 +8250,20 @@
           </p:cNvPicPr>
           <p:nvPr/>
         </p:nvPicPr>
-        <p:blipFill rotWithShape="1">
-          <a:blip r:embed="rId3">
-            <a:extLst>
-              <a:ext uri="{28A0092B-C50C-407E-A947-70E740481C1C}">
-                <a14:useLocalDpi xmlns:a14="http://schemas.microsoft.com/office/drawing/2010/main" val="0"/>
-              </a:ext>
-            </a:extLst>
-          </a:blip>
-          <a:srcRect l="23330" t="10934" r="23578" b="9892"/>
-          <a:stretch/>
+        <p:blipFill>
+          <a:blip r:embed="rId3"/>
+          <a:stretch>
+            <a:fillRect/>
+          </a:stretch>
         </p:blipFill>
         <p:spPr>
           <a:xfrm>
-            <a:off x="2100962" y="2002292"/>
-            <a:ext cx="3647376" cy="4249480"/>
+            <a:off x="3871783" y="250228"/>
+            <a:ext cx="7760044" cy="6186678"/>
           </a:xfrm>
           <a:prstGeom prst="roundRect">
             <a:avLst>
-              <a:gd name="adj" fmla="val 3087"/>
-            </a:avLst>
-          </a:prstGeom>
-        </p:spPr>
-      </p:pic>
-      <p:pic>
-        <p:nvPicPr>
-          <p:cNvPr id="13" name="Рисунок 12">
-            <a:extLst>
-              <a:ext uri="{FF2B5EF4-FFF2-40B4-BE49-F238E27FC236}">
-                <a16:creationId xmlns:a16="http://schemas.microsoft.com/office/drawing/2014/main" id="{B44596FE-B266-470B-B697-53E5AEE7F17B}"/>
-              </a:ext>
-            </a:extLst>
-          </p:cNvPr>
-          <p:cNvPicPr>
-            <a:picLocks noChangeAspect="1"/>
-          </p:cNvPicPr>
-          <p:nvPr/>
-        </p:nvPicPr>
-        <p:blipFill rotWithShape="1">
-          <a:blip r:embed="rId4">
-            <a:extLst>
-              <a:ext uri="{28A0092B-C50C-407E-A947-70E740481C1C}">
-                <a14:useLocalDpi xmlns:a14="http://schemas.microsoft.com/office/drawing/2010/main" val="0"/>
-              </a:ext>
-            </a:extLst>
-          </a:blip>
-          <a:srcRect l="23005" t="10944" r="23909" b="9891"/>
-          <a:stretch/>
-        </p:blipFill>
-        <p:spPr>
-          <a:xfrm>
-            <a:off x="6886575" y="2002292"/>
-            <a:ext cx="3646105" cy="4248000"/>
-          </a:xfrm>
-          <a:prstGeom prst="roundRect">
-            <a:avLst>
-              <a:gd name="adj" fmla="val 3605"/>
+              <a:gd name="adj" fmla="val 4403"/>
             </a:avLst>
           </a:prstGeom>
         </p:spPr>
@@ -8325,7 +8271,7 @@
     </p:spTree>
     <p:extLst>
       <p:ext uri="{BB962C8B-B14F-4D97-AF65-F5344CB8AC3E}">
-        <p14:creationId xmlns:p14="http://schemas.microsoft.com/office/powerpoint/2010/main" val="379550183"/>
+        <p14:creationId xmlns:p14="http://schemas.microsoft.com/office/powerpoint/2010/main" val="2234677514"/>
       </p:ext>
     </p:extLst>
   </p:cSld>
@@ -8549,8 +8495,8 @@
         </p:nvSpPr>
         <p:spPr>
           <a:xfrm>
-            <a:off x="241865" y="838200"/>
-            <a:ext cx="1539780" cy="707886"/>
+            <a:off x="8192270" y="2069756"/>
+            <a:ext cx="3867925" cy="2554545"/>
           </a:xfrm>
           <a:prstGeom prst="rect">
             <a:avLst/>
@@ -8558,20 +8504,125 @@
           <a:noFill/>
         </p:spPr>
         <p:txBody>
-          <a:bodyPr wrap="none" rtlCol="0">
+          <a:bodyPr wrap="square" rtlCol="0">
             <a:spAutoFit/>
           </a:bodyPr>
           <a:lstStyle/>
           <a:p>
-            <a:r>
-              <a:rPr lang="en-US" sz="4000" b="1" dirty="0">
-                <a:solidFill>
-                  <a:schemeClr val="bg1"/>
-                </a:solidFill>
-              </a:rPr>
-              <a:t>LOGIN</a:t>
-            </a:r>
-            <a:endParaRPr lang="ru-UA" sz="4000" b="1" dirty="0">
+            <a:pPr algn="ctr"/>
+            <a:r>
+              <a:rPr lang="ru-RU" sz="3200" b="1" dirty="0">
+                <a:solidFill>
+                  <a:schemeClr val="bg1"/>
+                </a:solidFill>
+              </a:rPr>
+              <a:t>Як </a:t>
+            </a:r>
+            <a:r>
+              <a:rPr lang="ru-RU" sz="3200" b="1" dirty="0" err="1">
+                <a:solidFill>
+                  <a:schemeClr val="bg1"/>
+                </a:solidFill>
+              </a:rPr>
+              <a:t>зареєстрований</a:t>
+            </a:r>
+            <a:r>
+              <a:rPr lang="ru-RU" sz="3200" b="1" dirty="0">
+                <a:solidFill>
+                  <a:schemeClr val="bg1"/>
+                </a:solidFill>
+              </a:rPr>
+              <a:t> </a:t>
+            </a:r>
+            <a:r>
+              <a:rPr lang="ru-RU" sz="3200" b="1" dirty="0" err="1">
+                <a:solidFill>
+                  <a:schemeClr val="bg1"/>
+                </a:solidFill>
+              </a:rPr>
+              <a:t>користувач</a:t>
+            </a:r>
+            <a:r>
+              <a:rPr lang="ru-RU" sz="3200" b="1" dirty="0">
+                <a:solidFill>
+                  <a:schemeClr val="bg1"/>
+                </a:solidFill>
+              </a:rPr>
+              <a:t>, я хочу </a:t>
+            </a:r>
+            <a:r>
+              <a:rPr lang="ru-RU" sz="3200" b="1" dirty="0" err="1">
+                <a:solidFill>
+                  <a:schemeClr val="bg1"/>
+                </a:solidFill>
+              </a:rPr>
+              <a:t>получити</a:t>
+            </a:r>
+            <a:r>
+              <a:rPr lang="ru-RU" sz="3200" b="1" dirty="0">
+                <a:solidFill>
+                  <a:schemeClr val="bg1"/>
+                </a:solidFill>
+              </a:rPr>
+              <a:t> </a:t>
+            </a:r>
+            <a:r>
+              <a:rPr lang="ru-RU" sz="3200" b="1" dirty="0" err="1">
+                <a:solidFill>
+                  <a:schemeClr val="bg1"/>
+                </a:solidFill>
+              </a:rPr>
+              <a:t>всі</a:t>
+            </a:r>
+            <a:r>
+              <a:rPr lang="ru-RU" sz="3200" b="1" dirty="0">
+                <a:solidFill>
+                  <a:schemeClr val="bg1"/>
+                </a:solidFill>
+              </a:rPr>
+              <a:t> </a:t>
+            </a:r>
+            <a:r>
+              <a:rPr lang="ru-RU" sz="3200" b="1" dirty="0" err="1">
+                <a:solidFill>
+                  <a:schemeClr val="bg1"/>
+                </a:solidFill>
+              </a:rPr>
+              <a:t>робочі</a:t>
+            </a:r>
+            <a:r>
+              <a:rPr lang="ru-RU" sz="3200" b="1" dirty="0">
+                <a:solidFill>
+                  <a:schemeClr val="bg1"/>
+                </a:solidFill>
+              </a:rPr>
+              <a:t> </a:t>
+            </a:r>
+            <a:r>
+              <a:rPr lang="ru-RU" sz="3200" b="1" dirty="0" err="1">
+                <a:solidFill>
+                  <a:schemeClr val="bg1"/>
+                </a:solidFill>
+              </a:rPr>
+              <a:t>елементи</a:t>
+            </a:r>
+            <a:r>
+              <a:rPr lang="ru-RU" sz="3200" b="1" dirty="0">
+                <a:solidFill>
+                  <a:schemeClr val="bg1"/>
+                </a:solidFill>
+              </a:rPr>
+              <a:t> поточного </a:t>
+            </a:r>
+            <a:r>
+              <a:rPr lang="ru-RU" sz="3200" b="1" dirty="0" err="1">
+                <a:solidFill>
+                  <a:schemeClr val="bg1"/>
+                </a:solidFill>
+              </a:rPr>
+              <a:t>проєкту</a:t>
+            </a:r>
+            <a:endParaRPr lang="ru-UA" sz="3200" b="1" dirty="0">
               <a:solidFill>
                 <a:schemeClr val="bg1"/>
               </a:solidFill>
@@ -8581,10 +8632,10 @@
       </p:sp>
       <p:pic>
         <p:nvPicPr>
-          <p:cNvPr id="4" name="Рисунок 3">
-            <a:extLst>
-              <a:ext uri="{FF2B5EF4-FFF2-40B4-BE49-F238E27FC236}">
-                <a16:creationId xmlns:a16="http://schemas.microsoft.com/office/drawing/2014/main" id="{B67F7752-76AF-4E2C-915C-846FB83D45DA}"/>
+          <p:cNvPr id="5" name="Рисунок 4">
+            <a:extLst>
+              <a:ext uri="{FF2B5EF4-FFF2-40B4-BE49-F238E27FC236}">
+                <a16:creationId xmlns:a16="http://schemas.microsoft.com/office/drawing/2014/main" id="{EA57CD0E-7B5E-4FB3-A954-7B8CD9FACA34}"/>
               </a:ext>
             </a:extLst>
           </p:cNvPr>
@@ -8593,70 +8644,26 @@
           </p:cNvPicPr>
           <p:nvPr/>
         </p:nvPicPr>
-        <p:blipFill rotWithShape="1">
-          <a:blip r:embed="rId3">
-            <a:extLst>
-              <a:ext uri="{28A0092B-C50C-407E-A947-70E740481C1C}">
-                <a14:useLocalDpi xmlns:a14="http://schemas.microsoft.com/office/drawing/2010/main" val="0"/>
-              </a:ext>
-            </a:extLst>
-          </a:blip>
-          <a:srcRect l="23646" t="10711" r="23646" b="10711"/>
-          <a:stretch/>
+        <p:blipFill>
+          <a:blip r:embed="rId3"/>
+          <a:stretch>
+            <a:fillRect/>
+          </a:stretch>
         </p:blipFill>
         <p:spPr>
           <a:xfrm>
-            <a:off x="2100962" y="1954667"/>
-            <a:ext cx="3647376" cy="4248000"/>
-          </a:xfrm>
-          <a:prstGeom prst="roundRect">
-            <a:avLst>
-              <a:gd name="adj" fmla="val 3871"/>
-            </a:avLst>
-          </a:prstGeom>
-        </p:spPr>
-      </p:pic>
-      <p:pic>
-        <p:nvPicPr>
-          <p:cNvPr id="6" name="Рисунок 5">
-            <a:extLst>
-              <a:ext uri="{FF2B5EF4-FFF2-40B4-BE49-F238E27FC236}">
-                <a16:creationId xmlns:a16="http://schemas.microsoft.com/office/drawing/2014/main" id="{99CA6076-338C-4817-80C9-0467B39900B9}"/>
-              </a:ext>
-            </a:extLst>
-          </p:cNvPr>
-          <p:cNvPicPr>
-            <a:picLocks noChangeAspect="1"/>
-          </p:cNvPicPr>
-          <p:nvPr/>
-        </p:nvPicPr>
-        <p:blipFill rotWithShape="1">
-          <a:blip r:embed="rId4">
-            <a:extLst>
-              <a:ext uri="{28A0092B-C50C-407E-A947-70E740481C1C}">
-                <a14:useLocalDpi xmlns:a14="http://schemas.microsoft.com/office/drawing/2010/main" val="0"/>
-              </a:ext>
-            </a:extLst>
-          </a:blip>
-          <a:srcRect l="23519" t="9527" r="22184" b="9527"/>
-          <a:stretch/>
-        </p:blipFill>
-        <p:spPr>
-          <a:xfrm>
-            <a:off x="6885303" y="1954667"/>
-            <a:ext cx="3647377" cy="4248000"/>
-          </a:xfrm>
-          <a:prstGeom prst="roundRect">
-            <a:avLst>
-              <a:gd name="adj" fmla="val 4132"/>
-            </a:avLst>
+            <a:off x="584887" y="586523"/>
+            <a:ext cx="7294866" cy="5833236"/>
+          </a:xfrm>
+          <a:prstGeom prst="rect">
+            <a:avLst/>
           </a:prstGeom>
         </p:spPr>
       </p:pic>
     </p:spTree>
     <p:extLst>
       <p:ext uri="{BB962C8B-B14F-4D97-AF65-F5344CB8AC3E}">
-        <p14:creationId xmlns:p14="http://schemas.microsoft.com/office/powerpoint/2010/main" val="2234677514"/>
+        <p14:creationId xmlns:p14="http://schemas.microsoft.com/office/powerpoint/2010/main" val="3958242991"/>
       </p:ext>
     </p:extLst>
   </p:cSld>
@@ -8733,8 +8740,8 @@
         </p:nvSpPr>
         <p:spPr>
           <a:xfrm>
-            <a:off x="241865" y="838200"/>
-            <a:ext cx="2515560" cy="707886"/>
+            <a:off x="8192270" y="2069756"/>
+            <a:ext cx="3867925" cy="3046988"/>
           </a:xfrm>
           <a:prstGeom prst="rect">
             <a:avLst/>
@@ -8742,20 +8749,141 @@
           <a:noFill/>
         </p:spPr>
         <p:txBody>
-          <a:bodyPr wrap="none" rtlCol="0">
+          <a:bodyPr wrap="square" rtlCol="0">
             <a:spAutoFit/>
           </a:bodyPr>
           <a:lstStyle/>
           <a:p>
-            <a:r>
-              <a:rPr lang="en-US" sz="4000" b="1" dirty="0">
-                <a:solidFill>
-                  <a:schemeClr val="bg1"/>
-                </a:solidFill>
-              </a:rPr>
-              <a:t>SUMMARY</a:t>
-            </a:r>
-            <a:endParaRPr lang="ru-UA" sz="4000" b="1" dirty="0">
+            <a:pPr algn="ctr"/>
+            <a:r>
+              <a:rPr lang="ru-RU" sz="3200" b="1" dirty="0">
+                <a:solidFill>
+                  <a:schemeClr val="bg1"/>
+                </a:solidFill>
+              </a:rPr>
+              <a:t>Як </a:t>
+            </a:r>
+            <a:r>
+              <a:rPr lang="ru-RU" sz="3200" b="1" dirty="0" err="1">
+                <a:solidFill>
+                  <a:schemeClr val="bg1"/>
+                </a:solidFill>
+              </a:rPr>
+              <a:t>зареєстрований</a:t>
+            </a:r>
+            <a:r>
+              <a:rPr lang="ru-RU" sz="3200" b="1" dirty="0">
+                <a:solidFill>
+                  <a:schemeClr val="bg1"/>
+                </a:solidFill>
+              </a:rPr>
+              <a:t> </a:t>
+            </a:r>
+            <a:r>
+              <a:rPr lang="ru-RU" sz="3200" b="1" dirty="0" err="1">
+                <a:solidFill>
+                  <a:schemeClr val="bg1"/>
+                </a:solidFill>
+              </a:rPr>
+              <a:t>користувач</a:t>
+            </a:r>
+            <a:r>
+              <a:rPr lang="ru-RU" sz="3200" b="1" dirty="0">
+                <a:solidFill>
+                  <a:schemeClr val="bg1"/>
+                </a:solidFill>
+              </a:rPr>
+              <a:t>, я хочу </a:t>
+            </a:r>
+            <a:r>
+              <a:rPr lang="ru-RU" sz="3200" b="1" dirty="0" err="1">
+                <a:solidFill>
+                  <a:schemeClr val="bg1"/>
+                </a:solidFill>
+              </a:rPr>
+              <a:t>получити</a:t>
+            </a:r>
+            <a:r>
+              <a:rPr lang="ru-RU" sz="3200" b="1" dirty="0">
+                <a:solidFill>
+                  <a:schemeClr val="bg1"/>
+                </a:solidFill>
+              </a:rPr>
+              <a:t> </a:t>
+            </a:r>
+            <a:r>
+              <a:rPr lang="ru-RU" sz="3200" b="1" dirty="0" err="1">
+                <a:solidFill>
+                  <a:schemeClr val="bg1"/>
+                </a:solidFill>
+              </a:rPr>
+              <a:t>кількість</a:t>
+            </a:r>
+            <a:r>
+              <a:rPr lang="ru-RU" sz="3200" b="1" dirty="0">
+                <a:solidFill>
+                  <a:schemeClr val="bg1"/>
+                </a:solidFill>
+              </a:rPr>
+              <a:t> </a:t>
+            </a:r>
+            <a:r>
+              <a:rPr lang="ru-RU" sz="3200" b="1" dirty="0" err="1">
+                <a:solidFill>
+                  <a:schemeClr val="bg1"/>
+                </a:solidFill>
+              </a:rPr>
+              <a:t>виконаних</a:t>
+            </a:r>
+            <a:r>
+              <a:rPr lang="ru-RU" sz="3200" b="1" dirty="0">
+                <a:solidFill>
+                  <a:schemeClr val="bg1"/>
+                </a:solidFill>
+              </a:rPr>
+              <a:t> </a:t>
+            </a:r>
+            <a:r>
+              <a:rPr lang="ru-RU" sz="3200" b="1" dirty="0" err="1">
+                <a:solidFill>
+                  <a:schemeClr val="bg1"/>
+                </a:solidFill>
+              </a:rPr>
+              <a:t>робочих</a:t>
+            </a:r>
+            <a:r>
+              <a:rPr lang="ru-RU" sz="3200" b="1" dirty="0">
+                <a:solidFill>
+                  <a:schemeClr val="bg1"/>
+                </a:solidFill>
+              </a:rPr>
+              <a:t> </a:t>
+            </a:r>
+            <a:r>
+              <a:rPr lang="ru-RU" sz="3200" b="1" dirty="0" err="1">
+                <a:solidFill>
+                  <a:schemeClr val="bg1"/>
+                </a:solidFill>
+              </a:rPr>
+              <a:t>елементів</a:t>
+            </a:r>
+            <a:r>
+              <a:rPr lang="ru-RU" sz="3200" b="1" dirty="0">
+                <a:solidFill>
+                  <a:schemeClr val="bg1"/>
+                </a:solidFill>
+              </a:rPr>
+              <a:t> поточного </a:t>
+            </a:r>
+            <a:r>
+              <a:rPr lang="ru-RU" sz="3200" b="1" dirty="0" err="1">
+                <a:solidFill>
+                  <a:schemeClr val="bg1"/>
+                </a:solidFill>
+              </a:rPr>
+              <a:t>проєкту</a:t>
+            </a:r>
+            <a:endParaRPr lang="ru-UA" sz="3200" b="1" dirty="0">
               <a:solidFill>
                 <a:schemeClr val="bg1"/>
               </a:solidFill>
@@ -8763,114 +8891,12 @@
           </a:p>
         </p:txBody>
       </p:sp>
-      <p:sp>
-        <p:nvSpPr>
-          <p:cNvPr id="3" name="TextBox 2">
-            <a:extLst>
-              <a:ext uri="{FF2B5EF4-FFF2-40B4-BE49-F238E27FC236}">
-                <a16:creationId xmlns:a16="http://schemas.microsoft.com/office/drawing/2014/main" id="{112C429B-26F7-46EF-9612-5A77DFDFBF28}"/>
-              </a:ext>
-            </a:extLst>
-          </p:cNvPr>
-          <p:cNvSpPr txBox="1"/>
-          <p:nvPr/>
-        </p:nvSpPr>
-        <p:spPr>
-          <a:xfrm>
-            <a:off x="385763" y="2234148"/>
-            <a:ext cx="3562350" cy="3393237"/>
-          </a:xfrm>
-          <a:prstGeom prst="rect">
-            <a:avLst/>
-          </a:prstGeom>
-          <a:noFill/>
-        </p:spPr>
-        <p:txBody>
-          <a:bodyPr wrap="square" rtlCol="0">
-            <a:spAutoFit/>
-          </a:bodyPr>
-          <a:lstStyle/>
-          <a:p>
-            <a:pPr indent="-288000">
-              <a:spcBef>
-                <a:spcPts val="900"/>
-              </a:spcBef>
-              <a:buFont typeface="Arial" panose="020B0604020202020204" pitchFamily="34" charset="0"/>
-              <a:buChar char="•"/>
-            </a:pPr>
-            <a:r>
-              <a:rPr lang="uk-UA" sz="2400" b="1" dirty="0">
-                <a:solidFill>
-                  <a:schemeClr val="bg1"/>
-                </a:solidFill>
-              </a:rPr>
-              <a:t>Назва та опис проєкта</a:t>
-            </a:r>
-          </a:p>
-          <a:p>
-            <a:pPr indent="-288000">
-              <a:spcBef>
-                <a:spcPts val="900"/>
-              </a:spcBef>
-              <a:buFont typeface="Arial" panose="020B0604020202020204" pitchFamily="34" charset="0"/>
-              <a:buChar char="•"/>
-            </a:pPr>
-            <a:r>
-              <a:rPr lang="uk-UA" sz="2400" b="1" dirty="0">
-                <a:solidFill>
-                  <a:schemeClr val="bg1"/>
-                </a:solidFill>
-              </a:rPr>
-              <a:t>Кількість виконаних та не виконаних робочих елементів</a:t>
-            </a:r>
-          </a:p>
-          <a:p>
-            <a:pPr indent="-288000">
-              <a:spcBef>
-                <a:spcPts val="900"/>
-              </a:spcBef>
-              <a:buFont typeface="Arial" panose="020B0604020202020204" pitchFamily="34" charset="0"/>
-              <a:buChar char="•"/>
-            </a:pPr>
-            <a:r>
-              <a:rPr lang="uk-UA" sz="2400" b="1" dirty="0">
-                <a:solidFill>
-                  <a:schemeClr val="bg1"/>
-                </a:solidFill>
-              </a:rPr>
-              <a:t>Кількість пройдених та не пройдених спринтів</a:t>
-            </a:r>
-          </a:p>
-          <a:p>
-            <a:pPr indent="-288000">
-              <a:spcBef>
-                <a:spcPts val="900"/>
-              </a:spcBef>
-              <a:buFont typeface="Arial" panose="020B0604020202020204" pitchFamily="34" charset="0"/>
-              <a:buChar char="•"/>
-            </a:pPr>
-            <a:r>
-              <a:rPr lang="uk-UA" sz="2400" b="1" dirty="0">
-                <a:solidFill>
-                  <a:schemeClr val="bg1"/>
-                </a:solidFill>
-              </a:rPr>
-              <a:t>Кількість та список учасників проєкту</a:t>
-            </a:r>
-            <a:endParaRPr lang="ru-UA" sz="2400" b="1" dirty="0">
-              <a:solidFill>
-                <a:schemeClr val="bg1"/>
-              </a:solidFill>
-            </a:endParaRPr>
-          </a:p>
-        </p:txBody>
-      </p:sp>
       <p:pic>
         <p:nvPicPr>
-          <p:cNvPr id="7" name="Рисунок 6">
-            <a:extLst>
-              <a:ext uri="{FF2B5EF4-FFF2-40B4-BE49-F238E27FC236}">
-                <a16:creationId xmlns:a16="http://schemas.microsoft.com/office/drawing/2014/main" id="{F6B19560-30FC-4DAB-A632-1242DFC7B932}"/>
+          <p:cNvPr id="4" name="Рисунок 3">
+            <a:extLst>
+              <a:ext uri="{FF2B5EF4-FFF2-40B4-BE49-F238E27FC236}">
+                <a16:creationId xmlns:a16="http://schemas.microsoft.com/office/drawing/2014/main" id="{DEE5CE9C-1349-4B86-96C5-8A91D333873C}"/>
               </a:ext>
             </a:extLst>
           </p:cNvPr>
@@ -8880,31 +8906,27 @@
           <p:nvPr/>
         </p:nvPicPr>
         <p:blipFill>
-          <a:blip r:embed="rId3">
-            <a:extLst>
-              <a:ext uri="{28A0092B-C50C-407E-A947-70E740481C1C}">
-                <a14:useLocalDpi xmlns:a14="http://schemas.microsoft.com/office/drawing/2010/main" val="0"/>
-              </a:ext>
-            </a:extLst>
-          </a:blip>
+          <a:blip r:embed="rId3"/>
           <a:stretch>
             <a:fillRect/>
           </a:stretch>
         </p:blipFill>
         <p:spPr>
           <a:xfrm>
-            <a:off x="4334695" y="714375"/>
-            <a:ext cx="7615440" cy="5439600"/>
-          </a:xfrm>
-          <a:prstGeom prst="rect">
-            <a:avLst/>
+            <a:off x="493480" y="1294471"/>
+            <a:ext cx="7445298" cy="4597558"/>
+          </a:xfrm>
+          <a:prstGeom prst="roundRect">
+            <a:avLst>
+              <a:gd name="adj" fmla="val 5020"/>
+            </a:avLst>
           </a:prstGeom>
         </p:spPr>
       </p:pic>
     </p:spTree>
     <p:extLst>
       <p:ext uri="{BB962C8B-B14F-4D97-AF65-F5344CB8AC3E}">
-        <p14:creationId xmlns:p14="http://schemas.microsoft.com/office/powerpoint/2010/main" val="3958242991"/>
+        <p14:creationId xmlns:p14="http://schemas.microsoft.com/office/powerpoint/2010/main" val="3713291119"/>
       </p:ext>
     </p:extLst>
   </p:cSld>
@@ -8981,8 +9003,8 @@
         </p:nvSpPr>
         <p:spPr>
           <a:xfrm>
-            <a:off x="241865" y="838200"/>
-            <a:ext cx="3164841" cy="707886"/>
+            <a:off x="8216983" y="1229496"/>
+            <a:ext cx="3867925" cy="4524315"/>
           </a:xfrm>
           <a:prstGeom prst="rect">
             <a:avLst/>
@@ -8990,20 +9012,205 @@
           <a:noFill/>
         </p:spPr>
         <p:txBody>
-          <a:bodyPr wrap="none" rtlCol="0">
+          <a:bodyPr wrap="square" rtlCol="0">
             <a:spAutoFit/>
           </a:bodyPr>
           <a:lstStyle/>
           <a:p>
-            <a:r>
-              <a:rPr lang="en-US" sz="4000" b="1" dirty="0">
-                <a:solidFill>
-                  <a:schemeClr val="bg1"/>
-                </a:solidFill>
-              </a:rPr>
-              <a:t>DASHBOARDS</a:t>
-            </a:r>
-            <a:endParaRPr lang="ru-UA" sz="4000" b="1" dirty="0">
+            <a:pPr algn="ctr"/>
+            <a:r>
+              <a:rPr lang="ru-RU" sz="3200" b="1" dirty="0">
+                <a:solidFill>
+                  <a:schemeClr val="bg1"/>
+                </a:solidFill>
+              </a:rPr>
+              <a:t>як </a:t>
+            </a:r>
+            <a:r>
+              <a:rPr lang="ru-RU" sz="3200" b="1" dirty="0" err="1">
+                <a:solidFill>
+                  <a:schemeClr val="bg1"/>
+                </a:solidFill>
+              </a:rPr>
+              <a:t>зареєстрований</a:t>
+            </a:r>
+            <a:r>
+              <a:rPr lang="ru-RU" sz="3200" b="1" dirty="0">
+                <a:solidFill>
+                  <a:schemeClr val="bg1"/>
+                </a:solidFill>
+              </a:rPr>
+              <a:t> </a:t>
+            </a:r>
+            <a:r>
+              <a:rPr lang="ru-RU" sz="3200" b="1" dirty="0" err="1">
+                <a:solidFill>
+                  <a:schemeClr val="bg1"/>
+                </a:solidFill>
+              </a:rPr>
+              <a:t>користувач</a:t>
+            </a:r>
+            <a:r>
+              <a:rPr lang="ru-RU" sz="3200" b="1" dirty="0">
+                <a:solidFill>
+                  <a:schemeClr val="bg1"/>
+                </a:solidFill>
+              </a:rPr>
+              <a:t>, я хочу </a:t>
+            </a:r>
+            <a:r>
+              <a:rPr lang="ru-RU" sz="3200" b="1" dirty="0" err="1">
+                <a:solidFill>
+                  <a:schemeClr val="bg1"/>
+                </a:solidFill>
+              </a:rPr>
+              <a:t>получити</a:t>
+            </a:r>
+            <a:r>
+              <a:rPr lang="ru-RU" sz="3200" b="1" dirty="0">
+                <a:solidFill>
+                  <a:schemeClr val="bg1"/>
+                </a:solidFill>
+              </a:rPr>
+              <a:t> </a:t>
+            </a:r>
+            <a:r>
+              <a:rPr lang="ru-RU" sz="3200" b="1" dirty="0" err="1">
+                <a:solidFill>
+                  <a:schemeClr val="bg1"/>
+                </a:solidFill>
+              </a:rPr>
+              <a:t>відсоток</a:t>
+            </a:r>
+            <a:r>
+              <a:rPr lang="ru-RU" sz="3200" b="1" dirty="0">
+                <a:solidFill>
+                  <a:schemeClr val="bg1"/>
+                </a:solidFill>
+              </a:rPr>
+              <a:t> </a:t>
+            </a:r>
+            <a:r>
+              <a:rPr lang="ru-RU" sz="3200" b="1" dirty="0" err="1">
+                <a:solidFill>
+                  <a:schemeClr val="bg1"/>
+                </a:solidFill>
+              </a:rPr>
+              <a:t>зробленої</a:t>
+            </a:r>
+            <a:r>
+              <a:rPr lang="ru-RU" sz="3200" b="1" dirty="0">
+                <a:solidFill>
+                  <a:schemeClr val="bg1"/>
+                </a:solidFill>
+              </a:rPr>
+              <a:t> </a:t>
+            </a:r>
+            <a:r>
+              <a:rPr lang="ru-RU" sz="3200" b="1" dirty="0" err="1">
+                <a:solidFill>
+                  <a:schemeClr val="bg1"/>
+                </a:solidFill>
+              </a:rPr>
+              <a:t>роботи</a:t>
+            </a:r>
+            <a:r>
+              <a:rPr lang="ru-RU" sz="3200" b="1" dirty="0">
+                <a:solidFill>
+                  <a:schemeClr val="bg1"/>
+                </a:solidFill>
+              </a:rPr>
+              <a:t> у </a:t>
+            </a:r>
+            <a:r>
+              <a:rPr lang="ru-RU" sz="3200" b="1" dirty="0" err="1">
+                <a:solidFill>
+                  <a:schemeClr val="bg1"/>
+                </a:solidFill>
+              </a:rPr>
+              <a:t>відсотковому</a:t>
+            </a:r>
+            <a:r>
+              <a:rPr lang="ru-RU" sz="3200" b="1" dirty="0">
+                <a:solidFill>
+                  <a:schemeClr val="bg1"/>
+                </a:solidFill>
+              </a:rPr>
+              <a:t> </a:t>
+            </a:r>
+            <a:r>
+              <a:rPr lang="ru-RU" sz="3200" b="1" dirty="0" err="1">
+                <a:solidFill>
+                  <a:schemeClr val="bg1"/>
+                </a:solidFill>
+              </a:rPr>
+              <a:t>відношенні</a:t>
+            </a:r>
+            <a:r>
+              <a:rPr lang="ru-RU" sz="3200" b="1" dirty="0">
+                <a:solidFill>
+                  <a:schemeClr val="bg1"/>
+                </a:solidFill>
+              </a:rPr>
+              <a:t> </a:t>
+            </a:r>
+            <a:r>
+              <a:rPr lang="ru-RU" sz="3200" b="1" dirty="0" err="1">
+                <a:solidFill>
+                  <a:schemeClr val="bg1"/>
+                </a:solidFill>
+              </a:rPr>
+              <a:t>зроблених</a:t>
+            </a:r>
+            <a:r>
+              <a:rPr lang="ru-RU" sz="3200" b="1" dirty="0">
+                <a:solidFill>
+                  <a:schemeClr val="bg1"/>
+                </a:solidFill>
+              </a:rPr>
+              <a:t> та не </a:t>
+            </a:r>
+            <a:r>
+              <a:rPr lang="ru-RU" sz="3200" b="1" dirty="0" err="1">
+                <a:solidFill>
+                  <a:schemeClr val="bg1"/>
+                </a:solidFill>
+              </a:rPr>
+              <a:t>зроблених</a:t>
+            </a:r>
+            <a:r>
+              <a:rPr lang="ru-RU" sz="3200" b="1" dirty="0">
+                <a:solidFill>
+                  <a:schemeClr val="bg1"/>
+                </a:solidFill>
+              </a:rPr>
+              <a:t> </a:t>
+            </a:r>
+            <a:r>
+              <a:rPr lang="ru-RU" sz="3200" b="1" dirty="0" err="1">
+                <a:solidFill>
+                  <a:schemeClr val="bg1"/>
+                </a:solidFill>
+              </a:rPr>
+              <a:t>робочих</a:t>
+            </a:r>
+            <a:r>
+              <a:rPr lang="ru-RU" sz="3200" b="1" dirty="0">
+                <a:solidFill>
+                  <a:schemeClr val="bg1"/>
+                </a:solidFill>
+              </a:rPr>
+              <a:t> </a:t>
+            </a:r>
+            <a:r>
+              <a:rPr lang="ru-RU" sz="3200" b="1" dirty="0" err="1">
+                <a:solidFill>
+                  <a:schemeClr val="bg1"/>
+                </a:solidFill>
+              </a:rPr>
+              <a:t>елементів</a:t>
+            </a:r>
+            <a:endParaRPr lang="ru-UA" sz="3200" b="1" dirty="0">
               <a:solidFill>
                 <a:schemeClr val="bg1"/>
               </a:solidFill>
@@ -9011,148 +9218,12 @@
           </a:p>
         </p:txBody>
       </p:sp>
-      <p:sp>
-        <p:nvSpPr>
-          <p:cNvPr id="3" name="TextBox 2">
-            <a:extLst>
-              <a:ext uri="{FF2B5EF4-FFF2-40B4-BE49-F238E27FC236}">
-                <a16:creationId xmlns:a16="http://schemas.microsoft.com/office/drawing/2014/main" id="{112C429B-26F7-46EF-9612-5A77DFDFBF28}"/>
-              </a:ext>
-            </a:extLst>
-          </p:cNvPr>
-          <p:cNvSpPr txBox="1"/>
-          <p:nvPr/>
-        </p:nvSpPr>
-        <p:spPr>
-          <a:xfrm>
-            <a:off x="241865" y="2062296"/>
-            <a:ext cx="3562350" cy="4362733"/>
-          </a:xfrm>
-          <a:prstGeom prst="rect">
-            <a:avLst/>
-          </a:prstGeom>
-          <a:noFill/>
-        </p:spPr>
-        <p:txBody>
-          <a:bodyPr wrap="square" rtlCol="0">
-            <a:spAutoFit/>
-          </a:bodyPr>
-          <a:lstStyle/>
-          <a:p>
-            <a:pPr indent="-288000">
-              <a:spcBef>
-                <a:spcPts val="900"/>
-              </a:spcBef>
-              <a:buFont typeface="Arial" panose="020B0604020202020204" pitchFamily="34" charset="0"/>
-              <a:buChar char="•"/>
-            </a:pPr>
-            <a:r>
-              <a:rPr lang="uk-UA" sz="2400" b="1" dirty="0">
-                <a:solidFill>
-                  <a:schemeClr val="bg1"/>
-                </a:solidFill>
-              </a:rPr>
-              <a:t>Кількість робочих елементів</a:t>
-            </a:r>
-          </a:p>
-          <a:p>
-            <a:pPr indent="-288000">
-              <a:spcBef>
-                <a:spcPts val="900"/>
-              </a:spcBef>
-              <a:buFont typeface="Arial" panose="020B0604020202020204" pitchFamily="34" charset="0"/>
-              <a:buChar char="•"/>
-            </a:pPr>
-            <a:r>
-              <a:rPr lang="uk-UA" sz="2400" b="1" dirty="0">
-                <a:solidFill>
-                  <a:schemeClr val="bg1"/>
-                </a:solidFill>
-              </a:rPr>
-              <a:t>Кількість працюючих сьогодні учасників</a:t>
-            </a:r>
-          </a:p>
-          <a:p>
-            <a:pPr indent="-288000">
-              <a:spcBef>
-                <a:spcPts val="900"/>
-              </a:spcBef>
-              <a:buFont typeface="Arial" panose="020B0604020202020204" pitchFamily="34" charset="0"/>
-              <a:buChar char="•"/>
-            </a:pPr>
-            <a:r>
-              <a:rPr lang="uk-UA" sz="2400" b="1" dirty="0">
-                <a:solidFill>
-                  <a:schemeClr val="bg1"/>
-                </a:solidFill>
-              </a:rPr>
-              <a:t>Поточний спринт</a:t>
-            </a:r>
-          </a:p>
-          <a:p>
-            <a:pPr indent="-288000">
-              <a:spcBef>
-                <a:spcPts val="900"/>
-              </a:spcBef>
-              <a:buFont typeface="Arial" panose="020B0604020202020204" pitchFamily="34" charset="0"/>
-              <a:buChar char="•"/>
-            </a:pPr>
-            <a:r>
-              <a:rPr lang="uk-UA" sz="2400" b="1" dirty="0">
-                <a:solidFill>
-                  <a:schemeClr val="bg1"/>
-                </a:solidFill>
-              </a:rPr>
-              <a:t>Робочі елементи, призначені користувачу</a:t>
-            </a:r>
-          </a:p>
-          <a:p>
-            <a:pPr indent="-288000">
-              <a:spcBef>
-                <a:spcPts val="900"/>
-              </a:spcBef>
-              <a:buFont typeface="Arial" panose="020B0604020202020204" pitchFamily="34" charset="0"/>
-              <a:buChar char="•"/>
-            </a:pPr>
-            <a:r>
-              <a:rPr lang="uk-UA" sz="2400" b="1" dirty="0">
-                <a:solidFill>
-                  <a:schemeClr val="bg1"/>
-                </a:solidFill>
-              </a:rPr>
-              <a:t>Показник виконаної роботи</a:t>
-            </a:r>
-          </a:p>
-          <a:p>
-            <a:pPr indent="-288000">
-              <a:spcBef>
-                <a:spcPts val="900"/>
-              </a:spcBef>
-              <a:buFont typeface="Arial" panose="020B0604020202020204" pitchFamily="34" charset="0"/>
-              <a:buChar char="•"/>
-            </a:pPr>
-            <a:r>
-              <a:rPr lang="uk-UA" sz="2400" b="1" dirty="0">
-                <a:solidFill>
-                  <a:schemeClr val="bg1"/>
-                </a:solidFill>
-              </a:rPr>
-              <a:t>Історія діяльності</a:t>
-            </a:r>
-            <a:endParaRPr lang="ru-UA" sz="2400" b="1" dirty="0">
-              <a:solidFill>
-                <a:schemeClr val="bg1"/>
-              </a:solidFill>
-            </a:endParaRPr>
-          </a:p>
-        </p:txBody>
-      </p:sp>
       <p:pic>
         <p:nvPicPr>
           <p:cNvPr id="5" name="Рисунок 4">
             <a:extLst>
               <a:ext uri="{FF2B5EF4-FFF2-40B4-BE49-F238E27FC236}">
-                <a16:creationId xmlns:a16="http://schemas.microsoft.com/office/drawing/2014/main" id="{676AE264-325E-4AD2-9271-AEC7B3E9DE3F}"/>
+                <a16:creationId xmlns:a16="http://schemas.microsoft.com/office/drawing/2014/main" id="{997285F5-6D0F-4F72-B8BC-3951364EED0C}"/>
               </a:ext>
             </a:extLst>
           </p:cNvPr>
@@ -9162,31 +9233,27 @@
           <p:nvPr/>
         </p:nvPicPr>
         <p:blipFill>
-          <a:blip r:embed="rId3">
-            <a:extLst>
-              <a:ext uri="{28A0092B-C50C-407E-A947-70E740481C1C}">
-                <a14:useLocalDpi xmlns:a14="http://schemas.microsoft.com/office/drawing/2010/main" val="0"/>
-              </a:ext>
-            </a:extLst>
-          </a:blip>
+          <a:blip r:embed="rId3"/>
           <a:stretch>
             <a:fillRect/>
           </a:stretch>
         </p:blipFill>
         <p:spPr>
           <a:xfrm>
-            <a:off x="4333875" y="708907"/>
-            <a:ext cx="7616260" cy="5440186"/>
-          </a:xfrm>
-          <a:prstGeom prst="rect">
-            <a:avLst/>
+            <a:off x="402864" y="902881"/>
+            <a:ext cx="7707027" cy="4824898"/>
+          </a:xfrm>
+          <a:prstGeom prst="roundRect">
+            <a:avLst>
+              <a:gd name="adj" fmla="val 4886"/>
+            </a:avLst>
           </a:prstGeom>
         </p:spPr>
       </p:pic>
     </p:spTree>
     <p:extLst>
       <p:ext uri="{BB962C8B-B14F-4D97-AF65-F5344CB8AC3E}">
-        <p14:creationId xmlns:p14="http://schemas.microsoft.com/office/powerpoint/2010/main" val="3762617874"/>
+        <p14:creationId xmlns:p14="http://schemas.microsoft.com/office/powerpoint/2010/main" val="101721487"/>
       </p:ext>
     </p:extLst>
   </p:cSld>
@@ -9251,749 +9318,10 @@
       </p:pic>
       <p:sp>
         <p:nvSpPr>
-          <p:cNvPr id="2" name="TextBox 1">
-            <a:extLst>
-              <a:ext uri="{FF2B5EF4-FFF2-40B4-BE49-F238E27FC236}">
-                <a16:creationId xmlns:a16="http://schemas.microsoft.com/office/drawing/2014/main" id="{9120F81A-E010-4EEC-8976-0F2783A1A2CD}"/>
-              </a:ext>
-            </a:extLst>
-          </p:cNvPr>
-          <p:cNvSpPr txBox="1"/>
-          <p:nvPr/>
-        </p:nvSpPr>
-        <p:spPr>
-          <a:xfrm>
-            <a:off x="241865" y="838200"/>
-            <a:ext cx="3004477" cy="707886"/>
-          </a:xfrm>
-          <a:prstGeom prst="rect">
-            <a:avLst/>
-          </a:prstGeom>
-          <a:noFill/>
-        </p:spPr>
-        <p:txBody>
-          <a:bodyPr wrap="none" rtlCol="0">
-            <a:spAutoFit/>
-          </a:bodyPr>
-          <a:lstStyle/>
-          <a:p>
-            <a:r>
-              <a:rPr lang="en-US" sz="4000" b="1" dirty="0">
-                <a:solidFill>
-                  <a:schemeClr val="bg1"/>
-                </a:solidFill>
-              </a:rPr>
-              <a:t>WORK ITEMS</a:t>
-            </a:r>
-            <a:endParaRPr lang="ru-UA" sz="4000" b="1" dirty="0">
-              <a:solidFill>
-                <a:schemeClr val="bg1"/>
-              </a:solidFill>
-            </a:endParaRPr>
-          </a:p>
-        </p:txBody>
-      </p:sp>
-      <p:sp>
-        <p:nvSpPr>
-          <p:cNvPr id="3" name="TextBox 2">
-            <a:extLst>
-              <a:ext uri="{FF2B5EF4-FFF2-40B4-BE49-F238E27FC236}">
-                <a16:creationId xmlns:a16="http://schemas.microsoft.com/office/drawing/2014/main" id="{112C429B-26F7-46EF-9612-5A77DFDFBF28}"/>
-              </a:ext>
-            </a:extLst>
-          </p:cNvPr>
-          <p:cNvSpPr txBox="1"/>
-          <p:nvPr/>
-        </p:nvSpPr>
-        <p:spPr>
-          <a:xfrm>
-            <a:off x="385763" y="2234148"/>
-            <a:ext cx="3562350" cy="2539157"/>
-          </a:xfrm>
-          <a:prstGeom prst="rect">
-            <a:avLst/>
-          </a:prstGeom>
-          <a:noFill/>
-        </p:spPr>
-        <p:txBody>
-          <a:bodyPr wrap="square" rtlCol="0">
-            <a:spAutoFit/>
-          </a:bodyPr>
-          <a:lstStyle/>
-          <a:p>
-            <a:pPr indent="-288000">
-              <a:spcBef>
-                <a:spcPts val="900"/>
-              </a:spcBef>
-              <a:buFont typeface="Arial" panose="020B0604020202020204" pitchFamily="34" charset="0"/>
-              <a:buChar char="•"/>
-            </a:pPr>
-            <a:r>
-              <a:rPr lang="uk-UA" sz="2400" b="1" dirty="0">
-                <a:solidFill>
-                  <a:schemeClr val="bg1"/>
-                </a:solidFill>
-              </a:rPr>
-              <a:t>Перегляд усіх робочих елементів проєкту</a:t>
-            </a:r>
-          </a:p>
-          <a:p>
-            <a:pPr indent="-288000">
-              <a:spcBef>
-                <a:spcPts val="900"/>
-              </a:spcBef>
-              <a:buFont typeface="Arial" panose="020B0604020202020204" pitchFamily="34" charset="0"/>
-              <a:buChar char="•"/>
-            </a:pPr>
-            <a:r>
-              <a:rPr lang="uk-UA" sz="2400" b="1" dirty="0">
-                <a:solidFill>
-                  <a:schemeClr val="bg1"/>
-                </a:solidFill>
-              </a:rPr>
-              <a:t>Створення нових робочих елементів</a:t>
-            </a:r>
-          </a:p>
-          <a:p>
-            <a:pPr indent="-288000">
-              <a:spcBef>
-                <a:spcPts val="900"/>
-              </a:spcBef>
-              <a:buFont typeface="Arial" panose="020B0604020202020204" pitchFamily="34" charset="0"/>
-              <a:buChar char="•"/>
-            </a:pPr>
-            <a:r>
-              <a:rPr lang="uk-UA" sz="2400" b="1" dirty="0">
-                <a:solidFill>
-                  <a:schemeClr val="bg1"/>
-                </a:solidFill>
-              </a:rPr>
-              <a:t>Видалення вибраних робочих елементів</a:t>
-            </a:r>
-            <a:endParaRPr lang="ru-UA" sz="2400" b="1" dirty="0">
-              <a:solidFill>
-                <a:schemeClr val="bg1"/>
-              </a:solidFill>
-            </a:endParaRPr>
-          </a:p>
-        </p:txBody>
-      </p:sp>
-      <p:pic>
-        <p:nvPicPr>
-          <p:cNvPr id="6" name="Рисунок 5">
-            <a:extLst>
-              <a:ext uri="{FF2B5EF4-FFF2-40B4-BE49-F238E27FC236}">
-                <a16:creationId xmlns:a16="http://schemas.microsoft.com/office/drawing/2014/main" id="{93EDA95A-F597-4ACE-96BE-ACD829BA19FA}"/>
-              </a:ext>
-            </a:extLst>
-          </p:cNvPr>
-          <p:cNvPicPr>
-            <a:picLocks noChangeAspect="1"/>
-          </p:cNvPicPr>
-          <p:nvPr/>
-        </p:nvPicPr>
-        <p:blipFill>
-          <a:blip r:embed="rId3">
-            <a:extLst>
-              <a:ext uri="{28A0092B-C50C-407E-A947-70E740481C1C}">
-                <a14:useLocalDpi xmlns:a14="http://schemas.microsoft.com/office/drawing/2010/main" val="0"/>
-              </a:ext>
-            </a:extLst>
-          </a:blip>
-          <a:stretch>
-            <a:fillRect/>
-          </a:stretch>
-        </p:blipFill>
-        <p:spPr>
-          <a:xfrm>
-            <a:off x="4333875" y="708907"/>
-            <a:ext cx="7615440" cy="5439600"/>
-          </a:xfrm>
-          <a:prstGeom prst="rect">
-            <a:avLst/>
-          </a:prstGeom>
-        </p:spPr>
-      </p:pic>
-    </p:spTree>
-    <p:extLst>
-      <p:ext uri="{BB962C8B-B14F-4D97-AF65-F5344CB8AC3E}">
-        <p14:creationId xmlns:p14="http://schemas.microsoft.com/office/powerpoint/2010/main" val="4285043137"/>
-      </p:ext>
-    </p:extLst>
-  </p:cSld>
-  <p:clrMapOvr>
-    <a:masterClrMapping/>
-  </p:clrMapOvr>
-</p:sld>
-</file>
-
-<file path=ppt/slides/slide24.xml><?xml version="1.0" encoding="utf-8"?>
-<p:sld xmlns:a="http://schemas.openxmlformats.org/drawingml/2006/main" xmlns:r="http://schemas.openxmlformats.org/officeDocument/2006/relationships" xmlns:p="http://schemas.openxmlformats.org/presentationml/2006/main">
-  <p:cSld>
-    <p:spTree>
-      <p:nvGrpSpPr>
-        <p:cNvPr id="1" name=""/>
-        <p:cNvGrpSpPr/>
-        <p:nvPr/>
-      </p:nvGrpSpPr>
-      <p:grpSpPr>
-        <a:xfrm>
-          <a:off x="0" y="0"/>
-          <a:ext cx="0" cy="0"/>
-          <a:chOff x="0" y="0"/>
-          <a:chExt cx="0" cy="0"/>
-        </a:xfrm>
-      </p:grpSpPr>
-      <p:pic>
-        <p:nvPicPr>
-          <p:cNvPr id="14" name="Рисунок 13">
-            <a:extLst>
-              <a:ext uri="{FF2B5EF4-FFF2-40B4-BE49-F238E27FC236}">
-                <a16:creationId xmlns:a16="http://schemas.microsoft.com/office/drawing/2014/main" id="{F7AE7FB4-404F-4421-B35C-84C1744B63DE}"/>
-              </a:ext>
-            </a:extLst>
-          </p:cNvPr>
-          <p:cNvPicPr>
-            <a:picLocks noChangeAspect="1"/>
-          </p:cNvPicPr>
-          <p:nvPr/>
-        </p:nvPicPr>
-        <p:blipFill>
-          <a:blip r:embed="rId2">
-            <a:extLst>
-              <a:ext uri="{28A0092B-C50C-407E-A947-70E740481C1C}">
-                <a14:useLocalDpi xmlns:a14="http://schemas.microsoft.com/office/drawing/2010/main" val="0"/>
-              </a:ext>
-            </a:extLst>
-          </a:blip>
-          <a:stretch>
-            <a:fillRect/>
-          </a:stretch>
-        </p:blipFill>
-        <p:spPr>
-          <a:xfrm>
-            <a:off x="0" y="-2977953"/>
-            <a:ext cx="12192000" cy="18288000"/>
-          </a:xfrm>
-          <a:prstGeom prst="rect">
-            <a:avLst/>
-          </a:prstGeom>
-        </p:spPr>
-      </p:pic>
-      <p:sp>
-        <p:nvSpPr>
-          <p:cNvPr id="2" name="TextBox 1">
-            <a:extLst>
-              <a:ext uri="{FF2B5EF4-FFF2-40B4-BE49-F238E27FC236}">
-                <a16:creationId xmlns:a16="http://schemas.microsoft.com/office/drawing/2014/main" id="{9120F81A-E010-4EEC-8976-0F2783A1A2CD}"/>
-              </a:ext>
-            </a:extLst>
-          </p:cNvPr>
-          <p:cNvSpPr txBox="1"/>
-          <p:nvPr/>
-        </p:nvSpPr>
-        <p:spPr>
-          <a:xfrm>
-            <a:off x="241865" y="838200"/>
-            <a:ext cx="1955087" cy="707886"/>
-          </a:xfrm>
-          <a:prstGeom prst="rect">
-            <a:avLst/>
-          </a:prstGeom>
-          <a:noFill/>
-        </p:spPr>
-        <p:txBody>
-          <a:bodyPr wrap="none" rtlCol="0">
-            <a:spAutoFit/>
-          </a:bodyPr>
-          <a:lstStyle/>
-          <a:p>
-            <a:r>
-              <a:rPr lang="en-US" sz="4000" b="1" dirty="0">
-                <a:solidFill>
-                  <a:schemeClr val="bg1"/>
-                </a:solidFill>
-              </a:rPr>
-              <a:t>SPRINTS</a:t>
-            </a:r>
-            <a:endParaRPr lang="ru-UA" sz="4000" b="1" dirty="0">
-              <a:solidFill>
-                <a:schemeClr val="bg1"/>
-              </a:solidFill>
-            </a:endParaRPr>
-          </a:p>
-        </p:txBody>
-      </p:sp>
-      <p:sp>
-        <p:nvSpPr>
-          <p:cNvPr id="3" name="TextBox 2">
-            <a:extLst>
-              <a:ext uri="{FF2B5EF4-FFF2-40B4-BE49-F238E27FC236}">
-                <a16:creationId xmlns:a16="http://schemas.microsoft.com/office/drawing/2014/main" id="{112C429B-26F7-46EF-9612-5A77DFDFBF28}"/>
-              </a:ext>
-            </a:extLst>
-          </p:cNvPr>
-          <p:cNvSpPr txBox="1"/>
-          <p:nvPr/>
-        </p:nvSpPr>
-        <p:spPr>
-          <a:xfrm>
-            <a:off x="385763" y="2234148"/>
-            <a:ext cx="3562350" cy="2908489"/>
-          </a:xfrm>
-          <a:prstGeom prst="rect">
-            <a:avLst/>
-          </a:prstGeom>
-          <a:noFill/>
-        </p:spPr>
-        <p:txBody>
-          <a:bodyPr wrap="square" rtlCol="0">
-            <a:spAutoFit/>
-          </a:bodyPr>
-          <a:lstStyle/>
-          <a:p>
-            <a:pPr indent="-288000">
-              <a:spcBef>
-                <a:spcPts val="900"/>
-              </a:spcBef>
-              <a:buFont typeface="Arial" panose="020B0604020202020204" pitchFamily="34" charset="0"/>
-              <a:buChar char="•"/>
-            </a:pPr>
-            <a:r>
-              <a:rPr lang="uk-UA" sz="2400" b="1" dirty="0">
-                <a:solidFill>
-                  <a:schemeClr val="bg1"/>
-                </a:solidFill>
-              </a:rPr>
-              <a:t>Перегляд усіх спринтів проєкту</a:t>
-            </a:r>
-          </a:p>
-          <a:p>
-            <a:pPr indent="-288000">
-              <a:spcBef>
-                <a:spcPts val="900"/>
-              </a:spcBef>
-              <a:buFont typeface="Arial" panose="020B0604020202020204" pitchFamily="34" charset="0"/>
-              <a:buChar char="•"/>
-            </a:pPr>
-            <a:r>
-              <a:rPr lang="uk-UA" sz="2400" b="1" dirty="0">
-                <a:solidFill>
-                  <a:schemeClr val="bg1"/>
-                </a:solidFill>
-              </a:rPr>
-              <a:t>Перегляд робочих елементів для певного спринта чи користувача</a:t>
-            </a:r>
-          </a:p>
-          <a:p>
-            <a:pPr indent="-288000">
-              <a:spcBef>
-                <a:spcPts val="900"/>
-              </a:spcBef>
-              <a:buFont typeface="Arial" panose="020B0604020202020204" pitchFamily="34" charset="0"/>
-              <a:buChar char="•"/>
-            </a:pPr>
-            <a:r>
-              <a:rPr lang="uk-UA" sz="2400" b="1" dirty="0">
-                <a:solidFill>
-                  <a:schemeClr val="bg1"/>
-                </a:solidFill>
-              </a:rPr>
-              <a:t>Кількість виконаних робочих елементів</a:t>
-            </a:r>
-            <a:endParaRPr lang="ru-UA" sz="2400" b="1" dirty="0">
-              <a:solidFill>
-                <a:schemeClr val="bg1"/>
-              </a:solidFill>
-            </a:endParaRPr>
-          </a:p>
-        </p:txBody>
-      </p:sp>
-      <p:pic>
-        <p:nvPicPr>
-          <p:cNvPr id="5" name="Рисунок 4">
-            <a:extLst>
-              <a:ext uri="{FF2B5EF4-FFF2-40B4-BE49-F238E27FC236}">
-                <a16:creationId xmlns:a16="http://schemas.microsoft.com/office/drawing/2014/main" id="{DC19BB7D-FFE5-4B6D-8F60-EE1637B4A869}"/>
-              </a:ext>
-            </a:extLst>
-          </p:cNvPr>
-          <p:cNvPicPr>
-            <a:picLocks noChangeAspect="1"/>
-          </p:cNvPicPr>
-          <p:nvPr/>
-        </p:nvPicPr>
-        <p:blipFill>
-          <a:blip r:embed="rId3">
-            <a:extLst>
-              <a:ext uri="{28A0092B-C50C-407E-A947-70E740481C1C}">
-                <a14:useLocalDpi xmlns:a14="http://schemas.microsoft.com/office/drawing/2010/main" val="0"/>
-              </a:ext>
-            </a:extLst>
-          </a:blip>
-          <a:stretch>
-            <a:fillRect/>
-          </a:stretch>
-        </p:blipFill>
-        <p:spPr>
-          <a:xfrm>
-            <a:off x="4333875" y="708907"/>
-            <a:ext cx="7615440" cy="5439600"/>
-          </a:xfrm>
-          <a:prstGeom prst="rect">
-            <a:avLst/>
-          </a:prstGeom>
-        </p:spPr>
-      </p:pic>
-    </p:spTree>
-    <p:extLst>
-      <p:ext uri="{BB962C8B-B14F-4D97-AF65-F5344CB8AC3E}">
-        <p14:creationId xmlns:p14="http://schemas.microsoft.com/office/powerpoint/2010/main" val="732476136"/>
-      </p:ext>
-    </p:extLst>
-  </p:cSld>
-  <p:clrMapOvr>
-    <a:masterClrMapping/>
-  </p:clrMapOvr>
-</p:sld>
-</file>
-
-<file path=ppt/slides/slide25.xml><?xml version="1.0" encoding="utf-8"?>
-<p:sld xmlns:a="http://schemas.openxmlformats.org/drawingml/2006/main" xmlns:r="http://schemas.openxmlformats.org/officeDocument/2006/relationships" xmlns:p="http://schemas.openxmlformats.org/presentationml/2006/main">
-  <p:cSld>
-    <p:spTree>
-      <p:nvGrpSpPr>
-        <p:cNvPr id="1" name=""/>
-        <p:cNvGrpSpPr/>
-        <p:nvPr/>
-      </p:nvGrpSpPr>
-      <p:grpSpPr>
-        <a:xfrm>
-          <a:off x="0" y="0"/>
-          <a:ext cx="0" cy="0"/>
-          <a:chOff x="0" y="0"/>
-          <a:chExt cx="0" cy="0"/>
-        </a:xfrm>
-      </p:grpSpPr>
-      <p:pic>
-        <p:nvPicPr>
-          <p:cNvPr id="14" name="Рисунок 13">
-            <a:extLst>
-              <a:ext uri="{FF2B5EF4-FFF2-40B4-BE49-F238E27FC236}">
-                <a16:creationId xmlns:a16="http://schemas.microsoft.com/office/drawing/2014/main" id="{F7AE7FB4-404F-4421-B35C-84C1744B63DE}"/>
-              </a:ext>
-            </a:extLst>
-          </p:cNvPr>
-          <p:cNvPicPr>
-            <a:picLocks noChangeAspect="1"/>
-          </p:cNvPicPr>
-          <p:nvPr/>
-        </p:nvPicPr>
-        <p:blipFill>
-          <a:blip r:embed="rId2">
-            <a:extLst>
-              <a:ext uri="{28A0092B-C50C-407E-A947-70E740481C1C}">
-                <a14:useLocalDpi xmlns:a14="http://schemas.microsoft.com/office/drawing/2010/main" val="0"/>
-              </a:ext>
-            </a:extLst>
-          </a:blip>
-          <a:stretch>
-            <a:fillRect/>
-          </a:stretch>
-        </p:blipFill>
-        <p:spPr>
-          <a:xfrm>
-            <a:off x="0" y="-2977953"/>
-            <a:ext cx="12192000" cy="18288000"/>
-          </a:xfrm>
-          <a:prstGeom prst="rect">
-            <a:avLst/>
-          </a:prstGeom>
-        </p:spPr>
-      </p:pic>
-      <p:sp>
-        <p:nvSpPr>
-          <p:cNvPr id="2" name="TextBox 1">
-            <a:extLst>
-              <a:ext uri="{FF2B5EF4-FFF2-40B4-BE49-F238E27FC236}">
-                <a16:creationId xmlns:a16="http://schemas.microsoft.com/office/drawing/2014/main" id="{9120F81A-E010-4EEC-8976-0F2783A1A2CD}"/>
-              </a:ext>
-            </a:extLst>
-          </p:cNvPr>
-          <p:cNvSpPr txBox="1"/>
-          <p:nvPr/>
-        </p:nvSpPr>
-        <p:spPr>
-          <a:xfrm>
-            <a:off x="241865" y="838200"/>
-            <a:ext cx="2762423" cy="707886"/>
-          </a:xfrm>
-          <a:prstGeom prst="rect">
-            <a:avLst/>
-          </a:prstGeom>
-          <a:noFill/>
-        </p:spPr>
-        <p:txBody>
-          <a:bodyPr wrap="none" rtlCol="0">
-            <a:spAutoFit/>
-          </a:bodyPr>
-          <a:lstStyle/>
-          <a:p>
-            <a:r>
-              <a:rPr lang="en-US" sz="4000" b="1" dirty="0">
-                <a:solidFill>
-                  <a:schemeClr val="bg1"/>
-                </a:solidFill>
-              </a:rPr>
-              <a:t>WORK ITEM</a:t>
-            </a:r>
-            <a:endParaRPr lang="ru-UA" sz="4000" b="1" dirty="0">
-              <a:solidFill>
-                <a:schemeClr val="bg1"/>
-              </a:solidFill>
-            </a:endParaRPr>
-          </a:p>
-        </p:txBody>
-      </p:sp>
-      <p:sp>
-        <p:nvSpPr>
-          <p:cNvPr id="3" name="TextBox 2">
-            <a:extLst>
-              <a:ext uri="{FF2B5EF4-FFF2-40B4-BE49-F238E27FC236}">
-                <a16:creationId xmlns:a16="http://schemas.microsoft.com/office/drawing/2014/main" id="{112C429B-26F7-46EF-9612-5A77DFDFBF28}"/>
-              </a:ext>
-            </a:extLst>
-          </p:cNvPr>
-          <p:cNvSpPr txBox="1"/>
-          <p:nvPr/>
-        </p:nvSpPr>
-        <p:spPr>
-          <a:xfrm>
-            <a:off x="385763" y="2234148"/>
-            <a:ext cx="3562350" cy="3993401"/>
-          </a:xfrm>
-          <a:prstGeom prst="rect">
-            <a:avLst/>
-          </a:prstGeom>
-          <a:noFill/>
-        </p:spPr>
-        <p:txBody>
-          <a:bodyPr wrap="square" rtlCol="0">
-            <a:spAutoFit/>
-          </a:bodyPr>
-          <a:lstStyle/>
-          <a:p>
-            <a:pPr indent="-288000">
-              <a:spcBef>
-                <a:spcPts val="900"/>
-              </a:spcBef>
-              <a:buFont typeface="Arial" panose="020B0604020202020204" pitchFamily="34" charset="0"/>
-              <a:buChar char="•"/>
-            </a:pPr>
-            <a:r>
-              <a:rPr lang="uk-UA" sz="2400" b="1" dirty="0">
-                <a:solidFill>
-                  <a:schemeClr val="bg1"/>
-                </a:solidFill>
-              </a:rPr>
-              <a:t>Перегляд назви та опису елемента</a:t>
-            </a:r>
-          </a:p>
-          <a:p>
-            <a:pPr indent="-288000">
-              <a:spcBef>
-                <a:spcPts val="900"/>
-              </a:spcBef>
-              <a:buFont typeface="Arial" panose="020B0604020202020204" pitchFamily="34" charset="0"/>
-              <a:buChar char="•"/>
-            </a:pPr>
-            <a:r>
-              <a:rPr lang="uk-UA" sz="2400" b="1" dirty="0">
-                <a:solidFill>
-                  <a:schemeClr val="bg1"/>
-                </a:solidFill>
-              </a:rPr>
-              <a:t>Перегляд стану</a:t>
-            </a:r>
-          </a:p>
-          <a:p>
-            <a:pPr indent="-288000">
-              <a:spcBef>
-                <a:spcPts val="900"/>
-              </a:spcBef>
-              <a:buFont typeface="Arial" panose="020B0604020202020204" pitchFamily="34" charset="0"/>
-              <a:buChar char="•"/>
-            </a:pPr>
-            <a:r>
-              <a:rPr lang="uk-UA" sz="2400" b="1" dirty="0">
-                <a:solidFill>
-                  <a:schemeClr val="bg1"/>
-                </a:solidFill>
-              </a:rPr>
-              <a:t>Перегляд коментарів та їх кількості</a:t>
-            </a:r>
-          </a:p>
-          <a:p>
-            <a:pPr indent="-288000">
-              <a:spcBef>
-                <a:spcPts val="900"/>
-              </a:spcBef>
-              <a:buFont typeface="Arial" panose="020B0604020202020204" pitchFamily="34" charset="0"/>
-              <a:buChar char="•"/>
-            </a:pPr>
-            <a:r>
-              <a:rPr lang="uk-UA" sz="2400" b="1" dirty="0">
-                <a:solidFill>
-                  <a:schemeClr val="bg1"/>
-                </a:solidFill>
-              </a:rPr>
-              <a:t>Перегляд спринта</a:t>
-            </a:r>
-          </a:p>
-          <a:p>
-            <a:pPr indent="-288000">
-              <a:spcBef>
-                <a:spcPts val="900"/>
-              </a:spcBef>
-              <a:buFont typeface="Arial" panose="020B0604020202020204" pitchFamily="34" charset="0"/>
-              <a:buChar char="•"/>
-            </a:pPr>
-            <a:r>
-              <a:rPr lang="uk-UA" sz="2400" b="1" dirty="0">
-                <a:solidFill>
-                  <a:schemeClr val="bg1"/>
-                </a:solidFill>
-              </a:rPr>
-              <a:t>Додавання нового коментаря</a:t>
-            </a:r>
-          </a:p>
-          <a:p>
-            <a:pPr indent="-288000">
-              <a:spcBef>
-                <a:spcPts val="900"/>
-              </a:spcBef>
-              <a:buFont typeface="Arial" panose="020B0604020202020204" pitchFamily="34" charset="0"/>
-              <a:buChar char="•"/>
-            </a:pPr>
-            <a:r>
-              <a:rPr lang="uk-UA" sz="2400" b="1" dirty="0">
-                <a:solidFill>
-                  <a:schemeClr val="bg1"/>
-                </a:solidFill>
-              </a:rPr>
-              <a:t>Видалення елемента</a:t>
-            </a:r>
-          </a:p>
-        </p:txBody>
-      </p:sp>
-      <p:pic>
-        <p:nvPicPr>
-          <p:cNvPr id="8" name="Рисунок 7">
-            <a:extLst>
-              <a:ext uri="{FF2B5EF4-FFF2-40B4-BE49-F238E27FC236}">
-                <a16:creationId xmlns:a16="http://schemas.microsoft.com/office/drawing/2014/main" id="{679DF205-FA94-4AB4-BD06-81B3DEF46FB4}"/>
-              </a:ext>
-            </a:extLst>
-          </p:cNvPr>
-          <p:cNvPicPr>
-            <a:picLocks noChangeAspect="1"/>
-          </p:cNvPicPr>
-          <p:nvPr/>
-        </p:nvPicPr>
-        <p:blipFill>
-          <a:blip r:embed="rId3">
-            <a:extLst>
-              <a:ext uri="{28A0092B-C50C-407E-A947-70E740481C1C}">
-                <a14:useLocalDpi xmlns:a14="http://schemas.microsoft.com/office/drawing/2010/main" val="0"/>
-              </a:ext>
-            </a:extLst>
-          </a:blip>
-          <a:stretch>
-            <a:fillRect/>
-          </a:stretch>
-        </p:blipFill>
-        <p:spPr>
-          <a:xfrm>
-            <a:off x="4333875" y="708907"/>
-            <a:ext cx="7615440" cy="5439600"/>
-          </a:xfrm>
-          <a:prstGeom prst="rect">
-            <a:avLst/>
-          </a:prstGeom>
-        </p:spPr>
-      </p:pic>
-    </p:spTree>
-    <p:extLst>
-      <p:ext uri="{BB962C8B-B14F-4D97-AF65-F5344CB8AC3E}">
-        <p14:creationId xmlns:p14="http://schemas.microsoft.com/office/powerpoint/2010/main" val="3721428181"/>
-      </p:ext>
-    </p:extLst>
-  </p:cSld>
-  <p:clrMapOvr>
-    <a:masterClrMapping/>
-  </p:clrMapOvr>
-</p:sld>
-</file>
-
-<file path=ppt/slides/slide26.xml><?xml version="1.0" encoding="utf-8"?>
-<p:sld xmlns:a="http://schemas.openxmlformats.org/drawingml/2006/main" xmlns:r="http://schemas.openxmlformats.org/officeDocument/2006/relationships" xmlns:p="http://schemas.openxmlformats.org/presentationml/2006/main">
-  <p:cSld>
-    <p:spTree>
-      <p:nvGrpSpPr>
-        <p:cNvPr id="1" name=""/>
-        <p:cNvGrpSpPr/>
-        <p:nvPr/>
-      </p:nvGrpSpPr>
-      <p:grpSpPr>
-        <a:xfrm>
-          <a:off x="0" y="0"/>
-          <a:ext cx="0" cy="0"/>
-          <a:chOff x="0" y="0"/>
-          <a:chExt cx="0" cy="0"/>
-        </a:xfrm>
-      </p:grpSpPr>
-      <p:pic>
-        <p:nvPicPr>
-          <p:cNvPr id="14" name="Рисунок 13">
-            <a:extLst>
-              <a:ext uri="{FF2B5EF4-FFF2-40B4-BE49-F238E27FC236}">
-                <a16:creationId xmlns:a16="http://schemas.microsoft.com/office/drawing/2014/main" id="{F7AE7FB4-404F-4421-B35C-84C1744B63DE}"/>
-              </a:ext>
-            </a:extLst>
-          </p:cNvPr>
-          <p:cNvPicPr>
-            <a:picLocks noChangeAspect="1"/>
-          </p:cNvPicPr>
-          <p:nvPr/>
-        </p:nvPicPr>
-        <p:blipFill>
-          <a:blip r:embed="rId2">
-            <a:extLst>
-              <a:ext uri="{28A0092B-C50C-407E-A947-70E740481C1C}">
-                <a14:useLocalDpi xmlns:a14="http://schemas.microsoft.com/office/drawing/2010/main" val="0"/>
-              </a:ext>
-            </a:extLst>
-          </a:blip>
-          <a:stretch>
-            <a:fillRect/>
-          </a:stretch>
-        </p:blipFill>
-        <p:spPr>
-          <a:xfrm>
-            <a:off x="0" y="-2977953"/>
-            <a:ext cx="12192000" cy="18288000"/>
-          </a:xfrm>
-          <a:prstGeom prst="rect">
-            <a:avLst/>
-          </a:prstGeom>
-        </p:spPr>
-      </p:pic>
-      <p:sp>
-        <p:nvSpPr>
-          <p:cNvPr id="3" name="Google Shape;246;p34">
-            <a:extLst>
-              <a:ext uri="{FF2B5EF4-FFF2-40B4-BE49-F238E27FC236}">
-                <a16:creationId xmlns:a16="http://schemas.microsoft.com/office/drawing/2014/main" id="{CDDAFE37-ACB5-4A92-8677-4D4C7F565A84}"/>
+          <p:cNvPr id="3" name="Google Shape;266;p37">
+            <a:extLst>
+              <a:ext uri="{FF2B5EF4-FFF2-40B4-BE49-F238E27FC236}">
+                <a16:creationId xmlns:a16="http://schemas.microsoft.com/office/drawing/2014/main" id="{187A582F-0803-467C-A122-9C98A7D0EB6E}"/>
               </a:ext>
             </a:extLst>
           </p:cNvPr>
@@ -10004,8 +9332,8 @@
         </p:nvSpPr>
         <p:spPr>
           <a:xfrm>
-            <a:off x="420585" y="1381125"/>
-            <a:ext cx="9390165" cy="904875"/>
+            <a:off x="622851" y="695325"/>
+            <a:ext cx="10241448" cy="1102208"/>
           </a:xfrm>
           <a:prstGeom prst="rect">
             <a:avLst/>
@@ -10044,10 +9372,10 @@
               <a:buClr>
                 <a:schemeClr val="lt1"/>
               </a:buClr>
-              <a:buSzPts val="4000"/>
+              <a:buSzPts val="1800"/>
               <a:buFont typeface="Calibri"/>
               <a:buNone/>
-              <a:defRPr sz="4000" b="0" i="0" u="none" strike="noStrike" cap="none">
+              <a:defRPr sz="3600" b="0" i="0" u="none" strike="noStrike" cap="none">
                 <a:solidFill>
                   <a:schemeClr val="lt1"/>
                 </a:solidFill>
@@ -10267,7 +9595,7 @@
             </a:lvl9pPr>
           </a:lstStyle>
           <a:p>
-            <a:pPr marL="0" lvl="0" indent="0" rtl="0">
+            <a:pPr marL="0" lvl="0" indent="0" algn="l" rtl="0">
               <a:spcBef>
                 <a:spcPts val="0"/>
               </a:spcBef>
@@ -10277,15 +9605,15 @@
               <a:buClr>
                 <a:schemeClr val="lt1"/>
               </a:buClr>
-              <a:buSzPts val="4800"/>
+              <a:buSzPts val="4400"/>
               <a:buFont typeface="Calibri"/>
               <a:buNone/>
             </a:pPr>
             <a:r>
-              <a:rPr lang="uk-UA" sz="4800" b="1" i="0" dirty="0"/>
-              <a:t>СТЕК ВИКОРИСТАНИХ ТЕХНОЛОГІЙ</a:t>
-            </a:r>
-            <a:endParaRPr sz="4800" dirty="0"/>
+              <a:rPr lang="uk-UA" sz="4400" b="1" i="0" dirty="0"/>
+              <a:t>ВИСНОВКИ</a:t>
+            </a:r>
+            <a:endParaRPr sz="4400" dirty="0"/>
           </a:p>
         </p:txBody>
       </p:sp>
@@ -10294,7 +9622,7 @@
           <p:cNvPr id="2" name="TextBox 1">
             <a:extLst>
               <a:ext uri="{FF2B5EF4-FFF2-40B4-BE49-F238E27FC236}">
-                <a16:creationId xmlns:a16="http://schemas.microsoft.com/office/drawing/2014/main" id="{A13BEDFA-36BC-4D58-A930-190A15C3CD8B}"/>
+                <a16:creationId xmlns:a16="http://schemas.microsoft.com/office/drawing/2014/main" id="{39F731F9-76C3-4B98-B860-536415119E70}"/>
               </a:ext>
             </a:extLst>
           </p:cNvPr>
@@ -10303,8 +9631,8 @@
         </p:nvSpPr>
         <p:spPr>
           <a:xfrm>
-            <a:off x="862873" y="2844105"/>
-            <a:ext cx="9117881" cy="1964512"/>
+            <a:off x="1059138" y="2521059"/>
+            <a:ext cx="10073724" cy="1815882"/>
           </a:xfrm>
           <a:prstGeom prst="rect">
             <a:avLst/>
@@ -10312,25 +9640,18 @@
           <a:noFill/>
         </p:spPr>
         <p:txBody>
-          <a:bodyPr wrap="none" rtlCol="0">
+          <a:bodyPr wrap="square" rtlCol="0">
             <a:spAutoFit/>
           </a:bodyPr>
           <a:lstStyle/>
           <a:p>
-            <a:pPr marL="285750" indent="-285750">
-              <a:lnSpc>
-                <a:spcPct val="150000"/>
-              </a:lnSpc>
-              <a:buFont typeface="Arial" panose="020B0604020202020204" pitchFamily="34" charset="0"/>
-              <a:buChar char="•"/>
-            </a:pPr>
             <a:r>
               <a:rPr lang="en-US" sz="2800" b="1" dirty="0">
                 <a:solidFill>
                   <a:schemeClr val="bg1"/>
                 </a:solidFill>
               </a:rPr>
-              <a:t>NODE.JS</a:t>
+              <a:t>WorkWave</a:t>
             </a:r>
             <a:r>
               <a:rPr lang="uk-UA" sz="2800" b="1" dirty="0">
@@ -10338,115 +9659,7 @@
                   <a:schemeClr val="bg1"/>
                 </a:solidFill>
               </a:rPr>
-              <a:t> – МОВА ПРОГРАМУВАННЯ </a:t>
-            </a:r>
-            <a:r>
-              <a:rPr lang="en-US" sz="2800" b="1" dirty="0">
-                <a:solidFill>
-                  <a:schemeClr val="bg1"/>
-                </a:solidFill>
-              </a:rPr>
-              <a:t>BACK-END</a:t>
-            </a:r>
-            <a:r>
-              <a:rPr lang="uk-UA" sz="2800" b="1" dirty="0">
-                <a:solidFill>
-                  <a:schemeClr val="bg1"/>
-                </a:solidFill>
-              </a:rPr>
-              <a:t> ЧАСТИНИ</a:t>
-            </a:r>
-            <a:endParaRPr lang="en-US" sz="2800" b="1" dirty="0">
-              <a:solidFill>
-                <a:schemeClr val="bg1"/>
-              </a:solidFill>
-            </a:endParaRPr>
-          </a:p>
-          <a:p>
-            <a:pPr marL="285750" indent="-285750">
-              <a:lnSpc>
-                <a:spcPct val="150000"/>
-              </a:lnSpc>
-              <a:buFont typeface="Arial" panose="020B0604020202020204" pitchFamily="34" charset="0"/>
-              <a:buChar char="•"/>
-            </a:pPr>
-            <a:r>
-              <a:rPr lang="en-US" sz="2800" b="1" dirty="0">
-                <a:solidFill>
-                  <a:schemeClr val="bg1"/>
-                </a:solidFill>
-              </a:rPr>
-              <a:t>REACT</a:t>
-            </a:r>
-            <a:r>
-              <a:rPr lang="uk-UA" sz="2800" b="1" dirty="0">
-                <a:solidFill>
-                  <a:schemeClr val="bg1"/>
-                </a:solidFill>
-              </a:rPr>
-              <a:t> – БІБЛІОТЕКА </a:t>
-            </a:r>
-            <a:r>
-              <a:rPr lang="en-US" sz="2800" b="1" dirty="0">
-                <a:solidFill>
-                  <a:schemeClr val="bg1"/>
-                </a:solidFill>
-              </a:rPr>
-              <a:t>JAVASCRIPT</a:t>
-            </a:r>
-            <a:r>
-              <a:rPr lang="uk-UA" sz="2800" b="1" dirty="0">
-                <a:solidFill>
-                  <a:schemeClr val="bg1"/>
-                </a:solidFill>
-              </a:rPr>
-              <a:t> </a:t>
-            </a:r>
-            <a:r>
-              <a:rPr lang="en-US" sz="2800" b="1" dirty="0">
-                <a:solidFill>
-                  <a:schemeClr val="bg1"/>
-                </a:solidFill>
-              </a:rPr>
-              <a:t>FRONT-END</a:t>
-            </a:r>
-            <a:r>
-              <a:rPr lang="uk-UA" sz="2800" b="1" dirty="0">
-                <a:solidFill>
-                  <a:schemeClr val="bg1"/>
-                </a:solidFill>
-              </a:rPr>
-              <a:t> ЧАСТИНИ</a:t>
-            </a:r>
-            <a:endParaRPr lang="en-US" sz="2800" b="1" dirty="0">
-              <a:solidFill>
-                <a:schemeClr val="bg1"/>
-              </a:solidFill>
-            </a:endParaRPr>
-          </a:p>
-          <a:p>
-            <a:pPr marL="285750" indent="-285750">
-              <a:lnSpc>
-                <a:spcPct val="150000"/>
-              </a:lnSpc>
-              <a:buFont typeface="Arial" panose="020B0604020202020204" pitchFamily="34" charset="0"/>
-              <a:buChar char="•"/>
-            </a:pPr>
-            <a:r>
-              <a:rPr lang="en-US" sz="2800" b="1" dirty="0">
-                <a:solidFill>
-                  <a:schemeClr val="bg1"/>
-                </a:solidFill>
-              </a:rPr>
-              <a:t>MYSQL – </a:t>
-            </a:r>
-            <a:r>
-              <a:rPr lang="uk-UA" sz="2800" b="1" dirty="0">
-                <a:solidFill>
-                  <a:schemeClr val="bg1"/>
-                </a:solidFill>
-              </a:rPr>
-              <a:t>ДЛЯ ЗБЕРІГАННЯ І ОБРОБКИ ДАНИХ</a:t>
+              <a:t>- це потужний інструмент для управління проєктами, який поєднує в собі простоту використання та багатофункціональність, що дозволяє ефективно керувати проєктами будь-якої складності</a:t>
             </a:r>
             <a:endParaRPr lang="ru-UA" sz="2800" b="1" dirty="0">
               <a:solidFill>
@@ -10459,7 +9672,7 @@
     </p:spTree>
     <p:extLst>
       <p:ext uri="{BB962C8B-B14F-4D97-AF65-F5344CB8AC3E}">
-        <p14:creationId xmlns:p14="http://schemas.microsoft.com/office/powerpoint/2010/main" val="4019663714"/>
+        <p14:creationId xmlns:p14="http://schemas.microsoft.com/office/powerpoint/2010/main" val="1359337886"/>
       </p:ext>
     </p:extLst>
   </p:cSld>
@@ -10469,460 +9682,7 @@
 </p:sld>
 </file>
 
-<file path=ppt/slides/slide27.xml><?xml version="1.0" encoding="utf-8"?>
-<p:sld xmlns:a="http://schemas.openxmlformats.org/drawingml/2006/main" xmlns:r="http://schemas.openxmlformats.org/officeDocument/2006/relationships" xmlns:p="http://schemas.openxmlformats.org/presentationml/2006/main">
-  <p:cSld>
-    <p:spTree>
-      <p:nvGrpSpPr>
-        <p:cNvPr id="1" name=""/>
-        <p:cNvGrpSpPr/>
-        <p:nvPr/>
-      </p:nvGrpSpPr>
-      <p:grpSpPr>
-        <a:xfrm>
-          <a:off x="0" y="0"/>
-          <a:ext cx="0" cy="0"/>
-          <a:chOff x="0" y="0"/>
-          <a:chExt cx="0" cy="0"/>
-        </a:xfrm>
-      </p:grpSpPr>
-      <p:pic>
-        <p:nvPicPr>
-          <p:cNvPr id="14" name="Рисунок 13">
-            <a:extLst>
-              <a:ext uri="{FF2B5EF4-FFF2-40B4-BE49-F238E27FC236}">
-                <a16:creationId xmlns:a16="http://schemas.microsoft.com/office/drawing/2014/main" id="{F7AE7FB4-404F-4421-B35C-84C1744B63DE}"/>
-              </a:ext>
-            </a:extLst>
-          </p:cNvPr>
-          <p:cNvPicPr>
-            <a:picLocks noChangeAspect="1"/>
-          </p:cNvPicPr>
-          <p:nvPr/>
-        </p:nvPicPr>
-        <p:blipFill>
-          <a:blip r:embed="rId2">
-            <a:extLst>
-              <a:ext uri="{28A0092B-C50C-407E-A947-70E740481C1C}">
-                <a14:useLocalDpi xmlns:a14="http://schemas.microsoft.com/office/drawing/2010/main" val="0"/>
-              </a:ext>
-            </a:extLst>
-          </a:blip>
-          <a:stretch>
-            <a:fillRect/>
-          </a:stretch>
-        </p:blipFill>
-        <p:spPr>
-          <a:xfrm>
-            <a:off x="0" y="-2977953"/>
-            <a:ext cx="12192000" cy="18288000"/>
-          </a:xfrm>
-          <a:prstGeom prst="rect">
-            <a:avLst/>
-          </a:prstGeom>
-        </p:spPr>
-      </p:pic>
-      <p:sp>
-        <p:nvSpPr>
-          <p:cNvPr id="3" name="Google Shape;296;p42">
-            <a:extLst>
-              <a:ext uri="{FF2B5EF4-FFF2-40B4-BE49-F238E27FC236}">
-                <a16:creationId xmlns:a16="http://schemas.microsoft.com/office/drawing/2014/main" id="{43B90CD8-AB00-43E9-BC17-A6B761FC941E}"/>
-              </a:ext>
-            </a:extLst>
-          </p:cNvPr>
-          <p:cNvSpPr txBox="1">
-            <a:spLocks noGrp="1"/>
-          </p:cNvSpPr>
-          <p:nvPr/>
-        </p:nvSpPr>
-        <p:spPr>
-          <a:xfrm>
-            <a:off x="716025" y="519675"/>
-            <a:ext cx="10131300" cy="1456200"/>
-          </a:xfrm>
-          <a:prstGeom prst="rect">
-            <a:avLst/>
-          </a:prstGeom>
-          <a:noFill/>
-          <a:ln>
-            <a:noFill/>
-          </a:ln>
-        </p:spPr>
-        <p:txBody>
-          <a:bodyPr spcFirstLastPara="1" wrap="square" lIns="91425" tIns="45700" rIns="91425" bIns="45700" anchor="ctr" anchorCtr="0">
-            <a:normAutofit/>
-          </a:bodyPr>
-          <a:lstStyle>
-            <a:defPPr marR="0" lvl="0" algn="l" rtl="0">
-              <a:lnSpc>
-                <a:spcPct val="100000"/>
-              </a:lnSpc>
-              <a:spcBef>
-                <a:spcPts val="0"/>
-              </a:spcBef>
-              <a:spcAft>
-                <a:spcPts val="0"/>
-              </a:spcAft>
-            </a:defPPr>
-            <a:lvl1pPr marR="0" lvl="0" algn="l" rtl="0">
-              <a:lnSpc>
-                <a:spcPct val="100000"/>
-              </a:lnSpc>
-              <a:spcBef>
-                <a:spcPts val="0"/>
-              </a:spcBef>
-              <a:spcAft>
-                <a:spcPts val="0"/>
-              </a:spcAft>
-              <a:buClr>
-                <a:schemeClr val="lt1"/>
-              </a:buClr>
-              <a:buSzPts val="1800"/>
-              <a:buFont typeface="Calibri"/>
-              <a:buNone/>
-              <a:defRPr sz="3600" b="0" i="0" u="none" strike="noStrike" cap="none">
-                <a:solidFill>
-                  <a:schemeClr val="lt1"/>
-                </a:solidFill>
-                <a:latin typeface="Calibri"/>
-                <a:ea typeface="Calibri"/>
-                <a:cs typeface="Calibri"/>
-                <a:sym typeface="Calibri"/>
-              </a:defRPr>
-            </a:lvl1pPr>
-            <a:lvl2pPr marR="0" lvl="1" algn="l" rtl="0">
-              <a:lnSpc>
-                <a:spcPct val="100000"/>
-              </a:lnSpc>
-              <a:spcBef>
-                <a:spcPts val="0"/>
-              </a:spcBef>
-              <a:spcAft>
-                <a:spcPts val="0"/>
-              </a:spcAft>
-              <a:buClr>
-                <a:srgbClr val="000000"/>
-              </a:buClr>
-              <a:buSzPts val="1400"/>
-              <a:buFont typeface="Arial"/>
-              <a:buNone/>
-              <a:defRPr sz="1800" b="0" i="0" u="none" strike="noStrike" cap="none">
-                <a:solidFill>
-                  <a:schemeClr val="lt2"/>
-                </a:solidFill>
-                <a:latin typeface="Arial"/>
-                <a:ea typeface="Arial"/>
-                <a:cs typeface="Arial"/>
-                <a:sym typeface="Arial"/>
-              </a:defRPr>
-            </a:lvl2pPr>
-            <a:lvl3pPr marR="0" lvl="2" algn="l" rtl="0">
-              <a:lnSpc>
-                <a:spcPct val="100000"/>
-              </a:lnSpc>
-              <a:spcBef>
-                <a:spcPts val="0"/>
-              </a:spcBef>
-              <a:spcAft>
-                <a:spcPts val="0"/>
-              </a:spcAft>
-              <a:buClr>
-                <a:srgbClr val="000000"/>
-              </a:buClr>
-              <a:buSzPts val="1400"/>
-              <a:buFont typeface="Arial"/>
-              <a:buNone/>
-              <a:defRPr sz="1800" b="0" i="0" u="none" strike="noStrike" cap="none">
-                <a:solidFill>
-                  <a:schemeClr val="lt2"/>
-                </a:solidFill>
-                <a:latin typeface="Arial"/>
-                <a:ea typeface="Arial"/>
-                <a:cs typeface="Arial"/>
-                <a:sym typeface="Arial"/>
-              </a:defRPr>
-            </a:lvl3pPr>
-            <a:lvl4pPr marR="0" lvl="3" algn="l" rtl="0">
-              <a:lnSpc>
-                <a:spcPct val="100000"/>
-              </a:lnSpc>
-              <a:spcBef>
-                <a:spcPts val="0"/>
-              </a:spcBef>
-              <a:spcAft>
-                <a:spcPts val="0"/>
-              </a:spcAft>
-              <a:buClr>
-                <a:srgbClr val="000000"/>
-              </a:buClr>
-              <a:buSzPts val="1400"/>
-              <a:buFont typeface="Arial"/>
-              <a:buNone/>
-              <a:defRPr sz="1800" b="0" i="0" u="none" strike="noStrike" cap="none">
-                <a:solidFill>
-                  <a:schemeClr val="lt2"/>
-                </a:solidFill>
-                <a:latin typeface="Arial"/>
-                <a:ea typeface="Arial"/>
-                <a:cs typeface="Arial"/>
-                <a:sym typeface="Arial"/>
-              </a:defRPr>
-            </a:lvl4pPr>
-            <a:lvl5pPr marR="0" lvl="4" algn="l" rtl="0">
-              <a:lnSpc>
-                <a:spcPct val="100000"/>
-              </a:lnSpc>
-              <a:spcBef>
-                <a:spcPts val="0"/>
-              </a:spcBef>
-              <a:spcAft>
-                <a:spcPts val="0"/>
-              </a:spcAft>
-              <a:buClr>
-                <a:srgbClr val="000000"/>
-              </a:buClr>
-              <a:buSzPts val="1400"/>
-              <a:buFont typeface="Arial"/>
-              <a:buNone/>
-              <a:defRPr sz="1800" b="0" i="0" u="none" strike="noStrike" cap="none">
-                <a:solidFill>
-                  <a:schemeClr val="lt2"/>
-                </a:solidFill>
-                <a:latin typeface="Arial"/>
-                <a:ea typeface="Arial"/>
-                <a:cs typeface="Arial"/>
-                <a:sym typeface="Arial"/>
-              </a:defRPr>
-            </a:lvl5pPr>
-            <a:lvl6pPr marR="0" lvl="5" algn="l" rtl="0">
-              <a:lnSpc>
-                <a:spcPct val="100000"/>
-              </a:lnSpc>
-              <a:spcBef>
-                <a:spcPts val="0"/>
-              </a:spcBef>
-              <a:spcAft>
-                <a:spcPts val="0"/>
-              </a:spcAft>
-              <a:buClr>
-                <a:srgbClr val="000000"/>
-              </a:buClr>
-              <a:buSzPts val="1400"/>
-              <a:buFont typeface="Arial"/>
-              <a:buNone/>
-              <a:defRPr sz="1800" b="0" i="0" u="none" strike="noStrike" cap="none">
-                <a:solidFill>
-                  <a:schemeClr val="lt2"/>
-                </a:solidFill>
-                <a:latin typeface="Arial"/>
-                <a:ea typeface="Arial"/>
-                <a:cs typeface="Arial"/>
-                <a:sym typeface="Arial"/>
-              </a:defRPr>
-            </a:lvl6pPr>
-            <a:lvl7pPr marR="0" lvl="6" algn="l" rtl="0">
-              <a:lnSpc>
-                <a:spcPct val="100000"/>
-              </a:lnSpc>
-              <a:spcBef>
-                <a:spcPts val="0"/>
-              </a:spcBef>
-              <a:spcAft>
-                <a:spcPts val="0"/>
-              </a:spcAft>
-              <a:buClr>
-                <a:srgbClr val="000000"/>
-              </a:buClr>
-              <a:buSzPts val="1400"/>
-              <a:buFont typeface="Arial"/>
-              <a:buNone/>
-              <a:defRPr sz="1800" b="0" i="0" u="none" strike="noStrike" cap="none">
-                <a:solidFill>
-                  <a:schemeClr val="lt2"/>
-                </a:solidFill>
-                <a:latin typeface="Arial"/>
-                <a:ea typeface="Arial"/>
-                <a:cs typeface="Arial"/>
-                <a:sym typeface="Arial"/>
-              </a:defRPr>
-            </a:lvl7pPr>
-            <a:lvl8pPr marR="0" lvl="7" algn="l" rtl="0">
-              <a:lnSpc>
-                <a:spcPct val="100000"/>
-              </a:lnSpc>
-              <a:spcBef>
-                <a:spcPts val="0"/>
-              </a:spcBef>
-              <a:spcAft>
-                <a:spcPts val="0"/>
-              </a:spcAft>
-              <a:buClr>
-                <a:srgbClr val="000000"/>
-              </a:buClr>
-              <a:buSzPts val="1400"/>
-              <a:buFont typeface="Arial"/>
-              <a:buNone/>
-              <a:defRPr sz="1800" b="0" i="0" u="none" strike="noStrike" cap="none">
-                <a:solidFill>
-                  <a:schemeClr val="lt2"/>
-                </a:solidFill>
-                <a:latin typeface="Arial"/>
-                <a:ea typeface="Arial"/>
-                <a:cs typeface="Arial"/>
-                <a:sym typeface="Arial"/>
-              </a:defRPr>
-            </a:lvl8pPr>
-            <a:lvl9pPr marR="0" lvl="8" algn="l" rtl="0">
-              <a:lnSpc>
-                <a:spcPct val="100000"/>
-              </a:lnSpc>
-              <a:spcBef>
-                <a:spcPts val="0"/>
-              </a:spcBef>
-              <a:spcAft>
-                <a:spcPts val="0"/>
-              </a:spcAft>
-              <a:buClr>
-                <a:srgbClr val="000000"/>
-              </a:buClr>
-              <a:buSzPts val="1400"/>
-              <a:buFont typeface="Arial"/>
-              <a:buNone/>
-              <a:defRPr sz="1800" b="0" i="0" u="none" strike="noStrike" cap="none">
-                <a:solidFill>
-                  <a:schemeClr val="lt2"/>
-                </a:solidFill>
-                <a:latin typeface="Arial"/>
-                <a:ea typeface="Arial"/>
-                <a:cs typeface="Arial"/>
-                <a:sym typeface="Arial"/>
-              </a:defRPr>
-            </a:lvl9pPr>
-          </a:lstStyle>
-          <a:p>
-            <a:pPr marL="0" lvl="0" indent="0" algn="l" rtl="0">
-              <a:spcBef>
-                <a:spcPts val="0"/>
-              </a:spcBef>
-              <a:spcAft>
-                <a:spcPts val="0"/>
-              </a:spcAft>
-              <a:buNone/>
-            </a:pPr>
-            <a:r>
-              <a:rPr lang="uk-UA" sz="4400" b="1" dirty="0"/>
-              <a:t>Посилання:</a:t>
-            </a:r>
-            <a:endParaRPr dirty="0"/>
-          </a:p>
-        </p:txBody>
-      </p:sp>
-      <p:sp>
-        <p:nvSpPr>
-          <p:cNvPr id="6" name="TextBox 5">
-            <a:extLst>
-              <a:ext uri="{FF2B5EF4-FFF2-40B4-BE49-F238E27FC236}">
-                <a16:creationId xmlns:a16="http://schemas.microsoft.com/office/drawing/2014/main" id="{6B30A2A4-41D8-4B08-AF3F-E4B4D2528648}"/>
-              </a:ext>
-            </a:extLst>
-          </p:cNvPr>
-          <p:cNvSpPr txBox="1"/>
-          <p:nvPr/>
-        </p:nvSpPr>
-        <p:spPr>
-          <a:xfrm>
-            <a:off x="716025" y="2332491"/>
-            <a:ext cx="10131301" cy="1354217"/>
-          </a:xfrm>
-          <a:prstGeom prst="rect">
-            <a:avLst/>
-          </a:prstGeom>
-          <a:noFill/>
-        </p:spPr>
-        <p:txBody>
-          <a:bodyPr wrap="square">
-            <a:spAutoFit/>
-          </a:bodyPr>
-          <a:lstStyle/>
-          <a:p>
-            <a:pPr indent="-514350">
-              <a:spcBef>
-                <a:spcPts val="1200"/>
-              </a:spcBef>
-              <a:buFont typeface="+mj-lt"/>
-              <a:buAutoNum type="arabicPeriod"/>
-            </a:pPr>
-            <a:r>
-              <a:rPr lang="en-US" sz="2400" dirty="0">
-                <a:solidFill>
-                  <a:schemeClr val="bg1"/>
-                </a:solidFill>
-              </a:rPr>
-              <a:t>GitHub - </a:t>
-            </a:r>
-            <a:r>
-              <a:rPr lang="en-US" sz="2400" dirty="0">
-                <a:solidFill>
-                  <a:schemeClr val="bg1"/>
-                </a:solidFill>
-                <a:hlinkClick r:id="rId3"/>
-              </a:rPr>
-              <a:t>https://github.com/andronik-GitHub/WorkWave</a:t>
-            </a:r>
-            <a:endParaRPr lang="en-US" sz="2400" dirty="0">
-              <a:solidFill>
-                <a:schemeClr val="bg1"/>
-              </a:solidFill>
-            </a:endParaRPr>
-          </a:p>
-          <a:p>
-            <a:pPr indent="-514350">
-              <a:spcBef>
-                <a:spcPts val="1200"/>
-              </a:spcBef>
-              <a:buFont typeface="+mj-lt"/>
-              <a:buAutoNum type="arabicPeriod"/>
-            </a:pPr>
-            <a:r>
-              <a:rPr lang="en-US" sz="2400" dirty="0">
-                <a:solidFill>
-                  <a:schemeClr val="bg1"/>
-                </a:solidFill>
-              </a:rPr>
-              <a:t>Figma - </a:t>
-            </a:r>
-            <a:r>
-              <a:rPr lang="ru-UA" sz="2400" dirty="0">
-                <a:solidFill>
-                  <a:schemeClr val="bg1"/>
-                </a:solidFill>
-                <a:hlinkClick r:id="rId4"/>
-              </a:rPr>
-              <a:t>https://www.figma.com/design/llA78y08PqMcbWuNXbtYd6/Design-items?node-id=168%3A371&amp;t=QGYMtBlSiumLGlPU-1</a:t>
-            </a:r>
-            <a:endParaRPr lang="ru-UA" sz="2400" dirty="0">
-              <a:solidFill>
-                <a:schemeClr val="bg1"/>
-              </a:solidFill>
-            </a:endParaRPr>
-          </a:p>
-        </p:txBody>
-      </p:sp>
-    </p:spTree>
-    <p:extLst>
-      <p:ext uri="{BB962C8B-B14F-4D97-AF65-F5344CB8AC3E}">
-        <p14:creationId xmlns:p14="http://schemas.microsoft.com/office/powerpoint/2010/main" val="846473236"/>
-      </p:ext>
-    </p:extLst>
-  </p:cSld>
-  <p:clrMapOvr>
-    <a:masterClrMapping/>
-  </p:clrMapOvr>
-</p:sld>
-</file>
-
-<file path=ppt/slides/slide28.xml><?xml version="1.0" encoding="utf-8"?>
+<file path=ppt/slides/slide24.xml><?xml version="1.0" encoding="utf-8"?>
 <p:sld xmlns:a="http://schemas.openxmlformats.org/drawingml/2006/main" xmlns:r="http://schemas.openxmlformats.org/officeDocument/2006/relationships" xmlns:p="http://schemas.openxmlformats.org/presentationml/2006/main">
   <p:cSld>
     <p:spTree>
@@ -11565,7 +10325,7 @@
           <p:nvPr/>
         </p:nvPicPr>
         <p:blipFill>
-          <a:blip r:embed="rId2">
+          <a:blip r:embed="rId3">
             <a:extLst>
               <a:ext uri="{28A0092B-C50C-407E-A947-70E740481C1C}">
                 <a14:useLocalDpi xmlns:a14="http://schemas.microsoft.com/office/drawing/2010/main" val="0"/>
@@ -11620,15 +10380,7 @@
                   <a:schemeClr val="bg1"/>
                 </a:solidFill>
               </a:rPr>
-              <a:t>Переваги </a:t>
-            </a:r>
-            <a:r>
-              <a:rPr lang="en-US" sz="3200" b="1" dirty="0">
-                <a:solidFill>
-                  <a:schemeClr val="bg1"/>
-                </a:solidFill>
-              </a:rPr>
-              <a:t>WorkWave</a:t>
+              <a:t>Безпека</a:t>
             </a:r>
             <a:endParaRPr lang="ru-UA" sz="3200" b="1" dirty="0">
               <a:solidFill>
@@ -11652,8 +10404,8 @@
         </p:nvSpPr>
         <p:spPr>
           <a:xfrm>
-            <a:off x="1492282" y="2388205"/>
-            <a:ext cx="7971926" cy="2251065"/>
+            <a:off x="1501807" y="2072156"/>
+            <a:ext cx="8881214" cy="1143070"/>
           </a:xfrm>
           <a:prstGeom prst="rect">
             <a:avLst/>
@@ -11679,7 +10431,7 @@
                   <a:schemeClr val="bg1"/>
                 </a:solidFill>
               </a:rPr>
-              <a:t>Простий та інтуїтивно зрозумілий інтерфейс</a:t>
+              <a:t>Захист даних користувачів за допомогою шифрування паролів</a:t>
             </a:r>
           </a:p>
           <a:p>
@@ -11696,41 +10448,7 @@
                   <a:schemeClr val="bg1"/>
                 </a:solidFill>
               </a:rPr>
-              <a:t>Розширені можливості аналітики</a:t>
-            </a:r>
-          </a:p>
-          <a:p>
-            <a:pPr marL="285750" indent="-285750">
-              <a:lnSpc>
-                <a:spcPct val="150000"/>
-              </a:lnSpc>
-              <a:buFont typeface="Arial" panose="020B0604020202020204" pitchFamily="34" charset="0"/>
-              <a:buChar char="•"/>
-            </a:pPr>
-            <a:r>
-              <a:rPr lang="uk-UA" sz="2400" b="1" dirty="0">
-                <a:solidFill>
-                  <a:schemeClr val="bg1"/>
-                </a:solidFill>
-              </a:rPr>
-              <a:t>Гнучке управління проєктами та робочими елементами</a:t>
-            </a:r>
-          </a:p>
-          <a:p>
-            <a:pPr marL="285750" indent="-285750">
-              <a:lnSpc>
-                <a:spcPct val="150000"/>
-              </a:lnSpc>
-              <a:buFont typeface="Arial" panose="020B0604020202020204" pitchFamily="34" charset="0"/>
-              <a:buChar char="•"/>
-            </a:pPr>
-            <a:r>
-              <a:rPr lang="uk-UA" sz="2400" b="1" dirty="0">
-                <a:solidFill>
-                  <a:schemeClr val="bg1"/>
-                </a:solidFill>
-              </a:rPr>
-              <a:t>Безпека та конфіденційність</a:t>
+              <a:t>Використання токенів для аутентифікації та авторизації</a:t>
             </a:r>
             <a:endParaRPr lang="ru-UA" sz="2400" b="1" dirty="0">
               <a:solidFill>
@@ -11740,10 +10458,70 @@
           </a:p>
         </p:txBody>
       </p:sp>
+      <p:pic>
+        <p:nvPicPr>
+          <p:cNvPr id="5" name="Рисунок 4">
+            <a:extLst>
+              <a:ext uri="{FF2B5EF4-FFF2-40B4-BE49-F238E27FC236}">
+                <a16:creationId xmlns:a16="http://schemas.microsoft.com/office/drawing/2014/main" id="{91B8AEED-FA96-4943-9B96-795C1A213ACD}"/>
+              </a:ext>
+            </a:extLst>
+          </p:cNvPr>
+          <p:cNvPicPr>
+            <a:picLocks noChangeAspect="1"/>
+          </p:cNvPicPr>
+          <p:nvPr/>
+        </p:nvPicPr>
+        <p:blipFill>
+          <a:blip r:embed="rId4"/>
+          <a:stretch>
+            <a:fillRect/>
+          </a:stretch>
+        </p:blipFill>
+        <p:spPr>
+          <a:xfrm>
+            <a:off x="7388240" y="3871546"/>
+            <a:ext cx="4066528" cy="2400300"/>
+          </a:xfrm>
+          <a:prstGeom prst="rect">
+            <a:avLst/>
+          </a:prstGeom>
+        </p:spPr>
+      </p:pic>
+      <p:pic>
+        <p:nvPicPr>
+          <p:cNvPr id="7" name="Рисунок 6">
+            <a:extLst>
+              <a:ext uri="{FF2B5EF4-FFF2-40B4-BE49-F238E27FC236}">
+                <a16:creationId xmlns:a16="http://schemas.microsoft.com/office/drawing/2014/main" id="{A997E49B-91CE-4350-AA2D-DDE8CD742991}"/>
+              </a:ext>
+            </a:extLst>
+          </p:cNvPr>
+          <p:cNvPicPr>
+            <a:picLocks noChangeAspect="1"/>
+          </p:cNvPicPr>
+          <p:nvPr/>
+        </p:nvPicPr>
+        <p:blipFill>
+          <a:blip r:embed="rId5"/>
+          <a:stretch>
+            <a:fillRect/>
+          </a:stretch>
+        </p:blipFill>
+        <p:spPr>
+          <a:xfrm>
+            <a:off x="755959" y="4307915"/>
+            <a:ext cx="5722770" cy="1389816"/>
+          </a:xfrm>
+          <a:prstGeom prst="rect">
+            <a:avLst/>
+          </a:prstGeom>
+        </p:spPr>
+      </p:pic>
     </p:spTree>
     <p:extLst>
       <p:ext uri="{BB962C8B-B14F-4D97-AF65-F5344CB8AC3E}">
-        <p14:creationId xmlns:p14="http://schemas.microsoft.com/office/powerpoint/2010/main" val="1213229953"/>
+        <p14:creationId xmlns:p14="http://schemas.microsoft.com/office/powerpoint/2010/main" val="2508872087"/>
       </p:ext>
     </p:extLst>
   </p:cSld>
@@ -11785,7 +10563,7 @@
           <p:nvPr/>
         </p:nvPicPr>
         <p:blipFill>
-          <a:blip r:embed="rId3">
+          <a:blip r:embed="rId2">
             <a:extLst>
               <a:ext uri="{28A0092B-C50C-407E-A947-70E740481C1C}">
                 <a14:useLocalDpi xmlns:a14="http://schemas.microsoft.com/office/drawing/2010/main" val="0"/>
@@ -11808,10 +10586,10 @@
       </p:pic>
       <p:sp>
         <p:nvSpPr>
-          <p:cNvPr id="3" name="TextBox 2">
-            <a:extLst>
-              <a:ext uri="{FF2B5EF4-FFF2-40B4-BE49-F238E27FC236}">
-                <a16:creationId xmlns:a16="http://schemas.microsoft.com/office/drawing/2014/main" id="{38FE7405-5AC5-46B0-8757-6940690A92D7}"/>
+          <p:cNvPr id="2" name="TextBox 1">
+            <a:extLst>
+              <a:ext uri="{FF2B5EF4-FFF2-40B4-BE49-F238E27FC236}">
+                <a16:creationId xmlns:a16="http://schemas.microsoft.com/office/drawing/2014/main" id="{0FE6C433-9E46-4A21-851F-5F6D13208E56}"/>
               </a:ext>
             </a:extLst>
           </p:cNvPr>
@@ -11820,8 +10598,8 @@
         </p:nvSpPr>
         <p:spPr>
           <a:xfrm>
-            <a:off x="528638" y="1110734"/>
-            <a:ext cx="6162674" cy="584775"/>
+            <a:off x="819150" y="1399584"/>
+            <a:ext cx="10553700" cy="1151597"/>
           </a:xfrm>
           <a:prstGeom prst="rect">
             <a:avLst/>
@@ -11829,159 +10607,127 @@
           <a:noFill/>
         </p:spPr>
         <p:txBody>
+          <a:bodyPr wrap="square" rtlCol="0">
+            <a:spAutoFit/>
+          </a:bodyPr>
+          <a:lstStyle/>
+          <a:p>
+            <a:pPr>
+              <a:spcAft>
+                <a:spcPts val="125"/>
+              </a:spcAft>
+            </a:pPr>
+            <a:r>
+              <a:rPr lang="uk-UA" sz="3600" b="1" dirty="0">
+                <a:solidFill>
+                  <a:schemeClr val="bg1"/>
+                </a:solidFill>
+              </a:rPr>
+              <a:t>ОГЛЯД АНАЛОГІВ</a:t>
+            </a:r>
+          </a:p>
+          <a:p>
+            <a:pPr>
+              <a:spcAft>
+                <a:spcPts val="125"/>
+              </a:spcAft>
+            </a:pPr>
+            <a:r>
+              <a:rPr lang="en-US" sz="3200" i="1" dirty="0">
+                <a:solidFill>
+                  <a:schemeClr val="bg1"/>
+                </a:solidFill>
+              </a:rPr>
+              <a:t>WORKSECTION</a:t>
+            </a:r>
+          </a:p>
+        </p:txBody>
+      </p:sp>
+      <p:sp>
+        <p:nvSpPr>
+          <p:cNvPr id="5" name="TextBox 4">
+            <a:extLst>
+              <a:ext uri="{FF2B5EF4-FFF2-40B4-BE49-F238E27FC236}">
+                <a16:creationId xmlns:a16="http://schemas.microsoft.com/office/drawing/2014/main" id="{0CB84268-ACF7-4E97-AA31-C61A128978F8}"/>
+              </a:ext>
+            </a:extLst>
+          </p:cNvPr>
+          <p:cNvSpPr txBox="1"/>
+          <p:nvPr/>
+        </p:nvSpPr>
+        <p:spPr>
+          <a:xfrm>
+            <a:off x="1200150" y="3126998"/>
+            <a:ext cx="9763125" cy="1323439"/>
+          </a:xfrm>
+          <a:prstGeom prst="rect">
+            <a:avLst/>
+          </a:prstGeom>
+          <a:noFill/>
+        </p:spPr>
+        <p:txBody>
           <a:bodyPr wrap="square">
             <a:spAutoFit/>
           </a:bodyPr>
           <a:lstStyle/>
           <a:p>
-            <a:r>
-              <a:rPr lang="uk-UA" sz="3200" b="1" dirty="0">
-                <a:solidFill>
-                  <a:schemeClr val="bg1"/>
-                </a:solidFill>
-              </a:rPr>
-              <a:t>Безпека</a:t>
-            </a:r>
-            <a:endParaRPr lang="ru-UA" sz="3200" b="1" dirty="0">
-              <a:solidFill>
-                <a:schemeClr val="bg1"/>
-              </a:solidFill>
-            </a:endParaRPr>
-          </a:p>
-        </p:txBody>
-      </p:sp>
-      <p:sp>
-        <p:nvSpPr>
-          <p:cNvPr id="4" name="TextBox 3">
-            <a:extLst>
-              <a:ext uri="{FF2B5EF4-FFF2-40B4-BE49-F238E27FC236}">
-                <a16:creationId xmlns:a16="http://schemas.microsoft.com/office/drawing/2014/main" id="{F2842ADD-8798-4EC9-903F-5D71F14871FD}"/>
-              </a:ext>
-            </a:extLst>
-          </p:cNvPr>
-          <p:cNvSpPr txBox="1"/>
-          <p:nvPr/>
-        </p:nvSpPr>
-        <p:spPr>
-          <a:xfrm>
-            <a:off x="1501807" y="2072156"/>
-            <a:ext cx="8881214" cy="1143070"/>
-          </a:xfrm>
-          <a:prstGeom prst="rect">
-            <a:avLst/>
-          </a:prstGeom>
-          <a:noFill/>
-        </p:spPr>
-        <p:txBody>
-          <a:bodyPr wrap="none" rtlCol="0">
-            <a:spAutoFit/>
-          </a:bodyPr>
-          <a:lstStyle/>
-          <a:p>
-            <a:pPr marL="285750" indent="-285750">
-              <a:lnSpc>
-                <a:spcPct val="150000"/>
-              </a:lnSpc>
+            <a:pPr marL="176400" indent="-285750">
+              <a:spcBef>
+                <a:spcPts val="1200"/>
+              </a:spcBef>
               <a:buFont typeface="Arial" panose="020B0604020202020204" pitchFamily="34" charset="0"/>
               <a:buChar char="•"/>
             </a:pPr>
             <a:r>
-              <a:rPr lang="uk-UA" sz="2400" b="1" dirty="0">
-                <a:solidFill>
-                  <a:schemeClr val="bg1"/>
-                </a:solidFill>
-              </a:rPr>
-              <a:t>Захист даних користувачів за допомогою шифрування паролів</a:t>
-            </a:r>
-          </a:p>
-          <a:p>
-            <a:pPr marL="285750" indent="-285750">
-              <a:lnSpc>
-                <a:spcPct val="150000"/>
-              </a:lnSpc>
+              <a:rPr lang="uk-UA" sz="2000" b="1" dirty="0">
+                <a:solidFill>
+                  <a:schemeClr val="bg1"/>
+                </a:solidFill>
+              </a:rPr>
+              <a:t>ГНУЧКИЙ ІНСТРУМЕНТ ДЛЯ УПРАВЛІННЯ ПРОЄКТАМИ ТА КОМАНДНОЮ РОБОТОЮ</a:t>
+            </a:r>
+          </a:p>
+          <a:p>
+            <a:pPr marL="176400" indent="-285750">
+              <a:spcBef>
+                <a:spcPts val="1200"/>
+              </a:spcBef>
               <a:buFont typeface="Arial" panose="020B0604020202020204" pitchFamily="34" charset="0"/>
               <a:buChar char="•"/>
             </a:pPr>
             <a:r>
-              <a:rPr lang="uk-UA" sz="2400" b="1" dirty="0">
-                <a:solidFill>
-                  <a:schemeClr val="bg1"/>
-                </a:solidFill>
-              </a:rPr>
-              <a:t>Використання токенів для аутентифікації та авторизації</a:t>
-            </a:r>
-            <a:endParaRPr lang="ru-UA" sz="2400" b="1" dirty="0">
-              <a:solidFill>
-                <a:schemeClr val="bg1"/>
-              </a:solidFill>
-            </a:endParaRPr>
-          </a:p>
-        </p:txBody>
-      </p:sp>
-      <p:pic>
-        <p:nvPicPr>
-          <p:cNvPr id="5" name="Рисунок 4">
-            <a:extLst>
-              <a:ext uri="{FF2B5EF4-FFF2-40B4-BE49-F238E27FC236}">
-                <a16:creationId xmlns:a16="http://schemas.microsoft.com/office/drawing/2014/main" id="{91B8AEED-FA96-4943-9B96-795C1A213ACD}"/>
-              </a:ext>
-            </a:extLst>
-          </p:cNvPr>
-          <p:cNvPicPr>
-            <a:picLocks noChangeAspect="1"/>
-          </p:cNvPicPr>
-          <p:nvPr/>
-        </p:nvPicPr>
-        <p:blipFill>
-          <a:blip r:embed="rId4"/>
-          <a:stretch>
-            <a:fillRect/>
-          </a:stretch>
-        </p:blipFill>
-        <p:spPr>
-          <a:xfrm>
-            <a:off x="7388240" y="3871546"/>
-            <a:ext cx="4066528" cy="2400300"/>
-          </a:xfrm>
-          <a:prstGeom prst="rect">
-            <a:avLst/>
-          </a:prstGeom>
-        </p:spPr>
-      </p:pic>
-      <p:pic>
-        <p:nvPicPr>
-          <p:cNvPr id="7" name="Рисунок 6">
-            <a:extLst>
-              <a:ext uri="{FF2B5EF4-FFF2-40B4-BE49-F238E27FC236}">
-                <a16:creationId xmlns:a16="http://schemas.microsoft.com/office/drawing/2014/main" id="{A997E49B-91CE-4350-AA2D-DDE8CD742991}"/>
-              </a:ext>
-            </a:extLst>
-          </p:cNvPr>
-          <p:cNvPicPr>
-            <a:picLocks noChangeAspect="1"/>
-          </p:cNvPicPr>
-          <p:nvPr/>
-        </p:nvPicPr>
-        <p:blipFill>
-          <a:blip r:embed="rId5"/>
-          <a:stretch>
-            <a:fillRect/>
-          </a:stretch>
-        </p:blipFill>
-        <p:spPr>
-          <a:xfrm>
-            <a:off x="755959" y="4307915"/>
-            <a:ext cx="5722770" cy="1389816"/>
-          </a:xfrm>
-          <a:prstGeom prst="rect">
-            <a:avLst/>
-          </a:prstGeom>
-        </p:spPr>
-      </p:pic>
+              <a:rPr lang="uk-UA" sz="2000" b="1" dirty="0">
+                <a:solidFill>
+                  <a:schemeClr val="bg1"/>
+                </a:solidFill>
+              </a:rPr>
+              <a:t>ПЛЮСИ: ЗРУЧНИЙ ДЛЯ МАЛИХ ТА ВЕЛИКИХ ПРОЄКТІВ</a:t>
+            </a:r>
+          </a:p>
+          <a:p>
+            <a:pPr marL="176400" indent="-285750">
+              <a:spcBef>
+                <a:spcPts val="1200"/>
+              </a:spcBef>
+              <a:buFont typeface="Arial" panose="020B0604020202020204" pitchFamily="34" charset="0"/>
+              <a:buChar char="•"/>
+            </a:pPr>
+            <a:r>
+              <a:rPr lang="uk-UA" sz="2000" b="1" dirty="0">
+                <a:solidFill>
+                  <a:schemeClr val="bg1"/>
+                </a:solidFill>
+              </a:rPr>
+              <a:t>МІНУСИ: ТРОХИ ВАЖКИЙ В ОСВОЄННІ</a:t>
+            </a:r>
+            <a:endParaRPr lang="ru-UA" sz="2000" dirty="0"/>
+          </a:p>
+        </p:txBody>
+      </p:sp>
     </p:spTree>
     <p:extLst>
       <p:ext uri="{BB962C8B-B14F-4D97-AF65-F5344CB8AC3E}">
-        <p14:creationId xmlns:p14="http://schemas.microsoft.com/office/powerpoint/2010/main" val="2508872087"/>
+        <p14:creationId xmlns:p14="http://schemas.microsoft.com/office/powerpoint/2010/main" val="977784054"/>
       </p:ext>
     </p:extLst>
   </p:cSld>
@@ -12044,150 +10790,58 @@
           </a:prstGeom>
         </p:spPr>
       </p:pic>
-      <p:sp>
-        <p:nvSpPr>
-          <p:cNvPr id="2" name="TextBox 1">
-            <a:extLst>
-              <a:ext uri="{FF2B5EF4-FFF2-40B4-BE49-F238E27FC236}">
-                <a16:creationId xmlns:a16="http://schemas.microsoft.com/office/drawing/2014/main" id="{0FE6C433-9E46-4A21-851F-5F6D13208E56}"/>
-              </a:ext>
-            </a:extLst>
-          </p:cNvPr>
-          <p:cNvSpPr txBox="1"/>
+      <p:pic>
+        <p:nvPicPr>
+          <p:cNvPr id="1028" name="Picture 4">
+            <a:extLst>
+              <a:ext uri="{FF2B5EF4-FFF2-40B4-BE49-F238E27FC236}">
+                <a16:creationId xmlns:a16="http://schemas.microsoft.com/office/drawing/2014/main" id="{42F1E9B2-8D96-45F7-A4D4-B46E74F592A8}"/>
+              </a:ext>
+            </a:extLst>
+          </p:cNvPr>
+          <p:cNvPicPr>
+            <a:picLocks noChangeAspect="1" noChangeArrowheads="1"/>
+          </p:cNvPicPr>
           <p:nvPr/>
-        </p:nvSpPr>
-        <p:spPr>
-          <a:xfrm>
-            <a:off x="819150" y="1399584"/>
-            <a:ext cx="10553700" cy="1151597"/>
+        </p:nvPicPr>
+        <p:blipFill>
+          <a:blip r:embed="rId3">
+            <a:extLst>
+              <a:ext uri="{28A0092B-C50C-407E-A947-70E740481C1C}">
+                <a14:useLocalDpi xmlns:a14="http://schemas.microsoft.com/office/drawing/2010/main" val="0"/>
+              </a:ext>
+            </a:extLst>
+          </a:blip>
+          <a:srcRect/>
+          <a:stretch>
+            <a:fillRect/>
+          </a:stretch>
+        </p:blipFill>
+        <p:spPr bwMode="auto">
+          <a:xfrm>
+            <a:off x="1581150" y="419100"/>
+            <a:ext cx="9029700" cy="6019800"/>
           </a:xfrm>
           <a:prstGeom prst="rect">
             <a:avLst/>
           </a:prstGeom>
           <a:noFill/>
-        </p:spPr>
-        <p:txBody>
-          <a:bodyPr wrap="square" rtlCol="0">
-            <a:spAutoFit/>
-          </a:bodyPr>
-          <a:lstStyle/>
-          <a:p>
-            <a:pPr>
-              <a:spcAft>
-                <a:spcPts val="125"/>
-              </a:spcAft>
-            </a:pPr>
-            <a:r>
-              <a:rPr lang="uk-UA" sz="3600" b="1" dirty="0">
-                <a:solidFill>
-                  <a:schemeClr val="bg1"/>
-                </a:solidFill>
-              </a:rPr>
-              <a:t>ОГЛЯД АНАЛОГІВ</a:t>
-            </a:r>
-          </a:p>
-          <a:p>
-            <a:pPr>
-              <a:spcAft>
-                <a:spcPts val="125"/>
-              </a:spcAft>
-            </a:pPr>
-            <a:r>
-              <a:rPr lang="en-US" sz="3200" i="1" dirty="0">
-                <a:solidFill>
-                  <a:schemeClr val="bg1"/>
-                </a:solidFill>
-              </a:rPr>
-              <a:t>WORKSECTION</a:t>
-            </a:r>
-          </a:p>
-        </p:txBody>
-      </p:sp>
-      <p:sp>
-        <p:nvSpPr>
-          <p:cNvPr id="5" name="TextBox 4">
-            <a:extLst>
-              <a:ext uri="{FF2B5EF4-FFF2-40B4-BE49-F238E27FC236}">
-                <a16:creationId xmlns:a16="http://schemas.microsoft.com/office/drawing/2014/main" id="{0CB84268-ACF7-4E97-AA31-C61A128978F8}"/>
-              </a:ext>
-            </a:extLst>
-          </p:cNvPr>
-          <p:cNvSpPr txBox="1"/>
-          <p:nvPr/>
-        </p:nvSpPr>
-        <p:spPr>
-          <a:xfrm>
-            <a:off x="1200150" y="3126998"/>
-            <a:ext cx="9763125" cy="1323439"/>
-          </a:xfrm>
-          <a:prstGeom prst="rect">
-            <a:avLst/>
-          </a:prstGeom>
-          <a:noFill/>
-        </p:spPr>
-        <p:txBody>
-          <a:bodyPr wrap="square">
-            <a:spAutoFit/>
-          </a:bodyPr>
-          <a:lstStyle/>
-          <a:p>
-            <a:pPr marL="176400" indent="-285750">
-              <a:spcBef>
-                <a:spcPts val="1200"/>
-              </a:spcBef>
-              <a:buFont typeface="Arial" panose="020B0604020202020204" pitchFamily="34" charset="0"/>
-              <a:buChar char="•"/>
-            </a:pPr>
-            <a:r>
-              <a:rPr lang="uk-UA" sz="2000" b="1" dirty="0">
-                <a:solidFill>
-                  <a:schemeClr val="bg1"/>
-                </a:solidFill>
-              </a:rPr>
-              <a:t>ГНУЧКИЙ ІНСТРУМЕНТ ДЛЯ УПРАВЛІННЯ ПРОЄКТАМИ ТА КОМАНДНОЮ РОБОТОЮ</a:t>
-            </a:r>
-          </a:p>
-          <a:p>
-            <a:pPr marL="176400" indent="-285750">
-              <a:spcBef>
-                <a:spcPts val="1200"/>
-              </a:spcBef>
-              <a:buFont typeface="Arial" panose="020B0604020202020204" pitchFamily="34" charset="0"/>
-              <a:buChar char="•"/>
-            </a:pPr>
-            <a:r>
-              <a:rPr lang="uk-UA" sz="2000" b="1" dirty="0">
-                <a:solidFill>
-                  <a:schemeClr val="bg1"/>
-                </a:solidFill>
-              </a:rPr>
-              <a:t>ПЛЮСИ: ЗРУЧНИЙ ДЛЯ МАЛИХ ТА ВЕЛИКИХ ПРОЄКТІВ</a:t>
-            </a:r>
-          </a:p>
-          <a:p>
-            <a:pPr marL="176400" indent="-285750">
-              <a:spcBef>
-                <a:spcPts val="1200"/>
-              </a:spcBef>
-              <a:buFont typeface="Arial" panose="020B0604020202020204" pitchFamily="34" charset="0"/>
-              <a:buChar char="•"/>
-            </a:pPr>
-            <a:r>
-              <a:rPr lang="uk-UA" sz="2000" b="1" dirty="0">
-                <a:solidFill>
-                  <a:schemeClr val="bg1"/>
-                </a:solidFill>
-              </a:rPr>
-              <a:t>МІНУСИ: ТРОХИ ВАЖИЙ В ОСВОЄННІ</a:t>
-            </a:r>
-            <a:endParaRPr lang="ru-UA" sz="2000" dirty="0"/>
-          </a:p>
-        </p:txBody>
-      </p:sp>
+          <a:effectLst/>
+          <a:extLst>
+            <a:ext uri="{909E8E84-426E-40DD-AFC4-6F175D3DCCD1}">
+              <a14:hiddenFill xmlns:a14="http://schemas.microsoft.com/office/drawing/2010/main">
+                <a:solidFill>
+                  <a:srgbClr val="FFFFFF"/>
+                </a:solidFill>
+              </a14:hiddenFill>
+            </a:ext>
+          </a:extLst>
+        </p:spPr>
+      </p:pic>
     </p:spTree>
     <p:extLst>
       <p:ext uri="{BB962C8B-B14F-4D97-AF65-F5344CB8AC3E}">
-        <p14:creationId xmlns:p14="http://schemas.microsoft.com/office/powerpoint/2010/main" val="977784054"/>
+        <p14:creationId xmlns:p14="http://schemas.microsoft.com/office/powerpoint/2010/main" val="152266338"/>
       </p:ext>
     </p:extLst>
   </p:cSld>
@@ -12250,58 +10904,150 @@
           </a:prstGeom>
         </p:spPr>
       </p:pic>
-      <p:pic>
-        <p:nvPicPr>
-          <p:cNvPr id="1028" name="Picture 4">
-            <a:extLst>
-              <a:ext uri="{FF2B5EF4-FFF2-40B4-BE49-F238E27FC236}">
-                <a16:creationId xmlns:a16="http://schemas.microsoft.com/office/drawing/2014/main" id="{42F1E9B2-8D96-45F7-A4D4-B46E74F592A8}"/>
-              </a:ext>
-            </a:extLst>
-          </p:cNvPr>
-          <p:cNvPicPr>
-            <a:picLocks noChangeAspect="1" noChangeArrowheads="1"/>
-          </p:cNvPicPr>
+      <p:sp>
+        <p:nvSpPr>
+          <p:cNvPr id="4" name="TextBox 3">
+            <a:extLst>
+              <a:ext uri="{FF2B5EF4-FFF2-40B4-BE49-F238E27FC236}">
+                <a16:creationId xmlns:a16="http://schemas.microsoft.com/office/drawing/2014/main" id="{23B90C3E-A9F1-49D4-AFC0-6600767C72F5}"/>
+              </a:ext>
+            </a:extLst>
+          </p:cNvPr>
+          <p:cNvSpPr txBox="1"/>
           <p:nvPr/>
-        </p:nvPicPr>
-        <p:blipFill>
-          <a:blip r:embed="rId3">
-            <a:extLst>
-              <a:ext uri="{28A0092B-C50C-407E-A947-70E740481C1C}">
-                <a14:useLocalDpi xmlns:a14="http://schemas.microsoft.com/office/drawing/2010/main" val="0"/>
-              </a:ext>
-            </a:extLst>
-          </a:blip>
-          <a:srcRect/>
-          <a:stretch>
-            <a:fillRect/>
-          </a:stretch>
-        </p:blipFill>
-        <p:spPr bwMode="auto">
-          <a:xfrm>
-            <a:off x="1581150" y="419100"/>
-            <a:ext cx="9029700" cy="6019800"/>
+        </p:nvSpPr>
+        <p:spPr>
+          <a:xfrm>
+            <a:off x="819150" y="1399584"/>
+            <a:ext cx="10553700" cy="1151597"/>
           </a:xfrm>
           <a:prstGeom prst="rect">
             <a:avLst/>
           </a:prstGeom>
           <a:noFill/>
-          <a:effectLst/>
-          <a:extLst>
-            <a:ext uri="{909E8E84-426E-40DD-AFC4-6F175D3DCCD1}">
-              <a14:hiddenFill xmlns:a14="http://schemas.microsoft.com/office/drawing/2010/main">
-                <a:solidFill>
-                  <a:srgbClr val="FFFFFF"/>
-                </a:solidFill>
-              </a14:hiddenFill>
-            </a:ext>
-          </a:extLst>
-        </p:spPr>
-      </p:pic>
+        </p:spPr>
+        <p:txBody>
+          <a:bodyPr wrap="square" rtlCol="0">
+            <a:spAutoFit/>
+          </a:bodyPr>
+          <a:lstStyle/>
+          <a:p>
+            <a:pPr>
+              <a:spcAft>
+                <a:spcPts val="125"/>
+              </a:spcAft>
+            </a:pPr>
+            <a:r>
+              <a:rPr lang="uk-UA" sz="3600" b="1" dirty="0">
+                <a:solidFill>
+                  <a:schemeClr val="bg1"/>
+                </a:solidFill>
+              </a:rPr>
+              <a:t>ОГЛЯД АНАЛОГІВ </a:t>
+            </a:r>
+          </a:p>
+          <a:p>
+            <a:pPr>
+              <a:spcAft>
+                <a:spcPts val="125"/>
+              </a:spcAft>
+            </a:pPr>
+            <a:r>
+              <a:rPr lang="en-US" sz="3200" i="1" dirty="0">
+                <a:solidFill>
+                  <a:schemeClr val="bg1"/>
+                </a:solidFill>
+              </a:rPr>
+              <a:t>TRELLO</a:t>
+            </a:r>
+          </a:p>
+        </p:txBody>
+      </p:sp>
+      <p:sp>
+        <p:nvSpPr>
+          <p:cNvPr id="5" name="TextBox 4">
+            <a:extLst>
+              <a:ext uri="{FF2B5EF4-FFF2-40B4-BE49-F238E27FC236}">
+                <a16:creationId xmlns:a16="http://schemas.microsoft.com/office/drawing/2014/main" id="{9E70C335-2D9B-4EA5-8C48-4DB8DE55145E}"/>
+              </a:ext>
+            </a:extLst>
+          </p:cNvPr>
+          <p:cNvSpPr txBox="1"/>
+          <p:nvPr/>
+        </p:nvSpPr>
+        <p:spPr>
+          <a:xfrm>
+            <a:off x="1200150" y="3126998"/>
+            <a:ext cx="9763125" cy="1323439"/>
+          </a:xfrm>
+          <a:prstGeom prst="rect">
+            <a:avLst/>
+          </a:prstGeom>
+          <a:noFill/>
+        </p:spPr>
+        <p:txBody>
+          <a:bodyPr wrap="square">
+            <a:spAutoFit/>
+          </a:bodyPr>
+          <a:lstStyle/>
+          <a:p>
+            <a:pPr marL="176400" indent="-285750">
+              <a:spcBef>
+                <a:spcPts val="1200"/>
+              </a:spcBef>
+              <a:buFont typeface="Arial" panose="020B0604020202020204" pitchFamily="34" charset="0"/>
+              <a:buChar char="•"/>
+            </a:pPr>
+            <a:r>
+              <a:rPr lang="uk-UA" sz="2000" b="1" dirty="0">
+                <a:solidFill>
+                  <a:schemeClr val="bg1"/>
+                </a:solidFill>
+              </a:rPr>
+              <a:t>ПРОСТИЙ У ВИКОРИСТАННІ ІНСТРУМЕНТ УПРАВЛІННЯ ЗАВДАННЯМИ</a:t>
+            </a:r>
+          </a:p>
+          <a:p>
+            <a:pPr marL="176400" indent="-285750">
+              <a:spcBef>
+                <a:spcPts val="1200"/>
+              </a:spcBef>
+              <a:buFont typeface="Arial" panose="020B0604020202020204" pitchFamily="34" charset="0"/>
+              <a:buChar char="•"/>
+            </a:pPr>
+            <a:r>
+              <a:rPr lang="uk-UA" sz="2000" b="1" dirty="0">
+                <a:solidFill>
+                  <a:schemeClr val="bg1"/>
+                </a:solidFill>
+              </a:rPr>
+              <a:t>ПЛЮСИ: ПРОСТИЙ ТА ЗРОЗУМІЛИЙ ІНТЕРФЕЙС</a:t>
+            </a:r>
+          </a:p>
+          <a:p>
+            <a:pPr marL="176400" indent="-285750">
+              <a:spcBef>
+                <a:spcPts val="1200"/>
+              </a:spcBef>
+              <a:buFont typeface="Arial" panose="020B0604020202020204" pitchFamily="34" charset="0"/>
+              <a:buChar char="•"/>
+            </a:pPr>
+            <a:r>
+              <a:rPr lang="uk-UA" sz="2000" b="1" dirty="0">
+                <a:solidFill>
+                  <a:schemeClr val="bg1"/>
+                </a:solidFill>
+              </a:rPr>
+              <a:t>МІНУСИ: ОБМЕЖЕНА ФУНКЦІОНАЛЬНІСТЬ ДЛЯ ВЕЛИКИХ ПРОЄКТІВ</a:t>
+            </a:r>
+            <a:endParaRPr lang="ru-UA" sz="2000" dirty="0"/>
+          </a:p>
+        </p:txBody>
+      </p:sp>
     </p:spTree>
     <p:extLst>
       <p:ext uri="{BB962C8B-B14F-4D97-AF65-F5344CB8AC3E}">
-        <p14:creationId xmlns:p14="http://schemas.microsoft.com/office/powerpoint/2010/main" val="152266338"/>
+        <p14:creationId xmlns:p14="http://schemas.microsoft.com/office/powerpoint/2010/main" val="398638390"/>
       </p:ext>
     </p:extLst>
   </p:cSld>
@@ -12364,150 +11110,42 @@
           </a:prstGeom>
         </p:spPr>
       </p:pic>
-      <p:sp>
-        <p:nvSpPr>
-          <p:cNvPr id="4" name="TextBox 3">
-            <a:extLst>
-              <a:ext uri="{FF2B5EF4-FFF2-40B4-BE49-F238E27FC236}">
-                <a16:creationId xmlns:a16="http://schemas.microsoft.com/office/drawing/2014/main" id="{23B90C3E-A9F1-49D4-AFC0-6600767C72F5}"/>
-              </a:ext>
-            </a:extLst>
-          </p:cNvPr>
-          <p:cNvSpPr txBox="1"/>
+      <p:pic>
+        <p:nvPicPr>
+          <p:cNvPr id="3" name="Рисунок 2">
+            <a:extLst>
+              <a:ext uri="{FF2B5EF4-FFF2-40B4-BE49-F238E27FC236}">
+                <a16:creationId xmlns:a16="http://schemas.microsoft.com/office/drawing/2014/main" id="{51FC2BE4-72E1-4FF0-9DA2-6C48009334B1}"/>
+              </a:ext>
+            </a:extLst>
+          </p:cNvPr>
+          <p:cNvPicPr>
+            <a:picLocks noChangeAspect="1"/>
+          </p:cNvPicPr>
           <p:nvPr/>
-        </p:nvSpPr>
-        <p:spPr>
-          <a:xfrm>
-            <a:off x="819150" y="1399584"/>
-            <a:ext cx="10553700" cy="1151597"/>
-          </a:xfrm>
-          <a:prstGeom prst="rect">
-            <a:avLst/>
+        </p:nvPicPr>
+        <p:blipFill>
+          <a:blip r:embed="rId3"/>
+          <a:stretch>
+            <a:fillRect/>
+          </a:stretch>
+        </p:blipFill>
+        <p:spPr>
+          <a:xfrm>
+            <a:off x="1352466" y="466725"/>
+            <a:ext cx="9487068" cy="5924550"/>
+          </a:xfrm>
+          <a:prstGeom prst="roundRect">
+            <a:avLst>
+              <a:gd name="adj" fmla="val 3828"/>
+            </a:avLst>
           </a:prstGeom>
-          <a:noFill/>
-        </p:spPr>
-        <p:txBody>
-          <a:bodyPr wrap="square" rtlCol="0">
-            <a:spAutoFit/>
-          </a:bodyPr>
-          <a:lstStyle/>
-          <a:p>
-            <a:pPr>
-              <a:spcAft>
-                <a:spcPts val="125"/>
-              </a:spcAft>
-            </a:pPr>
-            <a:r>
-              <a:rPr lang="uk-UA" sz="3600" b="1" dirty="0">
-                <a:solidFill>
-                  <a:schemeClr val="bg1"/>
-                </a:solidFill>
-              </a:rPr>
-              <a:t>ОГЛЯД АНАЛОГІВ </a:t>
-            </a:r>
-          </a:p>
-          <a:p>
-            <a:pPr>
-              <a:spcAft>
-                <a:spcPts val="125"/>
-              </a:spcAft>
-            </a:pPr>
-            <a:r>
-              <a:rPr lang="en-US" sz="3200" i="1" dirty="0">
-                <a:solidFill>
-                  <a:schemeClr val="bg1"/>
-                </a:solidFill>
-              </a:rPr>
-              <a:t>TRELLO</a:t>
-            </a:r>
-          </a:p>
-        </p:txBody>
-      </p:sp>
-      <p:sp>
-        <p:nvSpPr>
-          <p:cNvPr id="5" name="TextBox 4">
-            <a:extLst>
-              <a:ext uri="{FF2B5EF4-FFF2-40B4-BE49-F238E27FC236}">
-                <a16:creationId xmlns:a16="http://schemas.microsoft.com/office/drawing/2014/main" id="{9E70C335-2D9B-4EA5-8C48-4DB8DE55145E}"/>
-              </a:ext>
-            </a:extLst>
-          </p:cNvPr>
-          <p:cNvSpPr txBox="1"/>
-          <p:nvPr/>
-        </p:nvSpPr>
-        <p:spPr>
-          <a:xfrm>
-            <a:off x="1200150" y="3126998"/>
-            <a:ext cx="9763125" cy="1323439"/>
-          </a:xfrm>
-          <a:prstGeom prst="rect">
-            <a:avLst/>
-          </a:prstGeom>
-          <a:noFill/>
-        </p:spPr>
-        <p:txBody>
-          <a:bodyPr wrap="square">
-            <a:spAutoFit/>
-          </a:bodyPr>
-          <a:lstStyle/>
-          <a:p>
-            <a:pPr marL="176400" indent="-285750">
-              <a:spcBef>
-                <a:spcPts val="1200"/>
-              </a:spcBef>
-              <a:buFont typeface="Arial" panose="020B0604020202020204" pitchFamily="34" charset="0"/>
-              <a:buChar char="•"/>
-            </a:pPr>
-            <a:r>
-              <a:rPr lang="uk-UA" sz="2000" b="1" dirty="0">
-                <a:solidFill>
-                  <a:schemeClr val="bg1"/>
-                </a:solidFill>
-              </a:rPr>
-              <a:t>ПРОСТИЙ У ВИКОРИСТАННІ ІНСТРУМЕНТ УПРАВЛІННЯ ЗАВДАННЯМИ</a:t>
-            </a:r>
-          </a:p>
-          <a:p>
-            <a:pPr marL="176400" indent="-285750">
-              <a:spcBef>
-                <a:spcPts val="1200"/>
-              </a:spcBef>
-              <a:buFont typeface="Arial" panose="020B0604020202020204" pitchFamily="34" charset="0"/>
-              <a:buChar char="•"/>
-            </a:pPr>
-            <a:r>
-              <a:rPr lang="uk-UA" sz="2000" b="1" dirty="0">
-                <a:solidFill>
-                  <a:schemeClr val="bg1"/>
-                </a:solidFill>
-              </a:rPr>
-              <a:t>ПЛЮСИ: ПРОСТИЙ ТА ЗРОЗУМІЛИЙ ІНТЕРФЕЙС</a:t>
-            </a:r>
-          </a:p>
-          <a:p>
-            <a:pPr marL="176400" indent="-285750">
-              <a:spcBef>
-                <a:spcPts val="1200"/>
-              </a:spcBef>
-              <a:buFont typeface="Arial" panose="020B0604020202020204" pitchFamily="34" charset="0"/>
-              <a:buChar char="•"/>
-            </a:pPr>
-            <a:r>
-              <a:rPr lang="uk-UA" sz="2000" b="1" dirty="0">
-                <a:solidFill>
-                  <a:schemeClr val="bg1"/>
-                </a:solidFill>
-              </a:rPr>
-              <a:t>МІНУСИ: ОБМЕЖЕНА ФУНКЦІОНАЛЬНІСТЬ ДЛЯ ВЕЛИКИХ ПРОЄКТІВ</a:t>
-            </a:r>
-            <a:endParaRPr lang="ru-UA" sz="2000" dirty="0"/>
-          </a:p>
-        </p:txBody>
-      </p:sp>
+        </p:spPr>
+      </p:pic>
     </p:spTree>
     <p:extLst>
       <p:ext uri="{BB962C8B-B14F-4D97-AF65-F5344CB8AC3E}">
-        <p14:creationId xmlns:p14="http://schemas.microsoft.com/office/powerpoint/2010/main" val="398638390"/>
+        <p14:creationId xmlns:p14="http://schemas.microsoft.com/office/powerpoint/2010/main" val="2508806349"/>
       </p:ext>
     </p:extLst>
   </p:cSld>
@@ -12570,42 +11208,150 @@
           </a:prstGeom>
         </p:spPr>
       </p:pic>
-      <p:pic>
-        <p:nvPicPr>
-          <p:cNvPr id="3" name="Рисунок 2">
-            <a:extLst>
-              <a:ext uri="{FF2B5EF4-FFF2-40B4-BE49-F238E27FC236}">
-                <a16:creationId xmlns:a16="http://schemas.microsoft.com/office/drawing/2014/main" id="{51FC2BE4-72E1-4FF0-9DA2-6C48009334B1}"/>
-              </a:ext>
-            </a:extLst>
-          </p:cNvPr>
-          <p:cNvPicPr>
-            <a:picLocks noChangeAspect="1"/>
-          </p:cNvPicPr>
+      <p:sp>
+        <p:nvSpPr>
+          <p:cNvPr id="3" name="TextBox 2">
+            <a:extLst>
+              <a:ext uri="{FF2B5EF4-FFF2-40B4-BE49-F238E27FC236}">
+                <a16:creationId xmlns:a16="http://schemas.microsoft.com/office/drawing/2014/main" id="{2B49E728-5774-487A-9121-3836E5613B81}"/>
+              </a:ext>
+            </a:extLst>
+          </p:cNvPr>
+          <p:cNvSpPr txBox="1"/>
           <p:nvPr/>
-        </p:nvPicPr>
-        <p:blipFill>
-          <a:blip r:embed="rId3"/>
-          <a:stretch>
-            <a:fillRect/>
-          </a:stretch>
-        </p:blipFill>
-        <p:spPr>
-          <a:xfrm>
-            <a:off x="1352466" y="466725"/>
-            <a:ext cx="9487068" cy="5924550"/>
-          </a:xfrm>
-          <a:prstGeom prst="roundRect">
-            <a:avLst>
-              <a:gd name="adj" fmla="val 3828"/>
-            </a:avLst>
+        </p:nvSpPr>
+        <p:spPr>
+          <a:xfrm>
+            <a:off x="819150" y="1399584"/>
+            <a:ext cx="10553700" cy="1151597"/>
+          </a:xfrm>
+          <a:prstGeom prst="rect">
+            <a:avLst/>
           </a:prstGeom>
-        </p:spPr>
-      </p:pic>
+          <a:noFill/>
+        </p:spPr>
+        <p:txBody>
+          <a:bodyPr wrap="square" rtlCol="0">
+            <a:spAutoFit/>
+          </a:bodyPr>
+          <a:lstStyle/>
+          <a:p>
+            <a:pPr>
+              <a:spcAft>
+                <a:spcPts val="125"/>
+              </a:spcAft>
+            </a:pPr>
+            <a:r>
+              <a:rPr lang="uk-UA" sz="3600" b="1" dirty="0">
+                <a:solidFill>
+                  <a:schemeClr val="bg1"/>
+                </a:solidFill>
+              </a:rPr>
+              <a:t>ОГЛЯД АНАЛОГІВ </a:t>
+            </a:r>
+          </a:p>
+          <a:p>
+            <a:pPr>
+              <a:spcAft>
+                <a:spcPts val="125"/>
+              </a:spcAft>
+            </a:pPr>
+            <a:r>
+              <a:rPr lang="en-US" sz="3200" i="1" dirty="0">
+                <a:solidFill>
+                  <a:schemeClr val="bg1"/>
+                </a:solidFill>
+              </a:rPr>
+              <a:t>JIRA</a:t>
+            </a:r>
+          </a:p>
+        </p:txBody>
+      </p:sp>
+      <p:sp>
+        <p:nvSpPr>
+          <p:cNvPr id="4" name="TextBox 3">
+            <a:extLst>
+              <a:ext uri="{FF2B5EF4-FFF2-40B4-BE49-F238E27FC236}">
+                <a16:creationId xmlns:a16="http://schemas.microsoft.com/office/drawing/2014/main" id="{1C987E9D-D858-4504-A843-8769990B2598}"/>
+              </a:ext>
+            </a:extLst>
+          </p:cNvPr>
+          <p:cNvSpPr txBox="1"/>
+          <p:nvPr/>
+        </p:nvSpPr>
+        <p:spPr>
+          <a:xfrm>
+            <a:off x="1200150" y="3126998"/>
+            <a:ext cx="9763125" cy="1323439"/>
+          </a:xfrm>
+          <a:prstGeom prst="rect">
+            <a:avLst/>
+          </a:prstGeom>
+          <a:noFill/>
+        </p:spPr>
+        <p:txBody>
+          <a:bodyPr wrap="square">
+            <a:spAutoFit/>
+          </a:bodyPr>
+          <a:lstStyle/>
+          <a:p>
+            <a:pPr marL="176400" indent="-285750">
+              <a:spcBef>
+                <a:spcPts val="1200"/>
+              </a:spcBef>
+              <a:buFont typeface="Arial" panose="020B0604020202020204" pitchFamily="34" charset="0"/>
+              <a:buChar char="•"/>
+            </a:pPr>
+            <a:r>
+              <a:rPr lang="uk-UA" sz="2000" b="1" dirty="0">
+                <a:solidFill>
+                  <a:schemeClr val="bg1"/>
+                </a:solidFill>
+              </a:rPr>
+              <a:t>ІНСТРУМЕНТ УПРАВЛІННЯ ВЕЛИКИМИ ПРОЄКТАМИ</a:t>
+            </a:r>
+          </a:p>
+          <a:p>
+            <a:pPr marL="176400" indent="-285750">
+              <a:spcBef>
+                <a:spcPts val="1200"/>
+              </a:spcBef>
+              <a:buFont typeface="Arial" panose="020B0604020202020204" pitchFamily="34" charset="0"/>
+              <a:buChar char="•"/>
+            </a:pPr>
+            <a:r>
+              <a:rPr lang="uk-UA" sz="2000" b="1" dirty="0">
+                <a:solidFill>
+                  <a:schemeClr val="bg1"/>
+                </a:solidFill>
+              </a:rPr>
+              <a:t>ПЛЮСИ: ПІДХОДИТЬ ДЛЯ ВЕЛИКИХ ПРОЄКТІВ, ГНУЧКІСТЬ НАЛАШТУВАНЬ</a:t>
+            </a:r>
+          </a:p>
+          <a:p>
+            <a:pPr marL="176400" indent="-285750">
+              <a:spcBef>
+                <a:spcPts val="1200"/>
+              </a:spcBef>
+              <a:buFont typeface="Arial" panose="020B0604020202020204" pitchFamily="34" charset="0"/>
+              <a:buChar char="•"/>
+            </a:pPr>
+            <a:r>
+              <a:rPr lang="uk-UA" sz="2000" b="1" dirty="0">
+                <a:solidFill>
+                  <a:schemeClr val="bg1"/>
+                </a:solidFill>
+              </a:rPr>
+              <a:t>МІНУСИ: ВИСОКА ВАРТІСТЬ ТА СКЛАДНІСТЬ ОСВОЄННЯ</a:t>
+            </a:r>
+            <a:endParaRPr lang="ru-UA" sz="2000" dirty="0"/>
+          </a:p>
+        </p:txBody>
+      </p:sp>
     </p:spTree>
     <p:extLst>
       <p:ext uri="{BB962C8B-B14F-4D97-AF65-F5344CB8AC3E}">
-        <p14:creationId xmlns:p14="http://schemas.microsoft.com/office/powerpoint/2010/main" val="2508806349"/>
+        <p14:creationId xmlns:p14="http://schemas.microsoft.com/office/powerpoint/2010/main" val="1819738380"/>
       </p:ext>
     </p:extLst>
   </p:cSld>

--- a/Andronik_WorkWave-Presentation.pptx
+++ b/Andronik_WorkWave-Presentation.pptx
@@ -220,7 +220,7 @@
           <a:p>
             <a:fld id="{5B4C0755-B82B-4D4B-B107-99F24ABFF84A}" type="datetimeFigureOut">
               <a:rPr lang="ru-UA" smtClean="0"/>
-              <a:t>23.05.2024</a:t>
+              <a:t>24.05.2024</a:t>
             </a:fld>
             <a:endParaRPr lang="ru-UA"/>
           </a:p>
@@ -1057,7 +1057,7 @@
           <a:p>
             <a:fld id="{FF93059C-1247-4E28-81D8-385B7923FCFF}" type="datetimeFigureOut">
               <a:rPr lang="ru-UA" smtClean="0"/>
-              <a:t>23.05.2024</a:t>
+              <a:t>24.05.2024</a:t>
             </a:fld>
             <a:endParaRPr lang="ru-UA"/>
           </a:p>
@@ -1257,7 +1257,7 @@
           <a:p>
             <a:fld id="{FF93059C-1247-4E28-81D8-385B7923FCFF}" type="datetimeFigureOut">
               <a:rPr lang="ru-UA" smtClean="0"/>
-              <a:t>23.05.2024</a:t>
+              <a:t>24.05.2024</a:t>
             </a:fld>
             <a:endParaRPr lang="ru-UA"/>
           </a:p>
@@ -1467,7 +1467,7 @@
           <a:p>
             <a:fld id="{FF93059C-1247-4E28-81D8-385B7923FCFF}" type="datetimeFigureOut">
               <a:rPr lang="ru-UA" smtClean="0"/>
-              <a:t>23.05.2024</a:t>
+              <a:t>24.05.2024</a:t>
             </a:fld>
             <a:endParaRPr lang="ru-UA"/>
           </a:p>
@@ -1667,7 +1667,7 @@
           <a:p>
             <a:fld id="{FF93059C-1247-4E28-81D8-385B7923FCFF}" type="datetimeFigureOut">
               <a:rPr lang="ru-UA" smtClean="0"/>
-              <a:t>23.05.2024</a:t>
+              <a:t>24.05.2024</a:t>
             </a:fld>
             <a:endParaRPr lang="ru-UA"/>
           </a:p>
@@ -1943,7 +1943,7 @@
           <a:p>
             <a:fld id="{FF93059C-1247-4E28-81D8-385B7923FCFF}" type="datetimeFigureOut">
               <a:rPr lang="ru-UA" smtClean="0"/>
-              <a:t>23.05.2024</a:t>
+              <a:t>24.05.2024</a:t>
             </a:fld>
             <a:endParaRPr lang="ru-UA"/>
           </a:p>
@@ -2211,7 +2211,7 @@
           <a:p>
             <a:fld id="{FF93059C-1247-4E28-81D8-385B7923FCFF}" type="datetimeFigureOut">
               <a:rPr lang="ru-UA" smtClean="0"/>
-              <a:t>23.05.2024</a:t>
+              <a:t>24.05.2024</a:t>
             </a:fld>
             <a:endParaRPr lang="ru-UA"/>
           </a:p>
@@ -2626,7 +2626,7 @@
           <a:p>
             <a:fld id="{FF93059C-1247-4E28-81D8-385B7923FCFF}" type="datetimeFigureOut">
               <a:rPr lang="ru-UA" smtClean="0"/>
-              <a:t>23.05.2024</a:t>
+              <a:t>24.05.2024</a:t>
             </a:fld>
             <a:endParaRPr lang="ru-UA"/>
           </a:p>
@@ -2768,7 +2768,7 @@
           <a:p>
             <a:fld id="{FF93059C-1247-4E28-81D8-385B7923FCFF}" type="datetimeFigureOut">
               <a:rPr lang="ru-UA" smtClean="0"/>
-              <a:t>23.05.2024</a:t>
+              <a:t>24.05.2024</a:t>
             </a:fld>
             <a:endParaRPr lang="ru-UA"/>
           </a:p>
@@ -2881,7 +2881,7 @@
           <a:p>
             <a:fld id="{FF93059C-1247-4E28-81D8-385B7923FCFF}" type="datetimeFigureOut">
               <a:rPr lang="ru-UA" smtClean="0"/>
-              <a:t>23.05.2024</a:t>
+              <a:t>24.05.2024</a:t>
             </a:fld>
             <a:endParaRPr lang="ru-UA"/>
           </a:p>
@@ -3194,7 +3194,7 @@
           <a:p>
             <a:fld id="{FF93059C-1247-4E28-81D8-385B7923FCFF}" type="datetimeFigureOut">
               <a:rPr lang="ru-UA" smtClean="0"/>
-              <a:t>23.05.2024</a:t>
+              <a:t>24.05.2024</a:t>
             </a:fld>
             <a:endParaRPr lang="ru-UA"/>
           </a:p>
@@ -3483,7 +3483,7 @@
           <a:p>
             <a:fld id="{FF93059C-1247-4E28-81D8-385B7923FCFF}" type="datetimeFigureOut">
               <a:rPr lang="ru-UA" smtClean="0"/>
-              <a:t>23.05.2024</a:t>
+              <a:t>24.05.2024</a:t>
             </a:fld>
             <a:endParaRPr lang="ru-UA"/>
           </a:p>
@@ -3726,7 +3726,7 @@
           <a:p>
             <a:fld id="{FF93059C-1247-4E28-81D8-385B7923FCFF}" type="datetimeFigureOut">
               <a:rPr lang="ru-UA" smtClean="0"/>
-              <a:t>23.05.2024</a:t>
+              <a:t>24.05.2024</a:t>
             </a:fld>
             <a:endParaRPr lang="ru-UA"/>
           </a:p>
@@ -4971,12 +4971,8 @@
               <a:t>ассистент </a:t>
             </a:r>
             <a:r>
-              <a:rPr lang="uk-UA" sz="2000" b="1" dirty="0" err="1"/>
-              <a:t>Ватаманіца</a:t>
-            </a:r>
-            <a:r>
               <a:rPr lang="uk-UA" sz="2000" b="1" dirty="0"/>
-              <a:t> Едгар Вадимович</a:t>
+              <a:t>Ватаманіца Едгар Вадимович</a:t>
             </a:r>
             <a:endParaRPr dirty="0"/>
           </a:p>
